--- a/figures/WHAMP_FlowDiagram.pptx
+++ b/figures/WHAMP_FlowDiagram.pptx
@@ -5,16 +5,17 @@
     <p:sldMasterId id="2147483648" r:id="rId1"/>
   </p:sldMasterIdLst>
   <p:notesMasterIdLst>
-    <p:notesMasterId r:id="rId9"/>
+    <p:notesMasterId r:id="rId10"/>
   </p:notesMasterIdLst>
   <p:sldIdLst>
-    <p:sldId id="263" r:id="rId2"/>
-    <p:sldId id="257" r:id="rId3"/>
-    <p:sldId id="258" r:id="rId4"/>
-    <p:sldId id="265" r:id="rId5"/>
-    <p:sldId id="266" r:id="rId6"/>
-    <p:sldId id="264" r:id="rId7"/>
-    <p:sldId id="261" r:id="rId8"/>
+    <p:sldId id="257" r:id="rId2"/>
+    <p:sldId id="258" r:id="rId3"/>
+    <p:sldId id="267" r:id="rId4"/>
+    <p:sldId id="268" r:id="rId5"/>
+    <p:sldId id="265" r:id="rId6"/>
+    <p:sldId id="266" r:id="rId7"/>
+    <p:sldId id="264" r:id="rId8"/>
+    <p:sldId id="261" r:id="rId9"/>
   </p:sldIdLst>
   <p:sldSz cx="12192000" cy="6858000"/>
   <p:notesSz cx="6858000" cy="9144000"/>
@@ -203,7 +204,7 @@
           <a:p>
             <a:fld id="{ADB5050D-5D68-1347-85A3-B3BE3162EAB7}" type="datetimeFigureOut">
               <a:rPr lang="en-US" smtClean="0"/>
-              <a:t>11/30/18</a:t>
+              <a:t>12/3/18</a:t>
             </a:fld>
             <a:endParaRPr lang="en-US"/>
           </a:p>
@@ -599,7 +600,7 @@
           <a:p>
             <a:fld id="{F5921A1B-DB67-384C-9576-E87AA14871FA}" type="datetimeFigureOut">
               <a:rPr lang="en-US" smtClean="0"/>
-              <a:t>11/30/18</a:t>
+              <a:t>12/3/18</a:t>
             </a:fld>
             <a:endParaRPr lang="en-US"/>
           </a:p>
@@ -767,7 +768,7 @@
           <a:p>
             <a:fld id="{F5921A1B-DB67-384C-9576-E87AA14871FA}" type="datetimeFigureOut">
               <a:rPr lang="en-US" smtClean="0"/>
-              <a:t>11/30/18</a:t>
+              <a:t>12/3/18</a:t>
             </a:fld>
             <a:endParaRPr lang="en-US"/>
           </a:p>
@@ -945,7 +946,7 @@
           <a:p>
             <a:fld id="{F5921A1B-DB67-384C-9576-E87AA14871FA}" type="datetimeFigureOut">
               <a:rPr lang="en-US" smtClean="0"/>
-              <a:t>11/30/18</a:t>
+              <a:t>12/3/18</a:t>
             </a:fld>
             <a:endParaRPr lang="en-US"/>
           </a:p>
@@ -1113,7 +1114,7 @@
           <a:p>
             <a:fld id="{F5921A1B-DB67-384C-9576-E87AA14871FA}" type="datetimeFigureOut">
               <a:rPr lang="en-US" smtClean="0"/>
-              <a:t>11/30/18</a:t>
+              <a:t>12/3/18</a:t>
             </a:fld>
             <a:endParaRPr lang="en-US"/>
           </a:p>
@@ -1358,7 +1359,7 @@
           <a:p>
             <a:fld id="{F5921A1B-DB67-384C-9576-E87AA14871FA}" type="datetimeFigureOut">
               <a:rPr lang="en-US" smtClean="0"/>
-              <a:t>11/30/18</a:t>
+              <a:t>12/3/18</a:t>
             </a:fld>
             <a:endParaRPr lang="en-US"/>
           </a:p>
@@ -1587,7 +1588,7 @@
           <a:p>
             <a:fld id="{F5921A1B-DB67-384C-9576-E87AA14871FA}" type="datetimeFigureOut">
               <a:rPr lang="en-US" smtClean="0"/>
-              <a:t>11/30/18</a:t>
+              <a:t>12/3/18</a:t>
             </a:fld>
             <a:endParaRPr lang="en-US"/>
           </a:p>
@@ -1951,7 +1952,7 @@
           <a:p>
             <a:fld id="{F5921A1B-DB67-384C-9576-E87AA14871FA}" type="datetimeFigureOut">
               <a:rPr lang="en-US" smtClean="0"/>
-              <a:t>11/30/18</a:t>
+              <a:t>12/3/18</a:t>
             </a:fld>
             <a:endParaRPr lang="en-US"/>
           </a:p>
@@ -2068,7 +2069,7 @@
           <a:p>
             <a:fld id="{F5921A1B-DB67-384C-9576-E87AA14871FA}" type="datetimeFigureOut">
               <a:rPr lang="en-US" smtClean="0"/>
-              <a:t>11/30/18</a:t>
+              <a:t>12/3/18</a:t>
             </a:fld>
             <a:endParaRPr lang="en-US"/>
           </a:p>
@@ -2163,7 +2164,7 @@
           <a:p>
             <a:fld id="{F5921A1B-DB67-384C-9576-E87AA14871FA}" type="datetimeFigureOut">
               <a:rPr lang="en-US" smtClean="0"/>
-              <a:t>11/30/18</a:t>
+              <a:t>12/3/18</a:t>
             </a:fld>
             <a:endParaRPr lang="en-US"/>
           </a:p>
@@ -2438,7 +2439,7 @@
           <a:p>
             <a:fld id="{F5921A1B-DB67-384C-9576-E87AA14871FA}" type="datetimeFigureOut">
               <a:rPr lang="en-US" smtClean="0"/>
-              <a:t>11/30/18</a:t>
+              <a:t>12/3/18</a:t>
             </a:fld>
             <a:endParaRPr lang="en-US"/>
           </a:p>
@@ -2690,7 +2691,7 @@
           <a:p>
             <a:fld id="{F5921A1B-DB67-384C-9576-E87AA14871FA}" type="datetimeFigureOut">
               <a:rPr lang="en-US" smtClean="0"/>
-              <a:t>11/30/18</a:t>
+              <a:t>12/3/18</a:t>
             </a:fld>
             <a:endParaRPr lang="en-US"/>
           </a:p>
@@ -2901,7 +2902,7 @@
           <a:p>
             <a:fld id="{F5921A1B-DB67-384C-9576-E87AA14871FA}" type="datetimeFigureOut">
               <a:rPr lang="en-US" smtClean="0"/>
-              <a:t>11/30/18</a:t>
+              <a:t>12/3/18</a:t>
             </a:fld>
             <a:endParaRPr lang="en-US"/>
           </a:p>
@@ -3290,2136 +3291,6 @@
 </file>
 
 <file path=ppt/slides/slide1.xml><?xml version="1.0" encoding="utf-8"?>
-<p:sld xmlns:a="http://schemas.openxmlformats.org/drawingml/2006/main" xmlns:r="http://schemas.openxmlformats.org/officeDocument/2006/relationships" xmlns:p="http://schemas.openxmlformats.org/presentationml/2006/main">
-  <p:cSld>
-    <p:spTree>
-      <p:nvGrpSpPr>
-        <p:cNvPr id="1" name=""/>
-        <p:cNvGrpSpPr/>
-        <p:nvPr/>
-      </p:nvGrpSpPr>
-      <p:grpSpPr>
-        <a:xfrm>
-          <a:off x="0" y="0"/>
-          <a:ext cx="0" cy="0"/>
-          <a:chOff x="0" y="0"/>
-          <a:chExt cx="0" cy="0"/>
-        </a:xfrm>
-      </p:grpSpPr>
-      <p:grpSp>
-        <p:nvGrpSpPr>
-          <p:cNvPr id="5" name="Group 4">
-            <a:extLst>
-              <a:ext uri="{FF2B5EF4-FFF2-40B4-BE49-F238E27FC236}">
-                <a16:creationId xmlns:a16="http://schemas.microsoft.com/office/drawing/2014/main" id="{6A08738C-6510-D942-A6F8-DEBF089070EC}"/>
-              </a:ext>
-            </a:extLst>
-          </p:cNvPr>
-          <p:cNvGrpSpPr/>
-          <p:nvPr/>
-        </p:nvGrpSpPr>
-        <p:grpSpPr>
-          <a:xfrm>
-            <a:off x="4604678" y="1512687"/>
-            <a:ext cx="1244032" cy="1511106"/>
-            <a:chOff x="25684" y="1864472"/>
-            <a:chExt cx="1244032" cy="1511106"/>
-          </a:xfrm>
-        </p:grpSpPr>
-        <p:pic>
-          <p:nvPicPr>
-            <p:cNvPr id="6" name="Picture 5">
-              <a:extLst>
-                <a:ext uri="{FF2B5EF4-FFF2-40B4-BE49-F238E27FC236}">
-                  <a16:creationId xmlns:a16="http://schemas.microsoft.com/office/drawing/2014/main" id="{5577FE40-79FA-B74F-9EC2-5FA43D8F6BC4}"/>
-                </a:ext>
-              </a:extLst>
-            </p:cNvPr>
-            <p:cNvPicPr>
-              <a:picLocks noChangeAspect="1"/>
-            </p:cNvPicPr>
-            <p:nvPr/>
-          </p:nvPicPr>
-          <p:blipFill>
-            <a:blip r:embed="rId2">
-              <a:duotone>
-                <a:prstClr val="black"/>
-                <a:srgbClr val="FF0000">
-                  <a:tint val="45000"/>
-                  <a:satMod val="400000"/>
-                </a:srgbClr>
-              </a:duotone>
-              <a:extLst>
-                <a:ext uri="{BEBA8EAE-BF5A-486C-A8C5-ECC9F3942E4B}">
-                  <a14:imgProps xmlns:a14="http://schemas.microsoft.com/office/drawing/2010/main">
-                    <a14:imgLayer r:embed="rId3">
-                      <a14:imgEffect>
-                        <a14:saturation sat="66000"/>
-                      </a14:imgEffect>
-                    </a14:imgLayer>
-                  </a14:imgProps>
-                </a:ext>
-              </a:extLst>
-            </a:blip>
-            <a:stretch>
-              <a:fillRect/>
-            </a:stretch>
-          </p:blipFill>
-          <p:spPr>
-            <a:xfrm>
-              <a:off x="838200" y="2421264"/>
-              <a:ext cx="431516" cy="954314"/>
-            </a:xfrm>
-            <a:prstGeom prst="rect">
-              <a:avLst/>
-            </a:prstGeom>
-          </p:spPr>
-        </p:pic>
-        <p:sp>
-          <p:nvSpPr>
-            <p:cNvPr id="7" name="Line Callout 1 6">
-              <a:extLst>
-                <a:ext uri="{FF2B5EF4-FFF2-40B4-BE49-F238E27FC236}">
-                  <a16:creationId xmlns:a16="http://schemas.microsoft.com/office/drawing/2014/main" id="{E981F365-9830-5C49-9B51-05668EFFE069}"/>
-                </a:ext>
-              </a:extLst>
-            </p:cNvPr>
-            <p:cNvSpPr/>
-            <p:nvPr/>
-          </p:nvSpPr>
-          <p:spPr>
-            <a:xfrm>
-              <a:off x="25684" y="1864472"/>
-              <a:ext cx="812516" cy="556791"/>
-            </a:xfrm>
-            <a:prstGeom prst="borderCallout1">
-              <a:avLst>
-                <a:gd name="adj1" fmla="val 30082"/>
-                <a:gd name="adj2" fmla="val 105217"/>
-                <a:gd name="adj3" fmla="val 91632"/>
-                <a:gd name="adj4" fmla="val 119654"/>
-              </a:avLst>
-            </a:prstGeom>
-            <a:noFill/>
-          </p:spPr>
-          <p:style>
-            <a:lnRef idx="2">
-              <a:schemeClr val="accent1">
-                <a:shade val="50000"/>
-              </a:schemeClr>
-            </a:lnRef>
-            <a:fillRef idx="1">
-              <a:schemeClr val="accent1"/>
-            </a:fillRef>
-            <a:effectRef idx="0">
-              <a:schemeClr val="accent1"/>
-            </a:effectRef>
-            <a:fontRef idx="minor">
-              <a:schemeClr val="lt1"/>
-            </a:fontRef>
-          </p:style>
-          <p:txBody>
-            <a:bodyPr rtlCol="0" anchor="ctr"/>
-            <a:lstStyle/>
-            <a:p>
-              <a:pPr algn="ctr"/>
-              <a:r>
-                <a:rPr lang="en-US" sz="1200" dirty="0">
-                  <a:solidFill>
-                    <a:schemeClr val="tx1"/>
-                  </a:solidFill>
-                </a:rPr>
-                <a:t>Income</a:t>
-              </a:r>
-            </a:p>
-            <a:p>
-              <a:pPr algn="ctr"/>
-              <a:r>
-                <a:rPr lang="en-US" sz="1200" dirty="0">
-                  <a:solidFill>
-                    <a:schemeClr val="tx1"/>
-                  </a:solidFill>
-                </a:rPr>
-                <a:t>Insurance</a:t>
-              </a:r>
-            </a:p>
-            <a:p>
-              <a:pPr algn="ctr"/>
-              <a:r>
-                <a:rPr lang="en-US" sz="1200" dirty="0">
-                  <a:solidFill>
-                    <a:schemeClr val="tx1"/>
-                  </a:solidFill>
-                </a:rPr>
-                <a:t>Age</a:t>
-              </a:r>
-            </a:p>
-          </p:txBody>
-        </p:sp>
-      </p:grpSp>
-      <p:sp>
-        <p:nvSpPr>
-          <p:cNvPr id="14" name="Line Callout 1 13">
-            <a:extLst>
-              <a:ext uri="{FF2B5EF4-FFF2-40B4-BE49-F238E27FC236}">
-                <a16:creationId xmlns:a16="http://schemas.microsoft.com/office/drawing/2014/main" id="{3DAB6D48-CCF3-B24D-ABBD-1553FAADBE84}"/>
-              </a:ext>
-            </a:extLst>
-          </p:cNvPr>
-          <p:cNvSpPr/>
-          <p:nvPr/>
-        </p:nvSpPr>
-        <p:spPr>
-          <a:xfrm>
-            <a:off x="4711891" y="5232878"/>
-            <a:ext cx="610527" cy="276999"/>
-          </a:xfrm>
-          <a:prstGeom prst="borderCallout1">
-            <a:avLst>
-              <a:gd name="adj1" fmla="val 30082"/>
-              <a:gd name="adj2" fmla="val 105217"/>
-              <a:gd name="adj3" fmla="val 91632"/>
-              <a:gd name="adj4" fmla="val 119654"/>
-            </a:avLst>
-          </a:prstGeom>
-          <a:ln>
-            <a:solidFill>
-              <a:schemeClr val="tx2">
-                <a:lumMod val="75000"/>
-              </a:schemeClr>
-            </a:solidFill>
-          </a:ln>
-        </p:spPr>
-        <p:style>
-          <a:lnRef idx="2">
-            <a:schemeClr val="accent1"/>
-          </a:lnRef>
-          <a:fillRef idx="1">
-            <a:schemeClr val="lt1"/>
-          </a:fillRef>
-          <a:effectRef idx="0">
-            <a:schemeClr val="accent1"/>
-          </a:effectRef>
-          <a:fontRef idx="minor">
-            <a:schemeClr val="dk1"/>
-          </a:fontRef>
-        </p:style>
-        <p:txBody>
-          <a:bodyPr rtlCol="0" anchor="ctr"/>
-          <a:lstStyle/>
-          <a:p>
-            <a:pPr algn="ctr"/>
-            <a:r>
-              <a:rPr lang="en-US" sz="1200" dirty="0">
-                <a:solidFill>
-                  <a:schemeClr val="tx1"/>
-                </a:solidFill>
-              </a:rPr>
-              <a:t>HIV- </a:t>
-            </a:r>
-          </a:p>
-        </p:txBody>
-      </p:sp>
-      <p:grpSp>
-        <p:nvGrpSpPr>
-          <p:cNvPr id="2" name="Group 1">
-            <a:extLst>
-              <a:ext uri="{FF2B5EF4-FFF2-40B4-BE49-F238E27FC236}">
-                <a16:creationId xmlns:a16="http://schemas.microsoft.com/office/drawing/2014/main" id="{ADC98ACA-14BE-564D-9C73-09B8019C66E0}"/>
-              </a:ext>
-            </a:extLst>
-          </p:cNvPr>
-          <p:cNvGrpSpPr/>
-          <p:nvPr/>
-        </p:nvGrpSpPr>
-        <p:grpSpPr>
-          <a:xfrm>
-            <a:off x="4631210" y="4475676"/>
-            <a:ext cx="1232545" cy="1511106"/>
-            <a:chOff x="6736286" y="2161713"/>
-            <a:chExt cx="1232545" cy="1511106"/>
-          </a:xfrm>
-        </p:grpSpPr>
-        <p:pic>
-          <p:nvPicPr>
-            <p:cNvPr id="16" name="Picture 15">
-              <a:extLst>
-                <a:ext uri="{FF2B5EF4-FFF2-40B4-BE49-F238E27FC236}">
-                  <a16:creationId xmlns:a16="http://schemas.microsoft.com/office/drawing/2014/main" id="{62E7ED8F-BEDB-1B48-BDA8-814FCD20EB08}"/>
-                </a:ext>
-              </a:extLst>
-            </p:cNvPr>
-            <p:cNvPicPr>
-              <a:picLocks noChangeAspect="1"/>
-            </p:cNvPicPr>
-            <p:nvPr/>
-          </p:nvPicPr>
-          <p:blipFill>
-            <a:blip r:embed="rId4"/>
-            <a:stretch>
-              <a:fillRect/>
-            </a:stretch>
-          </p:blipFill>
-          <p:spPr>
-            <a:xfrm>
-              <a:off x="7537315" y="2718505"/>
-              <a:ext cx="431516" cy="954314"/>
-            </a:xfrm>
-            <a:prstGeom prst="rect">
-              <a:avLst/>
-            </a:prstGeom>
-          </p:spPr>
-        </p:pic>
-        <p:sp>
-          <p:nvSpPr>
-            <p:cNvPr id="19" name="Line Callout 1 18">
-              <a:extLst>
-                <a:ext uri="{FF2B5EF4-FFF2-40B4-BE49-F238E27FC236}">
-                  <a16:creationId xmlns:a16="http://schemas.microsoft.com/office/drawing/2014/main" id="{28851A00-EBB2-964A-A54A-825D13E60B57}"/>
-                </a:ext>
-              </a:extLst>
-            </p:cNvPr>
-            <p:cNvSpPr/>
-            <p:nvPr/>
-          </p:nvSpPr>
-          <p:spPr>
-            <a:xfrm>
-              <a:off x="6736286" y="2161713"/>
-              <a:ext cx="812516" cy="556791"/>
-            </a:xfrm>
-            <a:prstGeom prst="borderCallout1">
-              <a:avLst>
-                <a:gd name="adj1" fmla="val 30082"/>
-                <a:gd name="adj2" fmla="val 105217"/>
-                <a:gd name="adj3" fmla="val 91632"/>
-                <a:gd name="adj4" fmla="val 119654"/>
-              </a:avLst>
-            </a:prstGeom>
-            <a:noFill/>
-          </p:spPr>
-          <p:style>
-            <a:lnRef idx="2">
-              <a:schemeClr val="accent1">
-                <a:shade val="50000"/>
-              </a:schemeClr>
-            </a:lnRef>
-            <a:fillRef idx="1">
-              <a:schemeClr val="accent1"/>
-            </a:fillRef>
-            <a:effectRef idx="0">
-              <a:schemeClr val="accent1"/>
-            </a:effectRef>
-            <a:fontRef idx="minor">
-              <a:schemeClr val="lt1"/>
-            </a:fontRef>
-          </p:style>
-          <p:txBody>
-            <a:bodyPr rtlCol="0" anchor="ctr"/>
-            <a:lstStyle/>
-            <a:p>
-              <a:pPr algn="ctr"/>
-              <a:r>
-                <a:rPr lang="en-US" sz="1200" dirty="0">
-                  <a:solidFill>
-                    <a:schemeClr val="tx1"/>
-                  </a:solidFill>
-                </a:rPr>
-                <a:t>Income</a:t>
-              </a:r>
-            </a:p>
-            <a:p>
-              <a:pPr algn="ctr"/>
-              <a:r>
-                <a:rPr lang="en-US" sz="1200" dirty="0">
-                  <a:solidFill>
-                    <a:schemeClr val="tx1"/>
-                  </a:solidFill>
-                </a:rPr>
-                <a:t>Insurance</a:t>
-              </a:r>
-            </a:p>
-            <a:p>
-              <a:pPr algn="ctr"/>
-              <a:r>
-                <a:rPr lang="en-US" sz="1200" dirty="0">
-                  <a:solidFill>
-                    <a:schemeClr val="tx1"/>
-                  </a:solidFill>
-                </a:rPr>
-                <a:t>Age</a:t>
-              </a:r>
-            </a:p>
-          </p:txBody>
-        </p:sp>
-      </p:grpSp>
-      <p:sp>
-        <p:nvSpPr>
-          <p:cNvPr id="20" name="Line Callout 1 19">
-            <a:extLst>
-              <a:ext uri="{FF2B5EF4-FFF2-40B4-BE49-F238E27FC236}">
-                <a16:creationId xmlns:a16="http://schemas.microsoft.com/office/drawing/2014/main" id="{24452448-9E81-BC4E-8EC1-6100B2399841}"/>
-              </a:ext>
-            </a:extLst>
-          </p:cNvPr>
-          <p:cNvSpPr/>
-          <p:nvPr/>
-        </p:nvSpPr>
-        <p:spPr>
-          <a:xfrm>
-            <a:off x="4685360" y="2269637"/>
-            <a:ext cx="610527" cy="276999"/>
-          </a:xfrm>
-          <a:prstGeom prst="borderCallout1">
-            <a:avLst>
-              <a:gd name="adj1" fmla="val 30082"/>
-              <a:gd name="adj2" fmla="val 105217"/>
-              <a:gd name="adj3" fmla="val 91632"/>
-              <a:gd name="adj4" fmla="val 119654"/>
-            </a:avLst>
-          </a:prstGeom>
-          <a:ln>
-            <a:solidFill>
-              <a:schemeClr val="tx2">
-                <a:lumMod val="75000"/>
-              </a:schemeClr>
-            </a:solidFill>
-          </a:ln>
-        </p:spPr>
-        <p:style>
-          <a:lnRef idx="2">
-            <a:schemeClr val="accent1"/>
-          </a:lnRef>
-          <a:fillRef idx="1">
-            <a:schemeClr val="lt1"/>
-          </a:fillRef>
-          <a:effectRef idx="0">
-            <a:schemeClr val="accent1"/>
-          </a:effectRef>
-          <a:fontRef idx="minor">
-            <a:schemeClr val="dk1"/>
-          </a:fontRef>
-        </p:style>
-        <p:txBody>
-          <a:bodyPr rtlCol="0" anchor="ctr"/>
-          <a:lstStyle/>
-          <a:p>
-            <a:pPr algn="ctr"/>
-            <a:r>
-              <a:rPr lang="en-US" sz="1200" dirty="0">
-                <a:solidFill>
-                  <a:schemeClr val="tx1"/>
-                </a:solidFill>
-              </a:rPr>
-              <a:t>HIV+ </a:t>
-            </a:r>
-          </a:p>
-        </p:txBody>
-      </p:sp>
-      <p:grpSp>
-        <p:nvGrpSpPr>
-          <p:cNvPr id="21" name="Group 20">
-            <a:extLst>
-              <a:ext uri="{FF2B5EF4-FFF2-40B4-BE49-F238E27FC236}">
-                <a16:creationId xmlns:a16="http://schemas.microsoft.com/office/drawing/2014/main" id="{50D76FFB-526D-5145-9E87-8D33EA9465DB}"/>
-              </a:ext>
-            </a:extLst>
-          </p:cNvPr>
-          <p:cNvGrpSpPr/>
-          <p:nvPr/>
-        </p:nvGrpSpPr>
-        <p:grpSpPr>
-          <a:xfrm>
-            <a:off x="6192389" y="1495248"/>
-            <a:ext cx="1150009" cy="1484555"/>
-            <a:chOff x="2111922" y="1642049"/>
-            <a:chExt cx="1150009" cy="1484555"/>
-          </a:xfrm>
-        </p:grpSpPr>
-        <p:cxnSp>
-          <p:nvCxnSpPr>
-            <p:cNvPr id="23" name="Elbow Connector 22">
-              <a:extLst>
-                <a:ext uri="{FF2B5EF4-FFF2-40B4-BE49-F238E27FC236}">
-                  <a16:creationId xmlns:a16="http://schemas.microsoft.com/office/drawing/2014/main" id="{9D312762-545D-9A40-A0DE-19C954A2F66F}"/>
-                </a:ext>
-              </a:extLst>
-            </p:cNvPr>
-            <p:cNvCxnSpPr>
-              <a:cxnSpLocks/>
-              <a:stCxn id="29" idx="0"/>
-            </p:cNvCxnSpPr>
-            <p:nvPr/>
-          </p:nvCxnSpPr>
-          <p:spPr>
-            <a:xfrm rot="5400000" flipH="1" flipV="1">
-              <a:off x="2353191" y="1649693"/>
-              <a:ext cx="631864" cy="1114402"/>
-            </a:xfrm>
-            <a:prstGeom prst="bentConnector2">
-              <a:avLst/>
-            </a:prstGeom>
-            <a:noFill/>
-            <a:ln w="28575" cap="flat" cmpd="sng" algn="ctr">
-              <a:solidFill>
-                <a:sysClr val="windowText" lastClr="000000">
-                  <a:lumMod val="75000"/>
-                  <a:lumOff val="25000"/>
-                </a:sysClr>
-              </a:solidFill>
-              <a:prstDash val="solid"/>
-            </a:ln>
-            <a:effectLst/>
-          </p:spPr>
-        </p:cxnSp>
-        <p:sp>
-          <p:nvSpPr>
-            <p:cNvPr id="24" name="TextBox 23">
-              <a:extLst>
-                <a:ext uri="{FF2B5EF4-FFF2-40B4-BE49-F238E27FC236}">
-                  <a16:creationId xmlns:a16="http://schemas.microsoft.com/office/drawing/2014/main" id="{5A6709F1-A982-8344-A038-B390493AF737}"/>
-                </a:ext>
-              </a:extLst>
-            </p:cNvPr>
-            <p:cNvSpPr txBox="1"/>
-            <p:nvPr/>
-          </p:nvSpPr>
-          <p:spPr>
-            <a:xfrm>
-              <a:off x="2152263" y="1642049"/>
-              <a:ext cx="812516" cy="276999"/>
-            </a:xfrm>
-            <a:prstGeom prst="rect">
-              <a:avLst/>
-            </a:prstGeom>
-            <a:noFill/>
-          </p:spPr>
-          <p:txBody>
-            <a:bodyPr wrap="square" rtlCol="0">
-              <a:spAutoFit/>
-            </a:bodyPr>
-            <a:lstStyle/>
-            <a:p>
-              <a:pPr marL="0" marR="0" lvl="0" indent="0" defTabSz="914400" eaLnBrk="1" fontAlgn="auto" latinLnBrk="0" hangingPunct="1">
-                <a:lnSpc>
-                  <a:spcPct val="100000"/>
-                </a:lnSpc>
-                <a:spcBef>
-                  <a:spcPts val="0"/>
-                </a:spcBef>
-                <a:spcAft>
-                  <a:spcPts val="0"/>
-                </a:spcAft>
-                <a:buClrTx/>
-                <a:buSzTx/>
-                <a:buFontTx/>
-                <a:buNone/>
-                <a:tabLst/>
-                <a:defRPr/>
-              </a:pPr>
-              <a:r>
-                <a:rPr kumimoji="0" lang="en-US" sz="1200" b="0" i="0" u="none" strike="noStrike" kern="0" cap="none" spc="0" normalizeH="0" baseline="0" noProof="0" dirty="0">
-                  <a:ln>
-                    <a:noFill/>
-                  </a:ln>
-                  <a:solidFill>
-                    <a:prstClr val="black"/>
-                  </a:solidFill>
-                  <a:effectLst/>
-                  <a:uLnTx/>
-                  <a:uFillTx/>
-                </a:rPr>
-                <a:t>HIV test</a:t>
-              </a:r>
-            </a:p>
-          </p:txBody>
-        </p:sp>
-        <p:cxnSp>
-          <p:nvCxnSpPr>
-            <p:cNvPr id="25" name="Elbow Connector 24">
-              <a:extLst>
-                <a:ext uri="{FF2B5EF4-FFF2-40B4-BE49-F238E27FC236}">
-                  <a16:creationId xmlns:a16="http://schemas.microsoft.com/office/drawing/2014/main" id="{DDAE1BCE-337E-E94C-9B36-EAAD3A974314}"/>
-                </a:ext>
-              </a:extLst>
-            </p:cNvPr>
-            <p:cNvCxnSpPr>
-              <a:cxnSpLocks/>
-            </p:cNvCxnSpPr>
-            <p:nvPr/>
-          </p:nvCxnSpPr>
-          <p:spPr>
-            <a:xfrm>
-              <a:off x="2119375" y="2719153"/>
-              <a:ext cx="1099689" cy="407451"/>
-            </a:xfrm>
-            <a:prstGeom prst="bentConnector3">
-              <a:avLst>
-                <a:gd name="adj1" fmla="val -135"/>
-              </a:avLst>
-            </a:prstGeom>
-            <a:noFill/>
-            <a:ln w="28575" cap="flat" cmpd="sng" algn="ctr">
-              <a:solidFill>
-                <a:sysClr val="windowText" lastClr="000000">
-                  <a:lumMod val="75000"/>
-                  <a:lumOff val="25000"/>
-                </a:sysClr>
-              </a:solidFill>
-              <a:prstDash val="solid"/>
-            </a:ln>
-            <a:effectLst/>
-          </p:spPr>
-        </p:cxnSp>
-        <p:sp>
-          <p:nvSpPr>
-            <p:cNvPr id="26" name="TextBox 25">
-              <a:extLst>
-                <a:ext uri="{FF2B5EF4-FFF2-40B4-BE49-F238E27FC236}">
-                  <a16:creationId xmlns:a16="http://schemas.microsoft.com/office/drawing/2014/main" id="{89F5D166-5DFD-6B4F-AF04-173AD4FF7FAF}"/>
-                </a:ext>
-              </a:extLst>
-            </p:cNvPr>
-            <p:cNvSpPr txBox="1"/>
-            <p:nvPr/>
-          </p:nvSpPr>
-          <p:spPr>
-            <a:xfrm>
-              <a:off x="2164944" y="2849605"/>
-              <a:ext cx="1096987" cy="276999"/>
-            </a:xfrm>
-            <a:prstGeom prst="rect">
-              <a:avLst/>
-            </a:prstGeom>
-            <a:noFill/>
-          </p:spPr>
-          <p:txBody>
-            <a:bodyPr wrap="square" rtlCol="0">
-              <a:spAutoFit/>
-            </a:bodyPr>
-            <a:lstStyle/>
-            <a:p>
-              <a:pPr marL="0" marR="0" lvl="0" indent="0" defTabSz="914400" eaLnBrk="1" fontAlgn="auto" latinLnBrk="0" hangingPunct="1">
-                <a:lnSpc>
-                  <a:spcPct val="100000"/>
-                </a:lnSpc>
-                <a:spcBef>
-                  <a:spcPts val="0"/>
-                </a:spcBef>
-                <a:spcAft>
-                  <a:spcPts val="0"/>
-                </a:spcAft>
-                <a:buClrTx/>
-                <a:buSzTx/>
-                <a:buFontTx/>
-                <a:buNone/>
-                <a:tabLst/>
-                <a:defRPr/>
-              </a:pPr>
-              <a:r>
-                <a:rPr kumimoji="0" lang="en-US" sz="1200" b="0" i="0" u="none" strike="noStrike" kern="0" cap="none" spc="0" normalizeH="0" baseline="0" noProof="0" dirty="0">
-                  <a:ln>
-                    <a:noFill/>
-                  </a:ln>
-                  <a:solidFill>
-                    <a:prstClr val="black"/>
-                  </a:solidFill>
-                  <a:effectLst/>
-                  <a:uLnTx/>
-                  <a:uFillTx/>
-                </a:rPr>
-                <a:t>Do nothing</a:t>
-              </a:r>
-            </a:p>
-          </p:txBody>
-        </p:sp>
-      </p:grpSp>
-      <p:sp>
-        <p:nvSpPr>
-          <p:cNvPr id="29" name="Rectangle 28">
-            <a:extLst>
-              <a:ext uri="{FF2B5EF4-FFF2-40B4-BE49-F238E27FC236}">
-                <a16:creationId xmlns:a16="http://schemas.microsoft.com/office/drawing/2014/main" id="{722F3801-FC30-5849-B59E-4F0839F4F1F0}"/>
-              </a:ext>
-            </a:extLst>
-          </p:cNvPr>
-          <p:cNvSpPr/>
-          <p:nvPr/>
-        </p:nvSpPr>
-        <p:spPr>
-          <a:xfrm>
-            <a:off x="6100949" y="2376025"/>
-            <a:ext cx="182880" cy="182880"/>
-          </a:xfrm>
-          <a:prstGeom prst="rect">
-            <a:avLst/>
-          </a:prstGeom>
-          <a:ln w="25400">
-            <a:solidFill>
-              <a:schemeClr val="tx2">
-                <a:lumMod val="75000"/>
-              </a:schemeClr>
-            </a:solidFill>
-          </a:ln>
-        </p:spPr>
-        <p:style>
-          <a:lnRef idx="2">
-            <a:schemeClr val="accent1">
-              <a:shade val="50000"/>
-            </a:schemeClr>
-          </a:lnRef>
-          <a:fillRef idx="1">
-            <a:schemeClr val="accent1"/>
-          </a:fillRef>
-          <a:effectRef idx="0">
-            <a:schemeClr val="accent1"/>
-          </a:effectRef>
-          <a:fontRef idx="minor">
-            <a:schemeClr val="lt1"/>
-          </a:fontRef>
-        </p:style>
-        <p:txBody>
-          <a:bodyPr rtlCol="0" anchor="ctr"/>
-          <a:lstStyle/>
-          <a:p>
-            <a:pPr algn="ctr"/>
-            <a:endParaRPr lang="en-US"/>
-          </a:p>
-        </p:txBody>
-      </p:sp>
-      <p:grpSp>
-        <p:nvGrpSpPr>
-          <p:cNvPr id="45" name="Group 44">
-            <a:extLst>
-              <a:ext uri="{FF2B5EF4-FFF2-40B4-BE49-F238E27FC236}">
-                <a16:creationId xmlns:a16="http://schemas.microsoft.com/office/drawing/2014/main" id="{E541AE32-CE93-954A-8E81-32772885FBB5}"/>
-              </a:ext>
-            </a:extLst>
-          </p:cNvPr>
-          <p:cNvGrpSpPr/>
-          <p:nvPr/>
-        </p:nvGrpSpPr>
-        <p:grpSpPr>
-          <a:xfrm>
-            <a:off x="7231892" y="1409223"/>
-            <a:ext cx="1248263" cy="1121387"/>
-            <a:chOff x="7231892" y="1409223"/>
-            <a:chExt cx="1248263" cy="1121387"/>
-          </a:xfrm>
-        </p:grpSpPr>
-        <p:cxnSp>
-          <p:nvCxnSpPr>
-            <p:cNvPr id="34" name="Elbow Connector 33">
-              <a:extLst>
-                <a:ext uri="{FF2B5EF4-FFF2-40B4-BE49-F238E27FC236}">
-                  <a16:creationId xmlns:a16="http://schemas.microsoft.com/office/drawing/2014/main" id="{321F64AA-F7E5-574F-A0D8-C7478B7F3D4B}"/>
-                </a:ext>
-              </a:extLst>
-            </p:cNvPr>
-            <p:cNvCxnSpPr>
-              <a:cxnSpLocks/>
-            </p:cNvCxnSpPr>
-            <p:nvPr/>
-          </p:nvCxnSpPr>
-          <p:spPr>
-            <a:xfrm flipV="1">
-              <a:off x="7299531" y="1409223"/>
-              <a:ext cx="1154744" cy="241509"/>
-            </a:xfrm>
-            <a:prstGeom prst="bentConnector3">
-              <a:avLst>
-                <a:gd name="adj1" fmla="val 1090"/>
-              </a:avLst>
-            </a:prstGeom>
-            <a:noFill/>
-            <a:ln w="28575" cap="flat" cmpd="sng" algn="ctr">
-              <a:solidFill>
-                <a:sysClr val="windowText" lastClr="000000">
-                  <a:lumMod val="75000"/>
-                  <a:lumOff val="25000"/>
-                </a:sysClr>
-              </a:solidFill>
-              <a:prstDash val="solid"/>
-            </a:ln>
-            <a:effectLst/>
-          </p:spPr>
-        </p:cxnSp>
-        <p:cxnSp>
-          <p:nvCxnSpPr>
-            <p:cNvPr id="41" name="Elbow Connector 40">
-              <a:extLst>
-                <a:ext uri="{FF2B5EF4-FFF2-40B4-BE49-F238E27FC236}">
-                  <a16:creationId xmlns:a16="http://schemas.microsoft.com/office/drawing/2014/main" id="{2E5FE4CF-8ADC-9E44-868D-1105996117EB}"/>
-                </a:ext>
-              </a:extLst>
-            </p:cNvPr>
-            <p:cNvCxnSpPr>
-              <a:cxnSpLocks/>
-            </p:cNvCxnSpPr>
-            <p:nvPr/>
-          </p:nvCxnSpPr>
-          <p:spPr>
-            <a:xfrm>
-              <a:off x="7312978" y="1820591"/>
-              <a:ext cx="1167177" cy="710019"/>
-            </a:xfrm>
-            <a:prstGeom prst="bentConnector3">
-              <a:avLst>
-                <a:gd name="adj1" fmla="val 460"/>
-              </a:avLst>
-            </a:prstGeom>
-            <a:noFill/>
-            <a:ln w="28575" cap="flat" cmpd="sng" algn="ctr">
-              <a:solidFill>
-                <a:sysClr val="windowText" lastClr="000000">
-                  <a:lumMod val="75000"/>
-                  <a:lumOff val="25000"/>
-                </a:sysClr>
-              </a:solidFill>
-              <a:prstDash val="solid"/>
-            </a:ln>
-            <a:effectLst/>
-          </p:spPr>
-        </p:cxnSp>
-        <p:sp>
-          <p:nvSpPr>
-            <p:cNvPr id="44" name="Rectangle 43">
-              <a:extLst>
-                <a:ext uri="{FF2B5EF4-FFF2-40B4-BE49-F238E27FC236}">
-                  <a16:creationId xmlns:a16="http://schemas.microsoft.com/office/drawing/2014/main" id="{983C4AF4-13B5-AE41-954A-5642C9CA1743}"/>
-                </a:ext>
-              </a:extLst>
-            </p:cNvPr>
-            <p:cNvSpPr/>
-            <p:nvPr/>
-          </p:nvSpPr>
-          <p:spPr>
-            <a:xfrm>
-              <a:off x="7231892" y="1640046"/>
-              <a:ext cx="182880" cy="182880"/>
-            </a:xfrm>
-            <a:prstGeom prst="rect">
-              <a:avLst/>
-            </a:prstGeom>
-            <a:ln w="25400">
-              <a:solidFill>
-                <a:schemeClr val="tx2">
-                  <a:lumMod val="75000"/>
-                </a:schemeClr>
-              </a:solidFill>
-            </a:ln>
-          </p:spPr>
-          <p:style>
-            <a:lnRef idx="2">
-              <a:schemeClr val="accent1">
-                <a:shade val="50000"/>
-              </a:schemeClr>
-            </a:lnRef>
-            <a:fillRef idx="1">
-              <a:schemeClr val="accent1"/>
-            </a:fillRef>
-            <a:effectRef idx="0">
-              <a:schemeClr val="accent1"/>
-            </a:effectRef>
-            <a:fontRef idx="minor">
-              <a:schemeClr val="lt1"/>
-            </a:fontRef>
-          </p:style>
-          <p:txBody>
-            <a:bodyPr rtlCol="0" anchor="ctr"/>
-            <a:lstStyle/>
-            <a:p>
-              <a:pPr algn="ctr"/>
-              <a:endParaRPr lang="en-US"/>
-            </a:p>
-          </p:txBody>
-        </p:sp>
-      </p:grpSp>
-      <p:sp>
-        <p:nvSpPr>
-          <p:cNvPr id="46" name="TextBox 45">
-            <a:extLst>
-              <a:ext uri="{FF2B5EF4-FFF2-40B4-BE49-F238E27FC236}">
-                <a16:creationId xmlns:a16="http://schemas.microsoft.com/office/drawing/2014/main" id="{2598A2E2-E941-2D4A-9579-3BF926212054}"/>
-              </a:ext>
-            </a:extLst>
-          </p:cNvPr>
-          <p:cNvSpPr txBox="1"/>
-          <p:nvPr/>
-        </p:nvSpPr>
-        <p:spPr>
-          <a:xfrm>
-            <a:off x="7349212" y="1137567"/>
-            <a:ext cx="1216563" cy="276999"/>
-          </a:xfrm>
-          <a:prstGeom prst="rect">
-            <a:avLst/>
-          </a:prstGeom>
-          <a:noFill/>
-        </p:spPr>
-        <p:txBody>
-          <a:bodyPr wrap="square" rtlCol="0">
-            <a:spAutoFit/>
-          </a:bodyPr>
-          <a:lstStyle/>
-          <a:p>
-            <a:pPr marL="0" marR="0" lvl="0" indent="0" defTabSz="914400" eaLnBrk="1" fontAlgn="auto" latinLnBrk="0" hangingPunct="1">
-              <a:lnSpc>
-                <a:spcPct val="100000"/>
-              </a:lnSpc>
-              <a:spcBef>
-                <a:spcPts val="0"/>
-              </a:spcBef>
-              <a:spcAft>
-                <a:spcPts val="0"/>
-              </a:spcAft>
-              <a:buClrTx/>
-              <a:buSzTx/>
-              <a:buFontTx/>
-              <a:buNone/>
-              <a:tabLst/>
-              <a:defRPr/>
-            </a:pPr>
-            <a:r>
-              <a:rPr kumimoji="0" lang="en-US" sz="1200" b="0" i="0" u="none" strike="noStrike" kern="0" cap="none" spc="0" normalizeH="0" baseline="0" noProof="0" dirty="0">
-                <a:ln>
-                  <a:noFill/>
-                </a:ln>
-                <a:solidFill>
-                  <a:prstClr val="black"/>
-                </a:solidFill>
-                <a:effectLst/>
-                <a:uLnTx/>
-                <a:uFillTx/>
-              </a:rPr>
-              <a:t>Apply for ADAP</a:t>
-            </a:r>
-          </a:p>
-        </p:txBody>
-      </p:sp>
-      <p:sp>
-        <p:nvSpPr>
-          <p:cNvPr id="47" name="TextBox 46">
-            <a:extLst>
-              <a:ext uri="{FF2B5EF4-FFF2-40B4-BE49-F238E27FC236}">
-                <a16:creationId xmlns:a16="http://schemas.microsoft.com/office/drawing/2014/main" id="{793BE4FC-3667-404C-B2DD-2CCA9268EF0B}"/>
-              </a:ext>
-            </a:extLst>
-          </p:cNvPr>
-          <p:cNvSpPr txBox="1"/>
-          <p:nvPr/>
-        </p:nvSpPr>
-        <p:spPr>
-          <a:xfrm>
-            <a:off x="7349212" y="2275112"/>
-            <a:ext cx="1216563" cy="276999"/>
-          </a:xfrm>
-          <a:prstGeom prst="rect">
-            <a:avLst/>
-          </a:prstGeom>
-          <a:noFill/>
-        </p:spPr>
-        <p:txBody>
-          <a:bodyPr wrap="square" rtlCol="0">
-            <a:spAutoFit/>
-          </a:bodyPr>
-          <a:lstStyle/>
-          <a:p>
-            <a:pPr marL="0" marR="0" lvl="0" indent="0" defTabSz="914400" eaLnBrk="1" fontAlgn="auto" latinLnBrk="0" hangingPunct="1">
-              <a:lnSpc>
-                <a:spcPct val="100000"/>
-              </a:lnSpc>
-              <a:spcBef>
-                <a:spcPts val="0"/>
-              </a:spcBef>
-              <a:spcAft>
-                <a:spcPts val="0"/>
-              </a:spcAft>
-              <a:buClrTx/>
-              <a:buSzTx/>
-              <a:buFontTx/>
-              <a:buNone/>
-              <a:tabLst/>
-              <a:defRPr/>
-            </a:pPr>
-            <a:r>
-              <a:rPr kumimoji="0" lang="en-US" sz="1200" b="0" i="0" u="none" strike="noStrike" kern="0" cap="none" spc="0" normalizeH="0" baseline="0" noProof="0" dirty="0">
-                <a:ln>
-                  <a:noFill/>
-                </a:ln>
-                <a:solidFill>
-                  <a:prstClr val="black"/>
-                </a:solidFill>
-                <a:effectLst/>
-                <a:uLnTx/>
-                <a:uFillTx/>
-              </a:rPr>
-              <a:t>Do nothing</a:t>
-            </a:r>
-          </a:p>
-        </p:txBody>
-      </p:sp>
-      <p:grpSp>
-        <p:nvGrpSpPr>
-          <p:cNvPr id="83" name="Group 82">
-            <a:extLst>
-              <a:ext uri="{FF2B5EF4-FFF2-40B4-BE49-F238E27FC236}">
-                <a16:creationId xmlns:a16="http://schemas.microsoft.com/office/drawing/2014/main" id="{224D5237-E92F-864B-A743-45C182BEB564}"/>
-              </a:ext>
-            </a:extLst>
-          </p:cNvPr>
-          <p:cNvGrpSpPr/>
-          <p:nvPr/>
-        </p:nvGrpSpPr>
-        <p:grpSpPr>
-          <a:xfrm>
-            <a:off x="8460888" y="802788"/>
-            <a:ext cx="1333883" cy="1073070"/>
-            <a:chOff x="8474335" y="802788"/>
-            <a:chExt cx="1333883" cy="1073070"/>
-          </a:xfrm>
-        </p:grpSpPr>
-        <p:sp>
-          <p:nvSpPr>
-            <p:cNvPr id="59" name="Oval 58">
-              <a:extLst>
-                <a:ext uri="{FF2B5EF4-FFF2-40B4-BE49-F238E27FC236}">
-                  <a16:creationId xmlns:a16="http://schemas.microsoft.com/office/drawing/2014/main" id="{A0BC3CC8-DCE2-2242-8D11-D97A1F7D19FA}"/>
-                </a:ext>
-              </a:extLst>
-            </p:cNvPr>
-            <p:cNvSpPr/>
-            <p:nvPr/>
-          </p:nvSpPr>
-          <p:spPr>
-            <a:xfrm>
-              <a:off x="8474335" y="1329807"/>
-              <a:ext cx="182880" cy="182880"/>
-            </a:xfrm>
-            <a:prstGeom prst="ellipse">
-              <a:avLst/>
-            </a:prstGeom>
-            <a:solidFill>
-              <a:srgbClr val="8FB08C">
-                <a:lumMod val="60000"/>
-                <a:lumOff val="40000"/>
-              </a:srgbClr>
-            </a:solidFill>
-            <a:ln w="25400" cap="flat" cmpd="sng" algn="ctr">
-              <a:solidFill>
-                <a:srgbClr val="8FB08C">
-                  <a:lumMod val="50000"/>
-                </a:srgbClr>
-              </a:solidFill>
-              <a:prstDash val="solid"/>
-            </a:ln>
-            <a:effectLst/>
-          </p:spPr>
-          <p:txBody>
-            <a:bodyPr rtlCol="0" anchor="ctr"/>
-            <a:lstStyle/>
-            <a:p>
-              <a:pPr marL="0" marR="0" lvl="0" indent="0" algn="ctr" defTabSz="914400" eaLnBrk="1" fontAlgn="auto" latinLnBrk="0" hangingPunct="1">
-                <a:lnSpc>
-                  <a:spcPct val="100000"/>
-                </a:lnSpc>
-                <a:spcBef>
-                  <a:spcPts val="0"/>
-                </a:spcBef>
-                <a:spcAft>
-                  <a:spcPts val="0"/>
-                </a:spcAft>
-                <a:buClrTx/>
-                <a:buSzTx/>
-                <a:buFontTx/>
-                <a:buNone/>
-                <a:tabLst/>
-                <a:defRPr/>
-              </a:pPr>
-              <a:endParaRPr kumimoji="0" lang="en-US" sz="1800" b="0" i="0" u="none" strike="noStrike" kern="0" cap="none" spc="0" normalizeH="0" baseline="0" noProof="0">
-                <a:ln>
-                  <a:noFill/>
-                </a:ln>
-                <a:solidFill>
-                  <a:prstClr val="white"/>
-                </a:solidFill>
-                <a:effectLst/>
-                <a:uLnTx/>
-                <a:uFillTx/>
-                <a:latin typeface="Arial"/>
-                <a:ea typeface=""/>
-                <a:cs typeface=""/>
-              </a:endParaRPr>
-            </a:p>
-          </p:txBody>
-        </p:sp>
-        <p:cxnSp>
-          <p:nvCxnSpPr>
-            <p:cNvPr id="60" name="Elbow Connector 59">
-              <a:extLst>
-                <a:ext uri="{FF2B5EF4-FFF2-40B4-BE49-F238E27FC236}">
-                  <a16:creationId xmlns:a16="http://schemas.microsoft.com/office/drawing/2014/main" id="{ABE7B130-014B-CE43-9AE1-7028D3254413}"/>
-                </a:ext>
-              </a:extLst>
-            </p:cNvPr>
-            <p:cNvCxnSpPr>
-              <a:cxnSpLocks/>
-            </p:cNvCxnSpPr>
-            <p:nvPr/>
-          </p:nvCxnSpPr>
-          <p:spPr>
-            <a:xfrm flipV="1">
-              <a:off x="8552328" y="1079787"/>
-              <a:ext cx="1154744" cy="241509"/>
-            </a:xfrm>
-            <a:prstGeom prst="bentConnector3">
-              <a:avLst>
-                <a:gd name="adj1" fmla="val 1090"/>
-              </a:avLst>
-            </a:prstGeom>
-            <a:noFill/>
-            <a:ln w="28575" cap="flat" cmpd="sng" algn="ctr">
-              <a:solidFill>
-                <a:sysClr val="windowText" lastClr="000000">
-                  <a:lumMod val="75000"/>
-                  <a:lumOff val="25000"/>
-                </a:sysClr>
-              </a:solidFill>
-              <a:prstDash val="solid"/>
-            </a:ln>
-            <a:effectLst/>
-          </p:spPr>
-        </p:cxnSp>
-        <p:cxnSp>
-          <p:nvCxnSpPr>
-            <p:cNvPr id="61" name="Elbow Connector 60">
-              <a:extLst>
-                <a:ext uri="{FF2B5EF4-FFF2-40B4-BE49-F238E27FC236}">
-                  <a16:creationId xmlns:a16="http://schemas.microsoft.com/office/drawing/2014/main" id="{6541B451-45A5-A142-9ECD-BFF00BA4AAE6}"/>
-                </a:ext>
-              </a:extLst>
-            </p:cNvPr>
-            <p:cNvCxnSpPr>
-              <a:cxnSpLocks/>
-            </p:cNvCxnSpPr>
-            <p:nvPr/>
-          </p:nvCxnSpPr>
-          <p:spPr>
-            <a:xfrm>
-              <a:off x="8565775" y="1512687"/>
-              <a:ext cx="1141297" cy="354065"/>
-            </a:xfrm>
-            <a:prstGeom prst="bentConnector3">
-              <a:avLst>
-                <a:gd name="adj1" fmla="val 515"/>
-              </a:avLst>
-            </a:prstGeom>
-            <a:noFill/>
-            <a:ln w="28575" cap="flat" cmpd="sng" algn="ctr">
-              <a:solidFill>
-                <a:sysClr val="windowText" lastClr="000000">
-                  <a:lumMod val="75000"/>
-                  <a:lumOff val="25000"/>
-                </a:sysClr>
-              </a:solidFill>
-              <a:prstDash val="solid"/>
-            </a:ln>
-            <a:effectLst/>
-          </p:spPr>
-        </p:cxnSp>
-        <p:sp>
-          <p:nvSpPr>
-            <p:cNvPr id="64" name="TextBox 63">
-              <a:extLst>
-                <a:ext uri="{FF2B5EF4-FFF2-40B4-BE49-F238E27FC236}">
-                  <a16:creationId xmlns:a16="http://schemas.microsoft.com/office/drawing/2014/main" id="{C4821D95-FEF9-9A4C-97CF-4877D5F3F38A}"/>
-                </a:ext>
-              </a:extLst>
-            </p:cNvPr>
-            <p:cNvSpPr txBox="1"/>
-            <p:nvPr/>
-          </p:nvSpPr>
-          <p:spPr>
-            <a:xfrm>
-              <a:off x="8575297" y="802788"/>
-              <a:ext cx="1216563" cy="276999"/>
-            </a:xfrm>
-            <a:prstGeom prst="rect">
-              <a:avLst/>
-            </a:prstGeom>
-            <a:noFill/>
-          </p:spPr>
-          <p:txBody>
-            <a:bodyPr wrap="square" rtlCol="0">
-              <a:spAutoFit/>
-            </a:bodyPr>
-            <a:lstStyle/>
-            <a:p>
-              <a:pPr marL="0" marR="0" lvl="0" indent="0" defTabSz="914400" eaLnBrk="1" fontAlgn="auto" latinLnBrk="0" hangingPunct="1">
-                <a:lnSpc>
-                  <a:spcPct val="100000"/>
-                </a:lnSpc>
-                <a:spcBef>
-                  <a:spcPts val="0"/>
-                </a:spcBef>
-                <a:spcAft>
-                  <a:spcPts val="0"/>
-                </a:spcAft>
-                <a:buClrTx/>
-                <a:buSzTx/>
-                <a:buFontTx/>
-                <a:buNone/>
-                <a:tabLst/>
-                <a:defRPr/>
-              </a:pPr>
-              <a:r>
-                <a:rPr lang="en-US" sz="1200" kern="0" dirty="0">
-                  <a:solidFill>
-                    <a:prstClr val="black"/>
-                  </a:solidFill>
-                </a:rPr>
-                <a:t>Eligible</a:t>
-              </a:r>
-              <a:endParaRPr kumimoji="0" lang="en-US" sz="1200" b="0" i="0" u="none" strike="noStrike" kern="0" cap="none" spc="0" normalizeH="0" baseline="0" noProof="0" dirty="0">
-                <a:ln>
-                  <a:noFill/>
-                </a:ln>
-                <a:solidFill>
-                  <a:prstClr val="black"/>
-                </a:solidFill>
-                <a:effectLst/>
-                <a:uLnTx/>
-                <a:uFillTx/>
-              </a:endParaRPr>
-            </a:p>
-          </p:txBody>
-        </p:sp>
-        <p:sp>
-          <p:nvSpPr>
-            <p:cNvPr id="65" name="TextBox 64">
-              <a:extLst>
-                <a:ext uri="{FF2B5EF4-FFF2-40B4-BE49-F238E27FC236}">
-                  <a16:creationId xmlns:a16="http://schemas.microsoft.com/office/drawing/2014/main" id="{8C762501-D85D-DF4A-9FB1-509EC211D84B}"/>
-                </a:ext>
-              </a:extLst>
-            </p:cNvPr>
-            <p:cNvSpPr txBox="1"/>
-            <p:nvPr/>
-          </p:nvSpPr>
-          <p:spPr>
-            <a:xfrm>
-              <a:off x="8591655" y="1598859"/>
-              <a:ext cx="1216563" cy="276999"/>
-            </a:xfrm>
-            <a:prstGeom prst="rect">
-              <a:avLst/>
-            </a:prstGeom>
-            <a:noFill/>
-          </p:spPr>
-          <p:txBody>
-            <a:bodyPr wrap="square" rtlCol="0">
-              <a:spAutoFit/>
-            </a:bodyPr>
-            <a:lstStyle/>
-            <a:p>
-              <a:pPr marL="0" marR="0" lvl="0" indent="0" defTabSz="914400" eaLnBrk="1" fontAlgn="auto" latinLnBrk="0" hangingPunct="1">
-                <a:lnSpc>
-                  <a:spcPct val="100000"/>
-                </a:lnSpc>
-                <a:spcBef>
-                  <a:spcPts val="0"/>
-                </a:spcBef>
-                <a:spcAft>
-                  <a:spcPts val="0"/>
-                </a:spcAft>
-                <a:buClrTx/>
-                <a:buSzTx/>
-                <a:buFontTx/>
-                <a:buNone/>
-                <a:tabLst/>
-                <a:defRPr/>
-              </a:pPr>
-              <a:r>
-                <a:rPr lang="en-US" sz="1200" kern="0" dirty="0">
-                  <a:solidFill>
-                    <a:prstClr val="black"/>
-                  </a:solidFill>
-                </a:rPr>
-                <a:t>Not eligible</a:t>
-              </a:r>
-              <a:endParaRPr kumimoji="0" lang="en-US" sz="1200" b="0" i="0" u="none" strike="noStrike" kern="0" cap="none" spc="0" normalizeH="0" baseline="0" noProof="0" dirty="0">
-                <a:ln>
-                  <a:noFill/>
-                </a:ln>
-                <a:solidFill>
-                  <a:prstClr val="black"/>
-                </a:solidFill>
-                <a:effectLst/>
-                <a:uLnTx/>
-                <a:uFillTx/>
-              </a:endParaRPr>
-            </a:p>
-          </p:txBody>
-        </p:sp>
-      </p:grpSp>
-      <p:grpSp>
-        <p:nvGrpSpPr>
-          <p:cNvPr id="84" name="Group 83">
-            <a:extLst>
-              <a:ext uri="{FF2B5EF4-FFF2-40B4-BE49-F238E27FC236}">
-                <a16:creationId xmlns:a16="http://schemas.microsoft.com/office/drawing/2014/main" id="{1EDF3117-4663-184C-A208-811B5AD0A9F9}"/>
-              </a:ext>
-            </a:extLst>
-          </p:cNvPr>
-          <p:cNvGrpSpPr/>
-          <p:nvPr/>
-        </p:nvGrpSpPr>
-        <p:grpSpPr>
-          <a:xfrm>
-            <a:off x="6200563" y="4475676"/>
-            <a:ext cx="1149288" cy="1484555"/>
-            <a:chOff x="2112643" y="1642049"/>
-            <a:chExt cx="1149288" cy="1484555"/>
-          </a:xfrm>
-        </p:grpSpPr>
-        <p:cxnSp>
-          <p:nvCxnSpPr>
-            <p:cNvPr id="85" name="Elbow Connector 84">
-              <a:extLst>
-                <a:ext uri="{FF2B5EF4-FFF2-40B4-BE49-F238E27FC236}">
-                  <a16:creationId xmlns:a16="http://schemas.microsoft.com/office/drawing/2014/main" id="{0163648B-150B-CA4A-B01E-4DE159E77743}"/>
-                </a:ext>
-              </a:extLst>
-            </p:cNvPr>
-            <p:cNvCxnSpPr>
-              <a:cxnSpLocks/>
-            </p:cNvCxnSpPr>
-            <p:nvPr/>
-          </p:nvCxnSpPr>
-          <p:spPr>
-            <a:xfrm rot="5400000" flipH="1" flipV="1">
-              <a:off x="2353912" y="1638006"/>
-              <a:ext cx="631864" cy="1114402"/>
-            </a:xfrm>
-            <a:prstGeom prst="bentConnector2">
-              <a:avLst/>
-            </a:prstGeom>
-            <a:noFill/>
-            <a:ln w="28575" cap="flat" cmpd="sng" algn="ctr">
-              <a:solidFill>
-                <a:sysClr val="windowText" lastClr="000000">
-                  <a:lumMod val="75000"/>
-                  <a:lumOff val="25000"/>
-                </a:sysClr>
-              </a:solidFill>
-              <a:prstDash val="solid"/>
-            </a:ln>
-            <a:effectLst/>
-          </p:spPr>
-        </p:cxnSp>
-        <p:sp>
-          <p:nvSpPr>
-            <p:cNvPr id="86" name="TextBox 85">
-              <a:extLst>
-                <a:ext uri="{FF2B5EF4-FFF2-40B4-BE49-F238E27FC236}">
-                  <a16:creationId xmlns:a16="http://schemas.microsoft.com/office/drawing/2014/main" id="{933431BF-CBE4-A04C-BA3D-2298DB84BF78}"/>
-                </a:ext>
-              </a:extLst>
-            </p:cNvPr>
-            <p:cNvSpPr txBox="1"/>
-            <p:nvPr/>
-          </p:nvSpPr>
-          <p:spPr>
-            <a:xfrm>
-              <a:off x="2152263" y="1642049"/>
-              <a:ext cx="812516" cy="276999"/>
-            </a:xfrm>
-            <a:prstGeom prst="rect">
-              <a:avLst/>
-            </a:prstGeom>
-            <a:noFill/>
-          </p:spPr>
-          <p:txBody>
-            <a:bodyPr wrap="square" rtlCol="0">
-              <a:spAutoFit/>
-            </a:bodyPr>
-            <a:lstStyle/>
-            <a:p>
-              <a:pPr marL="0" marR="0" lvl="0" indent="0" defTabSz="914400" eaLnBrk="1" fontAlgn="auto" latinLnBrk="0" hangingPunct="1">
-                <a:lnSpc>
-                  <a:spcPct val="100000"/>
-                </a:lnSpc>
-                <a:spcBef>
-                  <a:spcPts val="0"/>
-                </a:spcBef>
-                <a:spcAft>
-                  <a:spcPts val="0"/>
-                </a:spcAft>
-                <a:buClrTx/>
-                <a:buSzTx/>
-                <a:buFontTx/>
-                <a:buNone/>
-                <a:tabLst/>
-                <a:defRPr/>
-              </a:pPr>
-              <a:r>
-                <a:rPr kumimoji="0" lang="en-US" sz="1200" b="0" i="0" u="none" strike="noStrike" kern="0" cap="none" spc="0" normalizeH="0" baseline="0" noProof="0" dirty="0">
-                  <a:ln>
-                    <a:noFill/>
-                  </a:ln>
-                  <a:solidFill>
-                    <a:prstClr val="black"/>
-                  </a:solidFill>
-                  <a:effectLst/>
-                  <a:uLnTx/>
-                  <a:uFillTx/>
-                </a:rPr>
-                <a:t>HIV test</a:t>
-              </a:r>
-            </a:p>
-          </p:txBody>
-        </p:sp>
-        <p:cxnSp>
-          <p:nvCxnSpPr>
-            <p:cNvPr id="87" name="Elbow Connector 86">
-              <a:extLst>
-                <a:ext uri="{FF2B5EF4-FFF2-40B4-BE49-F238E27FC236}">
-                  <a16:creationId xmlns:a16="http://schemas.microsoft.com/office/drawing/2014/main" id="{7FC7152E-5507-0243-B58C-2E50A7FA162A}"/>
-                </a:ext>
-              </a:extLst>
-            </p:cNvPr>
-            <p:cNvCxnSpPr>
-              <a:cxnSpLocks/>
-            </p:cNvCxnSpPr>
-            <p:nvPr/>
-          </p:nvCxnSpPr>
-          <p:spPr>
-            <a:xfrm>
-              <a:off x="2119375" y="2719153"/>
-              <a:ext cx="1099689" cy="407451"/>
-            </a:xfrm>
-            <a:prstGeom prst="bentConnector3">
-              <a:avLst>
-                <a:gd name="adj1" fmla="val -135"/>
-              </a:avLst>
-            </a:prstGeom>
-            <a:noFill/>
-            <a:ln w="28575" cap="flat" cmpd="sng" algn="ctr">
-              <a:solidFill>
-                <a:sysClr val="windowText" lastClr="000000">
-                  <a:lumMod val="75000"/>
-                  <a:lumOff val="25000"/>
-                </a:sysClr>
-              </a:solidFill>
-              <a:prstDash val="solid"/>
-            </a:ln>
-            <a:effectLst/>
-          </p:spPr>
-        </p:cxnSp>
-        <p:sp>
-          <p:nvSpPr>
-            <p:cNvPr id="88" name="TextBox 87">
-              <a:extLst>
-                <a:ext uri="{FF2B5EF4-FFF2-40B4-BE49-F238E27FC236}">
-                  <a16:creationId xmlns:a16="http://schemas.microsoft.com/office/drawing/2014/main" id="{C354CE06-66E2-EB44-9197-60C5D37F1FD9}"/>
-                </a:ext>
-              </a:extLst>
-            </p:cNvPr>
-            <p:cNvSpPr txBox="1"/>
-            <p:nvPr/>
-          </p:nvSpPr>
-          <p:spPr>
-            <a:xfrm>
-              <a:off x="2164944" y="2849605"/>
-              <a:ext cx="1096987" cy="276999"/>
-            </a:xfrm>
-            <a:prstGeom prst="rect">
-              <a:avLst/>
-            </a:prstGeom>
-            <a:noFill/>
-          </p:spPr>
-          <p:txBody>
-            <a:bodyPr wrap="square" rtlCol="0">
-              <a:spAutoFit/>
-            </a:bodyPr>
-            <a:lstStyle/>
-            <a:p>
-              <a:pPr marL="0" marR="0" lvl="0" indent="0" defTabSz="914400" eaLnBrk="1" fontAlgn="auto" latinLnBrk="0" hangingPunct="1">
-                <a:lnSpc>
-                  <a:spcPct val="100000"/>
-                </a:lnSpc>
-                <a:spcBef>
-                  <a:spcPts val="0"/>
-                </a:spcBef>
-                <a:spcAft>
-                  <a:spcPts val="0"/>
-                </a:spcAft>
-                <a:buClrTx/>
-                <a:buSzTx/>
-                <a:buFontTx/>
-                <a:buNone/>
-                <a:tabLst/>
-                <a:defRPr/>
-              </a:pPr>
-              <a:r>
-                <a:rPr kumimoji="0" lang="en-US" sz="1200" b="0" i="0" u="none" strike="noStrike" kern="0" cap="none" spc="0" normalizeH="0" baseline="0" noProof="0" dirty="0">
-                  <a:ln>
-                    <a:noFill/>
-                  </a:ln>
-                  <a:solidFill>
-                    <a:prstClr val="black"/>
-                  </a:solidFill>
-                  <a:effectLst/>
-                  <a:uLnTx/>
-                  <a:uFillTx/>
-                </a:rPr>
-                <a:t>Do nothing</a:t>
-              </a:r>
-            </a:p>
-          </p:txBody>
-        </p:sp>
-      </p:grpSp>
-      <p:sp>
-        <p:nvSpPr>
-          <p:cNvPr id="89" name="Rectangle 88">
-            <a:extLst>
-              <a:ext uri="{FF2B5EF4-FFF2-40B4-BE49-F238E27FC236}">
-                <a16:creationId xmlns:a16="http://schemas.microsoft.com/office/drawing/2014/main" id="{2AD7756B-51BA-2940-8404-2B8DB186AC4C}"/>
-              </a:ext>
-            </a:extLst>
-          </p:cNvPr>
-          <p:cNvSpPr/>
-          <p:nvPr/>
-        </p:nvSpPr>
-        <p:spPr>
-          <a:xfrm>
-            <a:off x="6108402" y="5356453"/>
-            <a:ext cx="182880" cy="182880"/>
-          </a:xfrm>
-          <a:prstGeom prst="rect">
-            <a:avLst/>
-          </a:prstGeom>
-          <a:ln w="25400">
-            <a:solidFill>
-              <a:schemeClr val="tx2">
-                <a:lumMod val="75000"/>
-              </a:schemeClr>
-            </a:solidFill>
-          </a:ln>
-        </p:spPr>
-        <p:style>
-          <a:lnRef idx="2">
-            <a:schemeClr val="accent1">
-              <a:shade val="50000"/>
-            </a:schemeClr>
-          </a:lnRef>
-          <a:fillRef idx="1">
-            <a:schemeClr val="accent1"/>
-          </a:fillRef>
-          <a:effectRef idx="0">
-            <a:schemeClr val="accent1"/>
-          </a:effectRef>
-          <a:fontRef idx="minor">
-            <a:schemeClr val="lt1"/>
-          </a:fontRef>
-        </p:style>
-        <p:txBody>
-          <a:bodyPr rtlCol="0" anchor="ctr"/>
-          <a:lstStyle/>
-          <a:p>
-            <a:pPr algn="ctr"/>
-            <a:endParaRPr lang="en-US"/>
-          </a:p>
-        </p:txBody>
-      </p:sp>
-      <p:grpSp>
-        <p:nvGrpSpPr>
-          <p:cNvPr id="90" name="Group 89">
-            <a:extLst>
-              <a:ext uri="{FF2B5EF4-FFF2-40B4-BE49-F238E27FC236}">
-                <a16:creationId xmlns:a16="http://schemas.microsoft.com/office/drawing/2014/main" id="{C924D084-2188-7048-BA08-BE1ECC343A62}"/>
-              </a:ext>
-            </a:extLst>
-          </p:cNvPr>
-          <p:cNvGrpSpPr/>
-          <p:nvPr/>
-        </p:nvGrpSpPr>
-        <p:grpSpPr>
-          <a:xfrm>
-            <a:off x="7239345" y="4389651"/>
-            <a:ext cx="1248263" cy="1121387"/>
-            <a:chOff x="7231892" y="1409223"/>
-            <a:chExt cx="1248263" cy="1121387"/>
-          </a:xfrm>
-        </p:grpSpPr>
-        <p:cxnSp>
-          <p:nvCxnSpPr>
-            <p:cNvPr id="91" name="Elbow Connector 90">
-              <a:extLst>
-                <a:ext uri="{FF2B5EF4-FFF2-40B4-BE49-F238E27FC236}">
-                  <a16:creationId xmlns:a16="http://schemas.microsoft.com/office/drawing/2014/main" id="{DC0AADDF-4266-1444-A9B9-D946DDA99FE8}"/>
-                </a:ext>
-              </a:extLst>
-            </p:cNvPr>
-            <p:cNvCxnSpPr>
-              <a:cxnSpLocks/>
-            </p:cNvCxnSpPr>
-            <p:nvPr/>
-          </p:nvCxnSpPr>
-          <p:spPr>
-            <a:xfrm flipV="1">
-              <a:off x="7299531" y="1409223"/>
-              <a:ext cx="1154744" cy="241509"/>
-            </a:xfrm>
-            <a:prstGeom prst="bentConnector3">
-              <a:avLst>
-                <a:gd name="adj1" fmla="val 1090"/>
-              </a:avLst>
-            </a:prstGeom>
-            <a:noFill/>
-            <a:ln w="28575" cap="flat" cmpd="sng" algn="ctr">
-              <a:solidFill>
-                <a:sysClr val="windowText" lastClr="000000">
-                  <a:lumMod val="75000"/>
-                  <a:lumOff val="25000"/>
-                </a:sysClr>
-              </a:solidFill>
-              <a:prstDash val="solid"/>
-            </a:ln>
-            <a:effectLst/>
-          </p:spPr>
-        </p:cxnSp>
-        <p:cxnSp>
-          <p:nvCxnSpPr>
-            <p:cNvPr id="92" name="Elbow Connector 91">
-              <a:extLst>
-                <a:ext uri="{FF2B5EF4-FFF2-40B4-BE49-F238E27FC236}">
-                  <a16:creationId xmlns:a16="http://schemas.microsoft.com/office/drawing/2014/main" id="{4D53E1C9-4494-5844-8762-5C505B1F0675}"/>
-                </a:ext>
-              </a:extLst>
-            </p:cNvPr>
-            <p:cNvCxnSpPr>
-              <a:cxnSpLocks/>
-            </p:cNvCxnSpPr>
-            <p:nvPr/>
-          </p:nvCxnSpPr>
-          <p:spPr>
-            <a:xfrm>
-              <a:off x="7312978" y="1820591"/>
-              <a:ext cx="1167177" cy="710019"/>
-            </a:xfrm>
-            <a:prstGeom prst="bentConnector3">
-              <a:avLst>
-                <a:gd name="adj1" fmla="val 460"/>
-              </a:avLst>
-            </a:prstGeom>
-            <a:noFill/>
-            <a:ln w="28575" cap="flat" cmpd="sng" algn="ctr">
-              <a:solidFill>
-                <a:sysClr val="windowText" lastClr="000000">
-                  <a:lumMod val="75000"/>
-                  <a:lumOff val="25000"/>
-                </a:sysClr>
-              </a:solidFill>
-              <a:prstDash val="solid"/>
-            </a:ln>
-            <a:effectLst/>
-          </p:spPr>
-        </p:cxnSp>
-        <p:sp>
-          <p:nvSpPr>
-            <p:cNvPr id="93" name="Rectangle 92">
-              <a:extLst>
-                <a:ext uri="{FF2B5EF4-FFF2-40B4-BE49-F238E27FC236}">
-                  <a16:creationId xmlns:a16="http://schemas.microsoft.com/office/drawing/2014/main" id="{10427F64-B523-3A42-B65F-74BF639A4CE1}"/>
-                </a:ext>
-              </a:extLst>
-            </p:cNvPr>
-            <p:cNvSpPr/>
-            <p:nvPr/>
-          </p:nvSpPr>
-          <p:spPr>
-            <a:xfrm>
-              <a:off x="7231892" y="1640046"/>
-              <a:ext cx="182880" cy="182880"/>
-            </a:xfrm>
-            <a:prstGeom prst="rect">
-              <a:avLst/>
-            </a:prstGeom>
-            <a:ln w="25400">
-              <a:solidFill>
-                <a:schemeClr val="tx2">
-                  <a:lumMod val="75000"/>
-                </a:schemeClr>
-              </a:solidFill>
-            </a:ln>
-          </p:spPr>
-          <p:style>
-            <a:lnRef idx="2">
-              <a:schemeClr val="accent1">
-                <a:shade val="50000"/>
-              </a:schemeClr>
-            </a:lnRef>
-            <a:fillRef idx="1">
-              <a:schemeClr val="accent1"/>
-            </a:fillRef>
-            <a:effectRef idx="0">
-              <a:schemeClr val="accent1"/>
-            </a:effectRef>
-            <a:fontRef idx="minor">
-              <a:schemeClr val="lt1"/>
-            </a:fontRef>
-          </p:style>
-          <p:txBody>
-            <a:bodyPr rtlCol="0" anchor="ctr"/>
-            <a:lstStyle/>
-            <a:p>
-              <a:pPr algn="ctr"/>
-              <a:endParaRPr lang="en-US"/>
-            </a:p>
-          </p:txBody>
-        </p:sp>
-      </p:grpSp>
-      <p:sp>
-        <p:nvSpPr>
-          <p:cNvPr id="94" name="TextBox 93">
-            <a:extLst>
-              <a:ext uri="{FF2B5EF4-FFF2-40B4-BE49-F238E27FC236}">
-                <a16:creationId xmlns:a16="http://schemas.microsoft.com/office/drawing/2014/main" id="{537E6EA1-0089-1F48-A0D5-93BF85D60A63}"/>
-              </a:ext>
-            </a:extLst>
-          </p:cNvPr>
-          <p:cNvSpPr txBox="1"/>
-          <p:nvPr/>
-        </p:nvSpPr>
-        <p:spPr>
-          <a:xfrm>
-            <a:off x="7356665" y="4117995"/>
-            <a:ext cx="1216563" cy="276999"/>
-          </a:xfrm>
-          <a:prstGeom prst="rect">
-            <a:avLst/>
-          </a:prstGeom>
-          <a:noFill/>
-        </p:spPr>
-        <p:txBody>
-          <a:bodyPr wrap="square" rtlCol="0">
-            <a:spAutoFit/>
-          </a:bodyPr>
-          <a:lstStyle/>
-          <a:p>
-            <a:pPr marL="0" marR="0" lvl="0" indent="0" defTabSz="914400" eaLnBrk="1" fontAlgn="auto" latinLnBrk="0" hangingPunct="1">
-              <a:lnSpc>
-                <a:spcPct val="100000"/>
-              </a:lnSpc>
-              <a:spcBef>
-                <a:spcPts val="0"/>
-              </a:spcBef>
-              <a:spcAft>
-                <a:spcPts val="0"/>
-              </a:spcAft>
-              <a:buClrTx/>
-              <a:buSzTx/>
-              <a:buFontTx/>
-              <a:buNone/>
-              <a:tabLst/>
-              <a:defRPr/>
-            </a:pPr>
-            <a:r>
-              <a:rPr kumimoji="0" lang="en-US" sz="1200" b="0" i="0" u="none" strike="noStrike" kern="0" cap="none" spc="0" normalizeH="0" baseline="0" noProof="0" dirty="0">
-                <a:ln>
-                  <a:noFill/>
-                </a:ln>
-                <a:solidFill>
-                  <a:prstClr val="black"/>
-                </a:solidFill>
-                <a:effectLst/>
-                <a:uLnTx/>
-                <a:uFillTx/>
-              </a:rPr>
-              <a:t>Apply for PDAP</a:t>
-            </a:r>
-          </a:p>
-        </p:txBody>
-      </p:sp>
-      <p:sp>
-        <p:nvSpPr>
-          <p:cNvPr id="95" name="TextBox 94">
-            <a:extLst>
-              <a:ext uri="{FF2B5EF4-FFF2-40B4-BE49-F238E27FC236}">
-                <a16:creationId xmlns:a16="http://schemas.microsoft.com/office/drawing/2014/main" id="{811821CD-70A3-9A4C-A327-EF879F7CF235}"/>
-              </a:ext>
-            </a:extLst>
-          </p:cNvPr>
-          <p:cNvSpPr txBox="1"/>
-          <p:nvPr/>
-        </p:nvSpPr>
-        <p:spPr>
-          <a:xfrm>
-            <a:off x="7356665" y="5255540"/>
-            <a:ext cx="1216563" cy="276999"/>
-          </a:xfrm>
-          <a:prstGeom prst="rect">
-            <a:avLst/>
-          </a:prstGeom>
-          <a:noFill/>
-        </p:spPr>
-        <p:txBody>
-          <a:bodyPr wrap="square" rtlCol="0">
-            <a:spAutoFit/>
-          </a:bodyPr>
-          <a:lstStyle/>
-          <a:p>
-            <a:pPr marL="0" marR="0" lvl="0" indent="0" defTabSz="914400" eaLnBrk="1" fontAlgn="auto" latinLnBrk="0" hangingPunct="1">
-              <a:lnSpc>
-                <a:spcPct val="100000"/>
-              </a:lnSpc>
-              <a:spcBef>
-                <a:spcPts val="0"/>
-              </a:spcBef>
-              <a:spcAft>
-                <a:spcPts val="0"/>
-              </a:spcAft>
-              <a:buClrTx/>
-              <a:buSzTx/>
-              <a:buFontTx/>
-              <a:buNone/>
-              <a:tabLst/>
-              <a:defRPr/>
-            </a:pPr>
-            <a:r>
-              <a:rPr kumimoji="0" lang="en-US" sz="1200" b="0" i="0" u="none" strike="noStrike" kern="0" cap="none" spc="0" normalizeH="0" baseline="0" noProof="0" dirty="0">
-                <a:ln>
-                  <a:noFill/>
-                </a:ln>
-                <a:solidFill>
-                  <a:prstClr val="black"/>
-                </a:solidFill>
-                <a:effectLst/>
-                <a:uLnTx/>
-                <a:uFillTx/>
-              </a:rPr>
-              <a:t>Do nothing</a:t>
-            </a:r>
-          </a:p>
-        </p:txBody>
-      </p:sp>
-      <p:grpSp>
-        <p:nvGrpSpPr>
-          <p:cNvPr id="96" name="Group 95">
-            <a:extLst>
-              <a:ext uri="{FF2B5EF4-FFF2-40B4-BE49-F238E27FC236}">
-                <a16:creationId xmlns:a16="http://schemas.microsoft.com/office/drawing/2014/main" id="{EDEBC2F0-8251-F147-A807-202415971B6F}"/>
-              </a:ext>
-            </a:extLst>
-          </p:cNvPr>
-          <p:cNvGrpSpPr/>
-          <p:nvPr/>
-        </p:nvGrpSpPr>
-        <p:grpSpPr>
-          <a:xfrm>
-            <a:off x="8454894" y="3769769"/>
-            <a:ext cx="1333883" cy="1073070"/>
-            <a:chOff x="8474335" y="802788"/>
-            <a:chExt cx="1333883" cy="1073070"/>
-          </a:xfrm>
-        </p:grpSpPr>
-        <p:sp>
-          <p:nvSpPr>
-            <p:cNvPr id="97" name="Oval 96">
-              <a:extLst>
-                <a:ext uri="{FF2B5EF4-FFF2-40B4-BE49-F238E27FC236}">
-                  <a16:creationId xmlns:a16="http://schemas.microsoft.com/office/drawing/2014/main" id="{8162D309-15D7-964C-B700-97620A3E93C0}"/>
-                </a:ext>
-              </a:extLst>
-            </p:cNvPr>
-            <p:cNvSpPr/>
-            <p:nvPr/>
-          </p:nvSpPr>
-          <p:spPr>
-            <a:xfrm>
-              <a:off x="8474335" y="1329807"/>
-              <a:ext cx="182880" cy="182880"/>
-            </a:xfrm>
-            <a:prstGeom prst="ellipse">
-              <a:avLst/>
-            </a:prstGeom>
-            <a:solidFill>
-              <a:srgbClr val="8FB08C">
-                <a:lumMod val="60000"/>
-                <a:lumOff val="40000"/>
-              </a:srgbClr>
-            </a:solidFill>
-            <a:ln w="25400" cap="flat" cmpd="sng" algn="ctr">
-              <a:solidFill>
-                <a:srgbClr val="8FB08C">
-                  <a:lumMod val="50000"/>
-                </a:srgbClr>
-              </a:solidFill>
-              <a:prstDash val="solid"/>
-            </a:ln>
-            <a:effectLst/>
-          </p:spPr>
-          <p:txBody>
-            <a:bodyPr rtlCol="0" anchor="ctr"/>
-            <a:lstStyle/>
-            <a:p>
-              <a:pPr marL="0" marR="0" lvl="0" indent="0" algn="ctr" defTabSz="914400" eaLnBrk="1" fontAlgn="auto" latinLnBrk="0" hangingPunct="1">
-                <a:lnSpc>
-                  <a:spcPct val="100000"/>
-                </a:lnSpc>
-                <a:spcBef>
-                  <a:spcPts val="0"/>
-                </a:spcBef>
-                <a:spcAft>
-                  <a:spcPts val="0"/>
-                </a:spcAft>
-                <a:buClrTx/>
-                <a:buSzTx/>
-                <a:buFontTx/>
-                <a:buNone/>
-                <a:tabLst/>
-                <a:defRPr/>
-              </a:pPr>
-              <a:endParaRPr kumimoji="0" lang="en-US" sz="1800" b="0" i="0" u="none" strike="noStrike" kern="0" cap="none" spc="0" normalizeH="0" baseline="0" noProof="0">
-                <a:ln>
-                  <a:noFill/>
-                </a:ln>
-                <a:solidFill>
-                  <a:prstClr val="white"/>
-                </a:solidFill>
-                <a:effectLst/>
-                <a:uLnTx/>
-                <a:uFillTx/>
-                <a:latin typeface="Arial"/>
-                <a:ea typeface=""/>
-                <a:cs typeface=""/>
-              </a:endParaRPr>
-            </a:p>
-          </p:txBody>
-        </p:sp>
-        <p:cxnSp>
-          <p:nvCxnSpPr>
-            <p:cNvPr id="98" name="Elbow Connector 97">
-              <a:extLst>
-                <a:ext uri="{FF2B5EF4-FFF2-40B4-BE49-F238E27FC236}">
-                  <a16:creationId xmlns:a16="http://schemas.microsoft.com/office/drawing/2014/main" id="{6E9B2944-E51F-604C-AC8D-504B298C7C16}"/>
-                </a:ext>
-              </a:extLst>
-            </p:cNvPr>
-            <p:cNvCxnSpPr>
-              <a:cxnSpLocks/>
-            </p:cNvCxnSpPr>
-            <p:nvPr/>
-          </p:nvCxnSpPr>
-          <p:spPr>
-            <a:xfrm flipV="1">
-              <a:off x="8552328" y="1079787"/>
-              <a:ext cx="1154744" cy="241509"/>
-            </a:xfrm>
-            <a:prstGeom prst="bentConnector3">
-              <a:avLst>
-                <a:gd name="adj1" fmla="val 1090"/>
-              </a:avLst>
-            </a:prstGeom>
-            <a:noFill/>
-            <a:ln w="28575" cap="flat" cmpd="sng" algn="ctr">
-              <a:solidFill>
-                <a:sysClr val="windowText" lastClr="000000">
-                  <a:lumMod val="75000"/>
-                  <a:lumOff val="25000"/>
-                </a:sysClr>
-              </a:solidFill>
-              <a:prstDash val="solid"/>
-            </a:ln>
-            <a:effectLst/>
-          </p:spPr>
-        </p:cxnSp>
-        <p:cxnSp>
-          <p:nvCxnSpPr>
-            <p:cNvPr id="99" name="Elbow Connector 98">
-              <a:extLst>
-                <a:ext uri="{FF2B5EF4-FFF2-40B4-BE49-F238E27FC236}">
-                  <a16:creationId xmlns:a16="http://schemas.microsoft.com/office/drawing/2014/main" id="{26316149-3EF8-9B43-9486-7C7D9007FEBB}"/>
-                </a:ext>
-              </a:extLst>
-            </p:cNvPr>
-            <p:cNvCxnSpPr>
-              <a:cxnSpLocks/>
-            </p:cNvCxnSpPr>
-            <p:nvPr/>
-          </p:nvCxnSpPr>
-          <p:spPr>
-            <a:xfrm>
-              <a:off x="8565775" y="1512687"/>
-              <a:ext cx="1141297" cy="354065"/>
-            </a:xfrm>
-            <a:prstGeom prst="bentConnector3">
-              <a:avLst>
-                <a:gd name="adj1" fmla="val 515"/>
-              </a:avLst>
-            </a:prstGeom>
-            <a:noFill/>
-            <a:ln w="28575" cap="flat" cmpd="sng" algn="ctr">
-              <a:solidFill>
-                <a:sysClr val="windowText" lastClr="000000">
-                  <a:lumMod val="75000"/>
-                  <a:lumOff val="25000"/>
-                </a:sysClr>
-              </a:solidFill>
-              <a:prstDash val="solid"/>
-            </a:ln>
-            <a:effectLst/>
-          </p:spPr>
-        </p:cxnSp>
-        <p:sp>
-          <p:nvSpPr>
-            <p:cNvPr id="100" name="TextBox 99">
-              <a:extLst>
-                <a:ext uri="{FF2B5EF4-FFF2-40B4-BE49-F238E27FC236}">
-                  <a16:creationId xmlns:a16="http://schemas.microsoft.com/office/drawing/2014/main" id="{5C729624-3931-C740-98DE-343955AC6AD7}"/>
-                </a:ext>
-              </a:extLst>
-            </p:cNvPr>
-            <p:cNvSpPr txBox="1"/>
-            <p:nvPr/>
-          </p:nvSpPr>
-          <p:spPr>
-            <a:xfrm>
-              <a:off x="8575297" y="802788"/>
-              <a:ext cx="1216563" cy="276999"/>
-            </a:xfrm>
-            <a:prstGeom prst="rect">
-              <a:avLst/>
-            </a:prstGeom>
-            <a:noFill/>
-          </p:spPr>
-          <p:txBody>
-            <a:bodyPr wrap="square" rtlCol="0">
-              <a:spAutoFit/>
-            </a:bodyPr>
-            <a:lstStyle/>
-            <a:p>
-              <a:pPr marL="0" marR="0" lvl="0" indent="0" defTabSz="914400" eaLnBrk="1" fontAlgn="auto" latinLnBrk="0" hangingPunct="1">
-                <a:lnSpc>
-                  <a:spcPct val="100000"/>
-                </a:lnSpc>
-                <a:spcBef>
-                  <a:spcPts val="0"/>
-                </a:spcBef>
-                <a:spcAft>
-                  <a:spcPts val="0"/>
-                </a:spcAft>
-                <a:buClrTx/>
-                <a:buSzTx/>
-                <a:buFontTx/>
-                <a:buNone/>
-                <a:tabLst/>
-                <a:defRPr/>
-              </a:pPr>
-              <a:r>
-                <a:rPr lang="en-US" sz="1200" kern="0" dirty="0">
-                  <a:solidFill>
-                    <a:prstClr val="black"/>
-                  </a:solidFill>
-                </a:rPr>
-                <a:t>Eligible</a:t>
-              </a:r>
-              <a:endParaRPr kumimoji="0" lang="en-US" sz="1200" b="0" i="0" u="none" strike="noStrike" kern="0" cap="none" spc="0" normalizeH="0" baseline="0" noProof="0" dirty="0">
-                <a:ln>
-                  <a:noFill/>
-                </a:ln>
-                <a:solidFill>
-                  <a:prstClr val="black"/>
-                </a:solidFill>
-                <a:effectLst/>
-                <a:uLnTx/>
-                <a:uFillTx/>
-              </a:endParaRPr>
-            </a:p>
-          </p:txBody>
-        </p:sp>
-        <p:sp>
-          <p:nvSpPr>
-            <p:cNvPr id="101" name="TextBox 100">
-              <a:extLst>
-                <a:ext uri="{FF2B5EF4-FFF2-40B4-BE49-F238E27FC236}">
-                  <a16:creationId xmlns:a16="http://schemas.microsoft.com/office/drawing/2014/main" id="{20FFD882-F842-8241-A956-C450E48C7F4B}"/>
-                </a:ext>
-              </a:extLst>
-            </p:cNvPr>
-            <p:cNvSpPr txBox="1"/>
-            <p:nvPr/>
-          </p:nvSpPr>
-          <p:spPr>
-            <a:xfrm>
-              <a:off x="8591655" y="1598859"/>
-              <a:ext cx="1216563" cy="276999"/>
-            </a:xfrm>
-            <a:prstGeom prst="rect">
-              <a:avLst/>
-            </a:prstGeom>
-            <a:noFill/>
-          </p:spPr>
-          <p:txBody>
-            <a:bodyPr wrap="square" rtlCol="0">
-              <a:spAutoFit/>
-            </a:bodyPr>
-            <a:lstStyle/>
-            <a:p>
-              <a:pPr marL="0" marR="0" lvl="0" indent="0" defTabSz="914400" eaLnBrk="1" fontAlgn="auto" latinLnBrk="0" hangingPunct="1">
-                <a:lnSpc>
-                  <a:spcPct val="100000"/>
-                </a:lnSpc>
-                <a:spcBef>
-                  <a:spcPts val="0"/>
-                </a:spcBef>
-                <a:spcAft>
-                  <a:spcPts val="0"/>
-                </a:spcAft>
-                <a:buClrTx/>
-                <a:buSzTx/>
-                <a:buFontTx/>
-                <a:buNone/>
-                <a:tabLst/>
-                <a:defRPr/>
-              </a:pPr>
-              <a:r>
-                <a:rPr lang="en-US" sz="1200" kern="0" dirty="0">
-                  <a:solidFill>
-                    <a:prstClr val="black"/>
-                  </a:solidFill>
-                </a:rPr>
-                <a:t>Not eligible</a:t>
-              </a:r>
-              <a:endParaRPr kumimoji="0" lang="en-US" sz="1200" b="0" i="0" u="none" strike="noStrike" kern="0" cap="none" spc="0" normalizeH="0" baseline="0" noProof="0" dirty="0">
-                <a:ln>
-                  <a:noFill/>
-                </a:ln>
-                <a:solidFill>
-                  <a:prstClr val="black"/>
-                </a:solidFill>
-                <a:effectLst/>
-                <a:uLnTx/>
-                <a:uFillTx/>
-              </a:endParaRPr>
-            </a:p>
-          </p:txBody>
-        </p:sp>
-      </p:grpSp>
-    </p:spTree>
-    <p:extLst>
-      <p:ext uri="{BB962C8B-B14F-4D97-AF65-F5344CB8AC3E}">
-        <p14:creationId xmlns:p14="http://schemas.microsoft.com/office/powerpoint/2010/main" val="3231094702"/>
-      </p:ext>
-    </p:extLst>
-  </p:cSld>
-  <p:clrMapOvr>
-    <a:masterClrMapping/>
-  </p:clrMapOvr>
-</p:sld>
-</file>
-
-<file path=ppt/slides/slide2.xml><?xml version="1.0" encoding="utf-8"?>
 <p:sld xmlns:a="http://schemas.openxmlformats.org/drawingml/2006/main" xmlns:r="http://schemas.openxmlformats.org/officeDocument/2006/relationships" xmlns:p="http://schemas.openxmlformats.org/presentationml/2006/main">
   <p:cSld>
     <p:spTree>
@@ -7557,7 +5428,7 @@
 </p:sld>
 </file>
 
-<file path=ppt/slides/slide3.xml><?xml version="1.0" encoding="utf-8"?>
+<file path=ppt/slides/slide2.xml><?xml version="1.0" encoding="utf-8"?>
 <p:sld xmlns:a="http://schemas.openxmlformats.org/drawingml/2006/main" xmlns:r="http://schemas.openxmlformats.org/officeDocument/2006/relationships" xmlns:p="http://schemas.openxmlformats.org/presentationml/2006/main">
   <p:cSld>
     <p:spTree>
@@ -9039,7 +6910,3374 @@
 </p:sld>
 </file>
 
+<file path=ppt/slides/slide3.xml><?xml version="1.0" encoding="utf-8"?>
+<p:sld xmlns:a="http://schemas.openxmlformats.org/drawingml/2006/main" xmlns:r="http://schemas.openxmlformats.org/officeDocument/2006/relationships" xmlns:p="http://schemas.openxmlformats.org/presentationml/2006/main">
+  <p:cSld>
+    <p:spTree>
+      <p:nvGrpSpPr>
+        <p:cNvPr id="1" name=""/>
+        <p:cNvGrpSpPr/>
+        <p:nvPr/>
+      </p:nvGrpSpPr>
+      <p:grpSpPr>
+        <a:xfrm>
+          <a:off x="0" y="0"/>
+          <a:ext cx="0" cy="0"/>
+          <a:chOff x="0" y="0"/>
+          <a:chExt cx="0" cy="0"/>
+        </a:xfrm>
+      </p:grpSpPr>
+      <p:sp>
+        <p:nvSpPr>
+          <p:cNvPr id="4" name="Title 3"/>
+          <p:cNvSpPr>
+            <a:spLocks noGrp="1"/>
+          </p:cNvSpPr>
+          <p:nvPr>
+            <p:ph type="title"/>
+          </p:nvPr>
+        </p:nvSpPr>
+        <p:spPr>
+          <a:xfrm>
+            <a:off x="838200" y="1"/>
+            <a:ext cx="10515600" cy="1137404"/>
+          </a:xfrm>
+        </p:spPr>
+        <p:txBody>
+          <a:bodyPr/>
+          <a:lstStyle/>
+          <a:p>
+            <a:r>
+              <a:rPr lang="en-US" dirty="0"/>
+              <a:t>Generic enrollment</a:t>
+            </a:r>
+          </a:p>
+        </p:txBody>
+      </p:sp>
+      <p:grpSp>
+        <p:nvGrpSpPr>
+          <p:cNvPr id="77" name="Group 76">
+            <a:extLst>
+              <a:ext uri="{FF2B5EF4-FFF2-40B4-BE49-F238E27FC236}">
+                <a16:creationId xmlns:a16="http://schemas.microsoft.com/office/drawing/2014/main" id="{86074074-8B87-5A43-A649-4D6C71E1FE6A}"/>
+              </a:ext>
+            </a:extLst>
+          </p:cNvPr>
+          <p:cNvGrpSpPr/>
+          <p:nvPr/>
+        </p:nvGrpSpPr>
+        <p:grpSpPr>
+          <a:xfrm>
+            <a:off x="1665275" y="1300767"/>
+            <a:ext cx="7596103" cy="4582240"/>
+            <a:chOff x="1665275" y="1300767"/>
+            <a:chExt cx="7596103" cy="4582240"/>
+          </a:xfrm>
+        </p:grpSpPr>
+        <p:sp>
+          <p:nvSpPr>
+            <p:cNvPr id="3" name="TextBox 2"/>
+            <p:cNvSpPr txBox="1"/>
+            <p:nvPr/>
+          </p:nvSpPr>
+          <p:spPr>
+            <a:xfrm>
+              <a:off x="2108280" y="2440108"/>
+              <a:ext cx="1053354" cy="461665"/>
+            </a:xfrm>
+            <a:prstGeom prst="rect">
+              <a:avLst/>
+            </a:prstGeom>
+            <a:solidFill>
+              <a:schemeClr val="accent6">
+                <a:lumMod val="40000"/>
+                <a:lumOff val="60000"/>
+              </a:schemeClr>
+            </a:solidFill>
+          </p:spPr>
+          <p:txBody>
+            <a:bodyPr wrap="square" rtlCol="0">
+              <a:spAutoFit/>
+            </a:bodyPr>
+            <a:lstStyle/>
+            <a:p>
+              <a:pPr algn="ctr"/>
+              <a:r>
+                <a:rPr lang="en-US" sz="1200" dirty="0"/>
+                <a:t>Triggering event</a:t>
+              </a:r>
+            </a:p>
+          </p:txBody>
+        </p:sp>
+        <p:pic>
+          <p:nvPicPr>
+            <p:cNvPr id="2" name="Picture 1"/>
+            <p:cNvPicPr>
+              <a:picLocks noChangeAspect="1"/>
+            </p:cNvPicPr>
+            <p:nvPr/>
+          </p:nvPicPr>
+          <p:blipFill>
+            <a:blip r:embed="rId2">
+              <a:duotone>
+                <a:prstClr val="black"/>
+                <a:schemeClr val="tx1">
+                  <a:lumMod val="50000"/>
+                  <a:lumOff val="50000"/>
+                  <a:tint val="45000"/>
+                  <a:satMod val="400000"/>
+                </a:schemeClr>
+              </a:duotone>
+              <a:extLst>
+                <a:ext uri="{BEBA8EAE-BF5A-486C-A8C5-ECC9F3942E4B}">
+                  <a14:imgProps xmlns:a14="http://schemas.microsoft.com/office/drawing/2010/main">
+                    <a14:imgLayer r:embed="rId3">
+                      <a14:imgEffect>
+                        <a14:saturation sat="66000"/>
+                      </a14:imgEffect>
+                    </a14:imgLayer>
+                  </a14:imgProps>
+                </a:ext>
+              </a:extLst>
+            </a:blip>
+            <a:stretch>
+              <a:fillRect/>
+            </a:stretch>
+          </p:blipFill>
+          <p:spPr>
+            <a:xfrm>
+              <a:off x="1665275" y="2718505"/>
+              <a:ext cx="431516" cy="954314"/>
+            </a:xfrm>
+            <a:prstGeom prst="rect">
+              <a:avLst/>
+            </a:prstGeom>
+          </p:spPr>
+        </p:pic>
+        <p:sp>
+          <p:nvSpPr>
+            <p:cNvPr id="78" name="Rounded Rectangle 77"/>
+            <p:cNvSpPr/>
+            <p:nvPr/>
+          </p:nvSpPr>
+          <p:spPr>
+            <a:xfrm>
+              <a:off x="4206949" y="1300767"/>
+              <a:ext cx="3204510" cy="2135361"/>
+            </a:xfrm>
+            <a:prstGeom prst="roundRect">
+              <a:avLst/>
+            </a:prstGeom>
+            <a:solidFill>
+              <a:schemeClr val="accent3">
+                <a:lumMod val="40000"/>
+                <a:lumOff val="60000"/>
+                <a:alpha val="23000"/>
+              </a:schemeClr>
+            </a:solidFill>
+            <a:ln>
+              <a:solidFill>
+                <a:schemeClr val="accent3">
+                  <a:lumMod val="50000"/>
+                </a:schemeClr>
+              </a:solidFill>
+            </a:ln>
+          </p:spPr>
+          <p:style>
+            <a:lnRef idx="2">
+              <a:schemeClr val="accent1">
+                <a:shade val="50000"/>
+              </a:schemeClr>
+            </a:lnRef>
+            <a:fillRef idx="1">
+              <a:schemeClr val="accent1"/>
+            </a:fillRef>
+            <a:effectRef idx="0">
+              <a:schemeClr val="accent1"/>
+            </a:effectRef>
+            <a:fontRef idx="minor">
+              <a:schemeClr val="lt1"/>
+            </a:fontRef>
+          </p:style>
+          <p:txBody>
+            <a:bodyPr rtlCol="0" anchor="ctr"/>
+            <a:lstStyle/>
+            <a:p>
+              <a:pPr algn="ctr"/>
+              <a:endParaRPr lang="en-US"/>
+            </a:p>
+          </p:txBody>
+        </p:sp>
+        <p:sp>
+          <p:nvSpPr>
+            <p:cNvPr id="10" name="Right Arrow 9"/>
+            <p:cNvSpPr/>
+            <p:nvPr/>
+          </p:nvSpPr>
+          <p:spPr>
+            <a:xfrm>
+              <a:off x="2195687" y="2985244"/>
+              <a:ext cx="878541" cy="197223"/>
+            </a:xfrm>
+            <a:prstGeom prst="rightArrow">
+              <a:avLst/>
+            </a:prstGeom>
+            <a:solidFill>
+              <a:schemeClr val="accent6">
+                <a:lumMod val="40000"/>
+                <a:lumOff val="60000"/>
+              </a:schemeClr>
+            </a:solidFill>
+            <a:ln>
+              <a:solidFill>
+                <a:schemeClr val="accent6">
+                  <a:lumMod val="50000"/>
+                </a:schemeClr>
+              </a:solidFill>
+            </a:ln>
+          </p:spPr>
+          <p:style>
+            <a:lnRef idx="2">
+              <a:schemeClr val="accent1">
+                <a:shade val="50000"/>
+              </a:schemeClr>
+            </a:lnRef>
+            <a:fillRef idx="1">
+              <a:schemeClr val="accent1"/>
+            </a:fillRef>
+            <a:effectRef idx="0">
+              <a:schemeClr val="accent1"/>
+            </a:effectRef>
+            <a:fontRef idx="minor">
+              <a:schemeClr val="lt1"/>
+            </a:fontRef>
+          </p:style>
+          <p:txBody>
+            <a:bodyPr rtlCol="0" anchor="ctr"/>
+            <a:lstStyle/>
+            <a:p>
+              <a:pPr algn="ctr"/>
+              <a:endParaRPr lang="en-US"/>
+            </a:p>
+          </p:txBody>
+        </p:sp>
+        <p:sp>
+          <p:nvSpPr>
+            <p:cNvPr id="11" name="TextBox 10"/>
+            <p:cNvSpPr txBox="1"/>
+            <p:nvPr/>
+          </p:nvSpPr>
+          <p:spPr>
+            <a:xfrm>
+              <a:off x="4202625" y="1353732"/>
+              <a:ext cx="1302553" cy="461665"/>
+            </a:xfrm>
+            <a:prstGeom prst="rect">
+              <a:avLst/>
+            </a:prstGeom>
+            <a:noFill/>
+          </p:spPr>
+          <p:txBody>
+            <a:bodyPr wrap="square" rtlCol="0">
+              <a:spAutoFit/>
+            </a:bodyPr>
+            <a:lstStyle/>
+            <a:p>
+              <a:pPr algn="ctr"/>
+              <a:r>
+                <a:rPr lang="en-US" sz="1200" dirty="0"/>
+                <a:t>DAP eligibility assessment</a:t>
+              </a:r>
+            </a:p>
+          </p:txBody>
+        </p:sp>
+        <p:grpSp>
+          <p:nvGrpSpPr>
+            <p:cNvPr id="36" name="Group 35"/>
+            <p:cNvGrpSpPr/>
+            <p:nvPr/>
+          </p:nvGrpSpPr>
+          <p:grpSpPr>
+            <a:xfrm>
+              <a:off x="3277946" y="2398778"/>
+              <a:ext cx="4392724" cy="1691499"/>
+              <a:chOff x="2027936" y="1937883"/>
+              <a:chExt cx="4392724" cy="1691499"/>
+            </a:xfrm>
+          </p:grpSpPr>
+          <p:sp>
+            <p:nvSpPr>
+              <p:cNvPr id="37" name="Oval 36"/>
+              <p:cNvSpPr/>
+              <p:nvPr/>
+            </p:nvSpPr>
+            <p:spPr>
+              <a:xfrm>
+                <a:off x="2027936" y="2536273"/>
+                <a:ext cx="182880" cy="182880"/>
+              </a:xfrm>
+              <a:prstGeom prst="ellipse">
+                <a:avLst/>
+              </a:prstGeom>
+              <a:solidFill>
+                <a:srgbClr val="8FB08C">
+                  <a:lumMod val="60000"/>
+                  <a:lumOff val="40000"/>
+                </a:srgbClr>
+              </a:solidFill>
+              <a:ln w="25400" cap="flat" cmpd="sng" algn="ctr">
+                <a:solidFill>
+                  <a:srgbClr val="8FB08C">
+                    <a:lumMod val="50000"/>
+                  </a:srgbClr>
+                </a:solidFill>
+                <a:prstDash val="solid"/>
+              </a:ln>
+              <a:effectLst/>
+            </p:spPr>
+            <p:txBody>
+              <a:bodyPr rtlCol="0" anchor="ctr"/>
+              <a:lstStyle/>
+              <a:p>
+                <a:pPr marL="0" marR="0" lvl="0" indent="0" algn="ctr" defTabSz="914400" eaLnBrk="1" fontAlgn="auto" latinLnBrk="0" hangingPunct="1">
+                  <a:lnSpc>
+                    <a:spcPct val="100000"/>
+                  </a:lnSpc>
+                  <a:spcBef>
+                    <a:spcPts val="0"/>
+                  </a:spcBef>
+                  <a:spcAft>
+                    <a:spcPts val="0"/>
+                  </a:spcAft>
+                  <a:buClrTx/>
+                  <a:buSzTx/>
+                  <a:buFontTx/>
+                  <a:buNone/>
+                  <a:tabLst/>
+                  <a:defRPr/>
+                </a:pPr>
+                <a:endParaRPr kumimoji="0" lang="en-US" sz="1800" b="0" i="0" u="none" strike="noStrike" kern="0" cap="none" spc="0" normalizeH="0" baseline="0" noProof="0">
+                  <a:ln>
+                    <a:noFill/>
+                  </a:ln>
+                  <a:solidFill>
+                    <a:prstClr val="white"/>
+                  </a:solidFill>
+                  <a:effectLst/>
+                  <a:uLnTx/>
+                  <a:uFillTx/>
+                  <a:latin typeface="Arial"/>
+                  <a:ea typeface=""/>
+                  <a:cs typeface=""/>
+                </a:endParaRPr>
+              </a:p>
+            </p:txBody>
+          </p:sp>
+          <p:cxnSp>
+            <p:nvCxnSpPr>
+              <p:cNvPr id="38" name="Elbow Connector 37"/>
+              <p:cNvCxnSpPr>
+                <a:cxnSpLocks/>
+                <a:stCxn id="37" idx="0"/>
+              </p:cNvCxnSpPr>
+              <p:nvPr/>
+            </p:nvCxnSpPr>
+            <p:spPr>
+              <a:xfrm rot="5400000" flipH="1" flipV="1">
+                <a:off x="2491388" y="1801337"/>
+                <a:ext cx="362924" cy="1106948"/>
+              </a:xfrm>
+              <a:prstGeom prst="bentConnector2">
+                <a:avLst/>
+              </a:prstGeom>
+              <a:noFill/>
+              <a:ln w="28575" cap="flat" cmpd="sng" algn="ctr">
+                <a:solidFill>
+                  <a:sysClr val="windowText" lastClr="000000">
+                    <a:lumMod val="75000"/>
+                    <a:lumOff val="25000"/>
+                  </a:sysClr>
+                </a:solidFill>
+                <a:prstDash val="solid"/>
+              </a:ln>
+              <a:effectLst/>
+            </p:spPr>
+          </p:cxnSp>
+          <p:sp>
+            <p:nvSpPr>
+              <p:cNvPr id="39" name="TextBox 38"/>
+              <p:cNvSpPr txBox="1"/>
+              <p:nvPr/>
+            </p:nvSpPr>
+            <p:spPr>
+              <a:xfrm>
+                <a:off x="2152263" y="1937883"/>
+                <a:ext cx="1257952" cy="276999"/>
+              </a:xfrm>
+              <a:prstGeom prst="rect">
+                <a:avLst/>
+              </a:prstGeom>
+              <a:noFill/>
+            </p:spPr>
+            <p:txBody>
+              <a:bodyPr wrap="square" rtlCol="0">
+                <a:spAutoFit/>
+              </a:bodyPr>
+              <a:lstStyle/>
+              <a:p>
+                <a:pPr marL="0" marR="0" lvl="0" indent="0" defTabSz="914400" eaLnBrk="1" fontAlgn="auto" latinLnBrk="0" hangingPunct="1">
+                  <a:lnSpc>
+                    <a:spcPct val="100000"/>
+                  </a:lnSpc>
+                  <a:spcBef>
+                    <a:spcPts val="0"/>
+                  </a:spcBef>
+                  <a:spcAft>
+                    <a:spcPts val="0"/>
+                  </a:spcAft>
+                  <a:buClrTx/>
+                  <a:buSzTx/>
+                  <a:buFontTx/>
+                  <a:buNone/>
+                  <a:tabLst/>
+                  <a:defRPr/>
+                </a:pPr>
+                <a:r>
+                  <a:rPr kumimoji="0" lang="en-US" sz="1200" b="0" i="0" u="none" strike="noStrike" kern="0" cap="none" spc="0" normalizeH="0" baseline="0" noProof="0" dirty="0">
+                    <a:ln>
+                      <a:noFill/>
+                    </a:ln>
+                    <a:solidFill>
+                      <a:prstClr val="black"/>
+                    </a:solidFill>
+                    <a:effectLst/>
+                    <a:uLnTx/>
+                    <a:uFillTx/>
+                  </a:rPr>
+                  <a:t>Assessed</a:t>
+                </a:r>
+              </a:p>
+            </p:txBody>
+          </p:sp>
+          <p:cxnSp>
+            <p:nvCxnSpPr>
+              <p:cNvPr id="40" name="Elbow Connector 39"/>
+              <p:cNvCxnSpPr>
+                <a:cxnSpLocks/>
+                <a:stCxn id="37" idx="4"/>
+                <a:endCxn id="99" idx="1"/>
+              </p:cNvCxnSpPr>
+              <p:nvPr/>
+            </p:nvCxnSpPr>
+            <p:spPr>
+              <a:xfrm rot="16200000" flipH="1">
+                <a:off x="3953572" y="884956"/>
+                <a:ext cx="632892" cy="4301285"/>
+              </a:xfrm>
+              <a:prstGeom prst="bentConnector2">
+                <a:avLst/>
+              </a:prstGeom>
+              <a:noFill/>
+              <a:ln w="28575" cap="flat" cmpd="sng" algn="ctr">
+                <a:solidFill>
+                  <a:sysClr val="windowText" lastClr="000000">
+                    <a:lumMod val="75000"/>
+                    <a:lumOff val="25000"/>
+                  </a:sysClr>
+                </a:solidFill>
+                <a:prstDash val="solid"/>
+              </a:ln>
+              <a:effectLst/>
+            </p:spPr>
+          </p:cxnSp>
+          <p:sp>
+            <p:nvSpPr>
+              <p:cNvPr id="41" name="TextBox 40"/>
+              <p:cNvSpPr txBox="1"/>
+              <p:nvPr/>
+            </p:nvSpPr>
+            <p:spPr>
+              <a:xfrm>
+                <a:off x="2124741" y="3100736"/>
+                <a:ext cx="1096987" cy="276999"/>
+              </a:xfrm>
+              <a:prstGeom prst="rect">
+                <a:avLst/>
+              </a:prstGeom>
+              <a:noFill/>
+            </p:spPr>
+            <p:txBody>
+              <a:bodyPr wrap="square" rtlCol="0">
+                <a:spAutoFit/>
+              </a:bodyPr>
+              <a:lstStyle/>
+              <a:p>
+                <a:pPr marL="0" marR="0" lvl="0" indent="0" defTabSz="914400" eaLnBrk="1" fontAlgn="auto" latinLnBrk="0" hangingPunct="1">
+                  <a:lnSpc>
+                    <a:spcPct val="100000"/>
+                  </a:lnSpc>
+                  <a:spcBef>
+                    <a:spcPts val="0"/>
+                  </a:spcBef>
+                  <a:spcAft>
+                    <a:spcPts val="0"/>
+                  </a:spcAft>
+                  <a:buClrTx/>
+                  <a:buSzTx/>
+                  <a:buFontTx/>
+                  <a:buNone/>
+                  <a:tabLst/>
+                  <a:defRPr/>
+                </a:pPr>
+                <a:r>
+                  <a:rPr kumimoji="0" lang="en-US" sz="1200" b="0" i="0" u="none" strike="noStrike" kern="0" cap="none" spc="0" normalizeH="0" baseline="0" noProof="0" dirty="0">
+                    <a:ln>
+                      <a:noFill/>
+                    </a:ln>
+                    <a:solidFill>
+                      <a:prstClr val="black"/>
+                    </a:solidFill>
+                    <a:effectLst/>
+                    <a:uLnTx/>
+                    <a:uFillTx/>
+                  </a:rPr>
+                  <a:t>Not assessed</a:t>
+                </a:r>
+              </a:p>
+            </p:txBody>
+          </p:sp>
+          <p:sp>
+            <p:nvSpPr>
+              <p:cNvPr id="42" name="TextBox 41"/>
+              <p:cNvSpPr txBox="1"/>
+              <p:nvPr/>
+            </p:nvSpPr>
+            <p:spPr>
+              <a:xfrm>
+                <a:off x="2240355" y="2163866"/>
+                <a:ext cx="663617" cy="307777"/>
+              </a:xfrm>
+              <a:prstGeom prst="rect">
+                <a:avLst/>
+              </a:prstGeom>
+              <a:noFill/>
+            </p:spPr>
+            <p:txBody>
+              <a:bodyPr wrap="square" rtlCol="0">
+                <a:spAutoFit/>
+              </a:bodyPr>
+              <a:lstStyle/>
+              <a:p>
+                <a:pPr marL="0" marR="0" lvl="0" indent="0" algn="ctr" defTabSz="914400" eaLnBrk="1" fontAlgn="auto" latinLnBrk="0" hangingPunct="1">
+                  <a:lnSpc>
+                    <a:spcPct val="100000"/>
+                  </a:lnSpc>
+                  <a:spcBef>
+                    <a:spcPts val="0"/>
+                  </a:spcBef>
+                  <a:spcAft>
+                    <a:spcPts val="0"/>
+                  </a:spcAft>
+                  <a:buClrTx/>
+                  <a:buSzTx/>
+                  <a:buFontTx/>
+                  <a:buNone/>
+                  <a:tabLst/>
+                  <a:defRPr/>
+                </a:pPr>
+                <a:r>
+                  <a:rPr kumimoji="0" lang="en-US" sz="1400" b="1" i="1" u="none" strike="noStrike" kern="0" cap="none" spc="0" normalizeH="0" baseline="0" noProof="0" dirty="0">
+                    <a:ln>
+                      <a:noFill/>
+                    </a:ln>
+                    <a:effectLst/>
+                    <a:uLnTx/>
+                    <a:uFillTx/>
+                  </a:rPr>
+                  <a:t>p</a:t>
+                </a:r>
+              </a:p>
+            </p:txBody>
+          </p:sp>
+          <p:sp>
+            <p:nvSpPr>
+              <p:cNvPr id="43" name="TextBox 42"/>
+              <p:cNvSpPr txBox="1"/>
+              <p:nvPr/>
+            </p:nvSpPr>
+            <p:spPr>
+              <a:xfrm>
+                <a:off x="2226569" y="3321605"/>
+                <a:ext cx="663617" cy="307777"/>
+              </a:xfrm>
+              <a:prstGeom prst="rect">
+                <a:avLst/>
+              </a:prstGeom>
+              <a:noFill/>
+            </p:spPr>
+            <p:txBody>
+              <a:bodyPr wrap="square" rtlCol="0">
+                <a:spAutoFit/>
+              </a:bodyPr>
+              <a:lstStyle/>
+              <a:p>
+                <a:pPr marL="0" marR="0" lvl="0" indent="0" algn="ctr" defTabSz="914400" eaLnBrk="1" fontAlgn="auto" latinLnBrk="0" hangingPunct="1">
+                  <a:lnSpc>
+                    <a:spcPct val="100000"/>
+                  </a:lnSpc>
+                  <a:spcBef>
+                    <a:spcPts val="0"/>
+                  </a:spcBef>
+                  <a:spcAft>
+                    <a:spcPts val="0"/>
+                  </a:spcAft>
+                  <a:buClrTx/>
+                  <a:buSzTx/>
+                  <a:buFontTx/>
+                  <a:buNone/>
+                  <a:tabLst/>
+                  <a:defRPr/>
+                </a:pPr>
+                <a:r>
+                  <a:rPr kumimoji="0" lang="en-US" sz="1400" b="1" i="0" u="none" strike="noStrike" kern="0" cap="none" spc="0" normalizeH="0" baseline="0" noProof="0" dirty="0">
+                    <a:ln>
+                      <a:noFill/>
+                    </a:ln>
+                    <a:effectLst/>
+                    <a:uLnTx/>
+                    <a:uFillTx/>
+                  </a:rPr>
+                  <a:t>1 - </a:t>
+                </a:r>
+                <a:r>
+                  <a:rPr kumimoji="0" lang="en-US" sz="1400" b="1" i="1" u="none" strike="noStrike" kern="0" cap="none" spc="0" normalizeH="0" baseline="0" noProof="0" dirty="0">
+                    <a:ln>
+                      <a:noFill/>
+                    </a:ln>
+                    <a:effectLst/>
+                    <a:uLnTx/>
+                    <a:uFillTx/>
+                  </a:rPr>
+                  <a:t>p</a:t>
+                </a:r>
+              </a:p>
+            </p:txBody>
+          </p:sp>
+        </p:grpSp>
+        <p:grpSp>
+          <p:nvGrpSpPr>
+            <p:cNvPr id="49" name="Group 48"/>
+            <p:cNvGrpSpPr/>
+            <p:nvPr/>
+          </p:nvGrpSpPr>
+          <p:grpSpPr>
+            <a:xfrm>
+              <a:off x="4563270" y="1876679"/>
+              <a:ext cx="3126045" cy="1331284"/>
+              <a:chOff x="2114872" y="1870148"/>
+              <a:chExt cx="3126045" cy="1331284"/>
+            </a:xfrm>
+          </p:grpSpPr>
+          <p:cxnSp>
+            <p:nvCxnSpPr>
+              <p:cNvPr id="51" name="Elbow Connector 50"/>
+              <p:cNvCxnSpPr>
+                <a:cxnSpLocks/>
+                <a:endCxn id="60" idx="2"/>
+              </p:cNvCxnSpPr>
+              <p:nvPr/>
+            </p:nvCxnSpPr>
+            <p:spPr>
+              <a:xfrm rot="5400000" flipH="1" flipV="1">
+                <a:off x="2673592" y="1568117"/>
+                <a:ext cx="413941" cy="1522373"/>
+              </a:xfrm>
+              <a:prstGeom prst="bentConnector2">
+                <a:avLst/>
+              </a:prstGeom>
+              <a:noFill/>
+              <a:ln w="28575" cap="flat" cmpd="sng" algn="ctr">
+                <a:solidFill>
+                  <a:sysClr val="windowText" lastClr="000000">
+                    <a:lumMod val="75000"/>
+                    <a:lumOff val="25000"/>
+                  </a:sysClr>
+                </a:solidFill>
+                <a:prstDash val="solid"/>
+              </a:ln>
+              <a:effectLst/>
+            </p:spPr>
+          </p:cxnSp>
+          <p:sp>
+            <p:nvSpPr>
+              <p:cNvPr id="52" name="TextBox 51"/>
+              <p:cNvSpPr txBox="1"/>
+              <p:nvPr/>
+            </p:nvSpPr>
+            <p:spPr>
+              <a:xfrm>
+                <a:off x="2152263" y="1870148"/>
+                <a:ext cx="1257952" cy="276999"/>
+              </a:xfrm>
+              <a:prstGeom prst="rect">
+                <a:avLst/>
+              </a:prstGeom>
+              <a:noFill/>
+            </p:spPr>
+            <p:txBody>
+              <a:bodyPr wrap="square" rtlCol="0">
+                <a:spAutoFit/>
+              </a:bodyPr>
+              <a:lstStyle/>
+              <a:p>
+                <a:pPr marL="0" marR="0" lvl="0" indent="0" defTabSz="914400" eaLnBrk="1" fontAlgn="auto" latinLnBrk="0" hangingPunct="1">
+                  <a:lnSpc>
+                    <a:spcPct val="100000"/>
+                  </a:lnSpc>
+                  <a:spcBef>
+                    <a:spcPts val="0"/>
+                  </a:spcBef>
+                  <a:spcAft>
+                    <a:spcPts val="0"/>
+                  </a:spcAft>
+                  <a:buClrTx/>
+                  <a:buSzTx/>
+                  <a:buFontTx/>
+                  <a:buNone/>
+                  <a:tabLst/>
+                  <a:defRPr/>
+                </a:pPr>
+                <a:r>
+                  <a:rPr kumimoji="0" lang="en-US" sz="1200" b="0" i="0" u="none" strike="noStrike" kern="0" cap="none" spc="0" normalizeH="0" baseline="0" noProof="0" dirty="0">
+                    <a:ln>
+                      <a:noFill/>
+                    </a:ln>
+                    <a:solidFill>
+                      <a:prstClr val="black"/>
+                    </a:solidFill>
+                    <a:effectLst/>
+                    <a:uLnTx/>
+                    <a:uFillTx/>
+                  </a:rPr>
+                  <a:t>Eligible</a:t>
+                </a:r>
+              </a:p>
+            </p:txBody>
+          </p:sp>
+          <p:cxnSp>
+            <p:nvCxnSpPr>
+              <p:cNvPr id="53" name="Elbow Connector 52"/>
+              <p:cNvCxnSpPr>
+                <a:cxnSpLocks/>
+                <a:stCxn id="5" idx="2"/>
+                <a:endCxn id="107" idx="1"/>
+              </p:cNvCxnSpPr>
+              <p:nvPr/>
+            </p:nvCxnSpPr>
+            <p:spPr>
+              <a:xfrm rot="16200000" flipH="1">
+                <a:off x="3442572" y="1390785"/>
+                <a:ext cx="470645" cy="3126045"/>
+              </a:xfrm>
+              <a:prstGeom prst="bentConnector2">
+                <a:avLst/>
+              </a:prstGeom>
+              <a:noFill/>
+              <a:ln w="28575" cap="flat" cmpd="sng" algn="ctr">
+                <a:solidFill>
+                  <a:sysClr val="windowText" lastClr="000000">
+                    <a:lumMod val="75000"/>
+                    <a:lumOff val="25000"/>
+                  </a:sysClr>
+                </a:solidFill>
+                <a:prstDash val="solid"/>
+              </a:ln>
+              <a:effectLst/>
+            </p:spPr>
+          </p:cxnSp>
+          <p:sp>
+            <p:nvSpPr>
+              <p:cNvPr id="54" name="TextBox 53"/>
+              <p:cNvSpPr txBox="1"/>
+              <p:nvPr/>
+            </p:nvSpPr>
+            <p:spPr>
+              <a:xfrm>
+                <a:off x="2124741" y="2924433"/>
+                <a:ext cx="1096987" cy="276999"/>
+              </a:xfrm>
+              <a:prstGeom prst="rect">
+                <a:avLst/>
+              </a:prstGeom>
+              <a:noFill/>
+            </p:spPr>
+            <p:txBody>
+              <a:bodyPr wrap="square" rtlCol="0">
+                <a:spAutoFit/>
+              </a:bodyPr>
+              <a:lstStyle/>
+              <a:p>
+                <a:pPr marL="0" marR="0" lvl="0" indent="0" defTabSz="914400" eaLnBrk="1" fontAlgn="auto" latinLnBrk="0" hangingPunct="1">
+                  <a:lnSpc>
+                    <a:spcPct val="100000"/>
+                  </a:lnSpc>
+                  <a:spcBef>
+                    <a:spcPts val="0"/>
+                  </a:spcBef>
+                  <a:spcAft>
+                    <a:spcPts val="0"/>
+                  </a:spcAft>
+                  <a:buClrTx/>
+                  <a:buSzTx/>
+                  <a:buFontTx/>
+                  <a:buNone/>
+                  <a:tabLst/>
+                  <a:defRPr/>
+                </a:pPr>
+                <a:r>
+                  <a:rPr kumimoji="0" lang="en-US" sz="1200" b="0" i="0" u="none" strike="noStrike" kern="0" cap="none" spc="0" normalizeH="0" baseline="0" noProof="0" dirty="0">
+                    <a:ln>
+                      <a:noFill/>
+                    </a:ln>
+                    <a:solidFill>
+                      <a:prstClr val="black"/>
+                    </a:solidFill>
+                    <a:effectLst/>
+                    <a:uLnTx/>
+                    <a:uFillTx/>
+                  </a:rPr>
+                  <a:t>Not eligible</a:t>
+                </a:r>
+              </a:p>
+            </p:txBody>
+          </p:sp>
+          <p:sp>
+            <p:nvSpPr>
+              <p:cNvPr id="55" name="TextBox 54"/>
+              <p:cNvSpPr txBox="1"/>
+              <p:nvPr/>
+            </p:nvSpPr>
+            <p:spPr>
+              <a:xfrm>
+                <a:off x="2152262" y="2096131"/>
+                <a:ext cx="1436989" cy="461665"/>
+              </a:xfrm>
+              <a:prstGeom prst="rect">
+                <a:avLst/>
+              </a:prstGeom>
+              <a:noFill/>
+            </p:spPr>
+            <p:txBody>
+              <a:bodyPr wrap="square" rtlCol="0">
+                <a:spAutoFit/>
+              </a:bodyPr>
+              <a:lstStyle/>
+              <a:p>
+                <a:pPr marL="0" marR="0" lvl="0" indent="0" defTabSz="914400" eaLnBrk="1" fontAlgn="auto" latinLnBrk="0" hangingPunct="1">
+                  <a:lnSpc>
+                    <a:spcPct val="100000"/>
+                  </a:lnSpc>
+                  <a:spcBef>
+                    <a:spcPts val="0"/>
+                  </a:spcBef>
+                  <a:spcAft>
+                    <a:spcPts val="0"/>
+                  </a:spcAft>
+                  <a:buClrTx/>
+                  <a:buSzTx/>
+                  <a:buFontTx/>
+                  <a:buNone/>
+                  <a:tabLst/>
+                  <a:defRPr/>
+                </a:pPr>
+                <a:r>
+                  <a:rPr lang="en-US" sz="1200" i="1" kern="0" noProof="0" dirty="0"/>
+                  <a:t>Depends on income &amp; insurance</a:t>
+                </a:r>
+                <a:endParaRPr kumimoji="0" lang="en-US" sz="1200" i="1" u="none" strike="noStrike" kern="0" cap="none" spc="0" normalizeH="0" baseline="0" noProof="0" dirty="0">
+                  <a:ln>
+                    <a:noFill/>
+                  </a:ln>
+                  <a:effectLst/>
+                  <a:uLnTx/>
+                  <a:uFillTx/>
+                </a:endParaRPr>
+              </a:p>
+            </p:txBody>
+          </p:sp>
+        </p:grpSp>
+        <p:sp>
+          <p:nvSpPr>
+            <p:cNvPr id="79" name="TextBox 78"/>
+            <p:cNvSpPr txBox="1"/>
+            <p:nvPr/>
+          </p:nvSpPr>
+          <p:spPr>
+            <a:xfrm>
+              <a:off x="7670671" y="1544710"/>
+              <a:ext cx="1572063" cy="276999"/>
+            </a:xfrm>
+            <a:prstGeom prst="rect">
+              <a:avLst/>
+            </a:prstGeom>
+            <a:solidFill>
+              <a:schemeClr val="accent3">
+                <a:lumMod val="60000"/>
+                <a:lumOff val="40000"/>
+              </a:schemeClr>
+            </a:solidFill>
+            <a:ln>
+              <a:solidFill>
+                <a:schemeClr val="accent3">
+                  <a:lumMod val="50000"/>
+                </a:schemeClr>
+              </a:solidFill>
+            </a:ln>
+          </p:spPr>
+          <p:txBody>
+            <a:bodyPr wrap="square" rtlCol="0">
+              <a:spAutoFit/>
+            </a:bodyPr>
+            <a:lstStyle/>
+            <a:p>
+              <a:pPr algn="ctr"/>
+              <a:r>
+                <a:rPr lang="en-US" sz="1200" dirty="0"/>
+                <a:t>“DAP Active”</a:t>
+              </a:r>
+            </a:p>
+          </p:txBody>
+        </p:sp>
+        <p:grpSp>
+          <p:nvGrpSpPr>
+            <p:cNvPr id="59" name="Group 58"/>
+            <p:cNvGrpSpPr/>
+            <p:nvPr/>
+          </p:nvGrpSpPr>
+          <p:grpSpPr>
+            <a:xfrm>
+              <a:off x="6090147" y="1439033"/>
+              <a:ext cx="1580525" cy="1481331"/>
+              <a:chOff x="2027936" y="1937883"/>
+              <a:chExt cx="1580525" cy="1481331"/>
+            </a:xfrm>
+          </p:grpSpPr>
+          <p:sp>
+            <p:nvSpPr>
+              <p:cNvPr id="60" name="Oval 59"/>
+              <p:cNvSpPr/>
+              <p:nvPr/>
+            </p:nvSpPr>
+            <p:spPr>
+              <a:xfrm>
+                <a:off x="2027936" y="2536273"/>
+                <a:ext cx="182880" cy="182880"/>
+              </a:xfrm>
+              <a:prstGeom prst="ellipse">
+                <a:avLst/>
+              </a:prstGeom>
+              <a:solidFill>
+                <a:srgbClr val="8FB08C">
+                  <a:lumMod val="60000"/>
+                  <a:lumOff val="40000"/>
+                </a:srgbClr>
+              </a:solidFill>
+              <a:ln w="25400" cap="flat" cmpd="sng" algn="ctr">
+                <a:solidFill>
+                  <a:srgbClr val="8FB08C">
+                    <a:lumMod val="50000"/>
+                  </a:srgbClr>
+                </a:solidFill>
+                <a:prstDash val="solid"/>
+              </a:ln>
+              <a:effectLst/>
+            </p:spPr>
+            <p:txBody>
+              <a:bodyPr rtlCol="0" anchor="ctr"/>
+              <a:lstStyle/>
+              <a:p>
+                <a:pPr marL="0" marR="0" lvl="0" indent="0" algn="ctr" defTabSz="914400" eaLnBrk="1" fontAlgn="auto" latinLnBrk="0" hangingPunct="1">
+                  <a:lnSpc>
+                    <a:spcPct val="100000"/>
+                  </a:lnSpc>
+                  <a:spcBef>
+                    <a:spcPts val="0"/>
+                  </a:spcBef>
+                  <a:spcAft>
+                    <a:spcPts val="0"/>
+                  </a:spcAft>
+                  <a:buClrTx/>
+                  <a:buSzTx/>
+                  <a:buFontTx/>
+                  <a:buNone/>
+                  <a:tabLst/>
+                  <a:defRPr/>
+                </a:pPr>
+                <a:endParaRPr kumimoji="0" lang="en-US" sz="1800" b="0" i="0" u="none" strike="noStrike" kern="0" cap="none" spc="0" normalizeH="0" baseline="0" noProof="0">
+                  <a:ln>
+                    <a:noFill/>
+                  </a:ln>
+                  <a:solidFill>
+                    <a:prstClr val="white"/>
+                  </a:solidFill>
+                  <a:effectLst/>
+                  <a:uLnTx/>
+                  <a:uFillTx/>
+                  <a:latin typeface="Arial"/>
+                  <a:ea typeface=""/>
+                  <a:cs typeface=""/>
+                </a:endParaRPr>
+              </a:p>
+            </p:txBody>
+          </p:sp>
+          <p:cxnSp>
+            <p:nvCxnSpPr>
+              <p:cNvPr id="61" name="Elbow Connector 60"/>
+              <p:cNvCxnSpPr>
+                <a:stCxn id="60" idx="0"/>
+                <a:endCxn id="79" idx="1"/>
+              </p:cNvCxnSpPr>
+              <p:nvPr/>
+            </p:nvCxnSpPr>
+            <p:spPr>
+              <a:xfrm rot="5400000" flipH="1" flipV="1">
+                <a:off x="2686812" y="1614625"/>
+                <a:ext cx="354213" cy="1489084"/>
+              </a:xfrm>
+              <a:prstGeom prst="bentConnector2">
+                <a:avLst/>
+              </a:prstGeom>
+              <a:noFill/>
+              <a:ln w="28575" cap="flat" cmpd="sng" algn="ctr">
+                <a:solidFill>
+                  <a:sysClr val="windowText" lastClr="000000">
+                    <a:lumMod val="75000"/>
+                    <a:lumOff val="25000"/>
+                  </a:sysClr>
+                </a:solidFill>
+                <a:prstDash val="solid"/>
+              </a:ln>
+              <a:effectLst/>
+            </p:spPr>
+          </p:cxnSp>
+          <p:sp>
+            <p:nvSpPr>
+              <p:cNvPr id="62" name="TextBox 61"/>
+              <p:cNvSpPr txBox="1"/>
+              <p:nvPr/>
+            </p:nvSpPr>
+            <p:spPr>
+              <a:xfrm>
+                <a:off x="2186129" y="1937883"/>
+                <a:ext cx="1257952" cy="276999"/>
+              </a:xfrm>
+              <a:prstGeom prst="rect">
+                <a:avLst/>
+              </a:prstGeom>
+              <a:noFill/>
+            </p:spPr>
+            <p:txBody>
+              <a:bodyPr wrap="square" rtlCol="0">
+                <a:spAutoFit/>
+              </a:bodyPr>
+              <a:lstStyle/>
+              <a:p>
+                <a:pPr marL="0" marR="0" lvl="0" indent="0" defTabSz="914400" eaLnBrk="1" fontAlgn="auto" latinLnBrk="0" hangingPunct="1">
+                  <a:lnSpc>
+                    <a:spcPct val="100000"/>
+                  </a:lnSpc>
+                  <a:spcBef>
+                    <a:spcPts val="0"/>
+                  </a:spcBef>
+                  <a:spcAft>
+                    <a:spcPts val="0"/>
+                  </a:spcAft>
+                  <a:buClrTx/>
+                  <a:buSzTx/>
+                  <a:buFontTx/>
+                  <a:buNone/>
+                  <a:tabLst/>
+                  <a:defRPr/>
+                </a:pPr>
+                <a:r>
+                  <a:rPr kumimoji="0" lang="en-US" sz="1200" b="0" i="0" u="none" strike="noStrike" kern="0" cap="none" spc="0" normalizeH="0" baseline="0" noProof="0" dirty="0">
+                    <a:ln>
+                      <a:noFill/>
+                    </a:ln>
+                    <a:solidFill>
+                      <a:prstClr val="black"/>
+                    </a:solidFill>
+                    <a:effectLst/>
+                    <a:uLnTx/>
+                    <a:uFillTx/>
+                  </a:rPr>
+                  <a:t>Enroll in DAP</a:t>
+                </a:r>
+              </a:p>
+            </p:txBody>
+          </p:sp>
+          <p:cxnSp>
+            <p:nvCxnSpPr>
+              <p:cNvPr id="63" name="Elbow Connector 62"/>
+              <p:cNvCxnSpPr>
+                <a:cxnSpLocks/>
+                <a:stCxn id="60" idx="4"/>
+                <a:endCxn id="97" idx="1"/>
+              </p:cNvCxnSpPr>
+              <p:nvPr/>
+            </p:nvCxnSpPr>
+            <p:spPr>
+              <a:xfrm rot="16200000" flipH="1">
+                <a:off x="2656948" y="2181581"/>
+                <a:ext cx="413941" cy="1489084"/>
+              </a:xfrm>
+              <a:prstGeom prst="bentConnector2">
+                <a:avLst/>
+              </a:prstGeom>
+              <a:noFill/>
+              <a:ln w="28575" cap="flat" cmpd="sng" algn="ctr">
+                <a:solidFill>
+                  <a:sysClr val="windowText" lastClr="000000">
+                    <a:lumMod val="75000"/>
+                    <a:lumOff val="25000"/>
+                  </a:sysClr>
+                </a:solidFill>
+                <a:prstDash val="solid"/>
+              </a:ln>
+              <a:effectLst/>
+            </p:spPr>
+          </p:cxnSp>
+          <p:sp>
+            <p:nvSpPr>
+              <p:cNvPr id="64" name="TextBox 63"/>
+              <p:cNvSpPr txBox="1"/>
+              <p:nvPr/>
+            </p:nvSpPr>
+            <p:spPr>
+              <a:xfrm>
+                <a:off x="2175540" y="2873635"/>
+                <a:ext cx="1096987" cy="276999"/>
+              </a:xfrm>
+              <a:prstGeom prst="rect">
+                <a:avLst/>
+              </a:prstGeom>
+              <a:noFill/>
+            </p:spPr>
+            <p:txBody>
+              <a:bodyPr wrap="square" rtlCol="0">
+                <a:spAutoFit/>
+              </a:bodyPr>
+              <a:lstStyle/>
+              <a:p>
+                <a:pPr marL="0" marR="0" lvl="0" indent="0" defTabSz="914400" eaLnBrk="1" fontAlgn="auto" latinLnBrk="0" hangingPunct="1">
+                  <a:lnSpc>
+                    <a:spcPct val="100000"/>
+                  </a:lnSpc>
+                  <a:spcBef>
+                    <a:spcPts val="0"/>
+                  </a:spcBef>
+                  <a:spcAft>
+                    <a:spcPts val="0"/>
+                  </a:spcAft>
+                  <a:buClrTx/>
+                  <a:buSzTx/>
+                  <a:buFontTx/>
+                  <a:buNone/>
+                  <a:tabLst/>
+                  <a:defRPr/>
+                </a:pPr>
+                <a:r>
+                  <a:rPr kumimoji="0" lang="en-US" sz="1200" b="0" i="0" u="none" strike="noStrike" kern="0" cap="none" spc="0" normalizeH="0" baseline="0" noProof="0" dirty="0">
+                    <a:ln>
+                      <a:noFill/>
+                    </a:ln>
+                    <a:solidFill>
+                      <a:prstClr val="black"/>
+                    </a:solidFill>
+                    <a:effectLst/>
+                    <a:uLnTx/>
+                    <a:uFillTx/>
+                  </a:rPr>
+                  <a:t>Don’t enroll</a:t>
+                </a:r>
+              </a:p>
+            </p:txBody>
+          </p:sp>
+          <p:sp>
+            <p:nvSpPr>
+              <p:cNvPr id="65" name="TextBox 64"/>
+              <p:cNvSpPr txBox="1"/>
+              <p:nvPr/>
+            </p:nvSpPr>
+            <p:spPr>
+              <a:xfrm>
+                <a:off x="2274221" y="2146933"/>
+                <a:ext cx="663617" cy="307777"/>
+              </a:xfrm>
+              <a:prstGeom prst="rect">
+                <a:avLst/>
+              </a:prstGeom>
+              <a:noFill/>
+            </p:spPr>
+            <p:txBody>
+              <a:bodyPr wrap="square" rtlCol="0">
+                <a:spAutoFit/>
+              </a:bodyPr>
+              <a:lstStyle/>
+              <a:p>
+                <a:pPr marL="0" marR="0" lvl="0" indent="0" algn="ctr" defTabSz="914400" eaLnBrk="1" fontAlgn="auto" latinLnBrk="0" hangingPunct="1">
+                  <a:lnSpc>
+                    <a:spcPct val="100000"/>
+                  </a:lnSpc>
+                  <a:spcBef>
+                    <a:spcPts val="0"/>
+                  </a:spcBef>
+                  <a:spcAft>
+                    <a:spcPts val="0"/>
+                  </a:spcAft>
+                  <a:buClrTx/>
+                  <a:buSzTx/>
+                  <a:buFontTx/>
+                  <a:buNone/>
+                  <a:tabLst/>
+                  <a:defRPr/>
+                </a:pPr>
+                <a:r>
+                  <a:rPr lang="en-US" sz="1400" b="1" i="1" kern="0" dirty="0"/>
+                  <a:t>q</a:t>
+                </a:r>
+                <a:endParaRPr kumimoji="0" lang="en-US" sz="1400" b="1" i="1" u="none" strike="noStrike" kern="0" cap="none" spc="0" normalizeH="0" baseline="0" noProof="0" dirty="0">
+                  <a:ln>
+                    <a:noFill/>
+                  </a:ln>
+                  <a:effectLst/>
+                  <a:uLnTx/>
+                  <a:uFillTx/>
+                </a:endParaRPr>
+              </a:p>
+            </p:txBody>
+          </p:sp>
+          <p:sp>
+            <p:nvSpPr>
+              <p:cNvPr id="66" name="TextBox 65"/>
+              <p:cNvSpPr txBox="1"/>
+              <p:nvPr/>
+            </p:nvSpPr>
+            <p:spPr>
+              <a:xfrm>
+                <a:off x="2277368" y="3111437"/>
+                <a:ext cx="663617" cy="307777"/>
+              </a:xfrm>
+              <a:prstGeom prst="rect">
+                <a:avLst/>
+              </a:prstGeom>
+              <a:noFill/>
+            </p:spPr>
+            <p:txBody>
+              <a:bodyPr wrap="square" rtlCol="0">
+                <a:spAutoFit/>
+              </a:bodyPr>
+              <a:lstStyle/>
+              <a:p>
+                <a:pPr marL="0" marR="0" lvl="0" indent="0" algn="ctr" defTabSz="914400" eaLnBrk="1" fontAlgn="auto" latinLnBrk="0" hangingPunct="1">
+                  <a:lnSpc>
+                    <a:spcPct val="100000"/>
+                  </a:lnSpc>
+                  <a:spcBef>
+                    <a:spcPts val="0"/>
+                  </a:spcBef>
+                  <a:spcAft>
+                    <a:spcPts val="0"/>
+                  </a:spcAft>
+                  <a:buClrTx/>
+                  <a:buSzTx/>
+                  <a:buFontTx/>
+                  <a:buNone/>
+                  <a:tabLst/>
+                  <a:defRPr/>
+                </a:pPr>
+                <a:r>
+                  <a:rPr kumimoji="0" lang="en-US" sz="1400" b="1" i="0" u="none" strike="noStrike" kern="0" cap="none" spc="0" normalizeH="0" baseline="0" noProof="0" dirty="0">
+                    <a:ln>
+                      <a:noFill/>
+                    </a:ln>
+                    <a:effectLst/>
+                    <a:uLnTx/>
+                    <a:uFillTx/>
+                  </a:rPr>
+                  <a:t>1 - </a:t>
+                </a:r>
+                <a:r>
+                  <a:rPr kumimoji="0" lang="en-US" sz="1400" b="1" i="1" u="none" strike="noStrike" kern="0" cap="none" spc="0" normalizeH="0" baseline="0" noProof="0" dirty="0">
+                    <a:ln>
+                      <a:noFill/>
+                    </a:ln>
+                    <a:effectLst/>
+                    <a:uLnTx/>
+                    <a:uFillTx/>
+                  </a:rPr>
+                  <a:t>q</a:t>
+                </a:r>
+              </a:p>
+            </p:txBody>
+          </p:sp>
+        </p:grpSp>
+        <p:pic>
+          <p:nvPicPr>
+            <p:cNvPr id="88" name="Picture 87"/>
+            <p:cNvPicPr>
+              <a:picLocks noChangeAspect="1"/>
+            </p:cNvPicPr>
+            <p:nvPr/>
+          </p:nvPicPr>
+          <p:blipFill>
+            <a:blip r:embed="rId2">
+              <a:duotone>
+                <a:prstClr val="black"/>
+                <a:schemeClr val="tx1">
+                  <a:lumMod val="50000"/>
+                  <a:lumOff val="50000"/>
+                  <a:tint val="45000"/>
+                  <a:satMod val="400000"/>
+                </a:schemeClr>
+              </a:duotone>
+              <a:extLst>
+                <a:ext uri="{BEBA8EAE-BF5A-486C-A8C5-ECC9F3942E4B}">
+                  <a14:imgProps xmlns:a14="http://schemas.microsoft.com/office/drawing/2010/main">
+                    <a14:imgLayer r:embed="rId4">
+                      <a14:imgEffect>
+                        <a14:saturation sat="66000"/>
+                      </a14:imgEffect>
+                    </a14:imgLayer>
+                  </a14:imgProps>
+                </a:ext>
+              </a:extLst>
+            </a:blip>
+            <a:stretch>
+              <a:fillRect/>
+            </a:stretch>
+          </p:blipFill>
+          <p:spPr>
+            <a:xfrm>
+              <a:off x="5021086" y="4899839"/>
+              <a:ext cx="431516" cy="954314"/>
+            </a:xfrm>
+            <a:prstGeom prst="rect">
+              <a:avLst/>
+            </a:prstGeom>
+          </p:spPr>
+        </p:pic>
+        <p:sp>
+          <p:nvSpPr>
+            <p:cNvPr id="92" name="TextBox 91"/>
+            <p:cNvSpPr txBox="1"/>
+            <p:nvPr/>
+          </p:nvSpPr>
+          <p:spPr>
+            <a:xfrm>
+              <a:off x="5452602" y="4320418"/>
+              <a:ext cx="2393038" cy="461665"/>
+            </a:xfrm>
+            <a:prstGeom prst="rect">
+              <a:avLst/>
+            </a:prstGeom>
+            <a:solidFill>
+              <a:schemeClr val="accent6">
+                <a:lumMod val="40000"/>
+                <a:lumOff val="60000"/>
+              </a:schemeClr>
+            </a:solidFill>
+          </p:spPr>
+          <p:txBody>
+            <a:bodyPr wrap="square" rtlCol="0">
+              <a:spAutoFit/>
+            </a:bodyPr>
+            <a:lstStyle/>
+            <a:p>
+              <a:pPr algn="ctr"/>
+              <a:r>
+                <a:rPr lang="en-US" sz="1200" dirty="0"/>
+                <a:t>Some probability of  eligibility assessment each month?</a:t>
+              </a:r>
+            </a:p>
+          </p:txBody>
+        </p:sp>
+        <p:sp>
+          <p:nvSpPr>
+            <p:cNvPr id="102" name="Right Arrow 101"/>
+            <p:cNvSpPr/>
+            <p:nvPr/>
+          </p:nvSpPr>
+          <p:spPr>
+            <a:xfrm rot="16200000">
+              <a:off x="4595431" y="4040245"/>
+              <a:ext cx="1206488" cy="247590"/>
+            </a:xfrm>
+            <a:prstGeom prst="rightArrow">
+              <a:avLst/>
+            </a:prstGeom>
+            <a:solidFill>
+              <a:schemeClr val="accent6">
+                <a:lumMod val="40000"/>
+                <a:lumOff val="60000"/>
+              </a:schemeClr>
+            </a:solidFill>
+            <a:ln>
+              <a:solidFill>
+                <a:schemeClr val="accent6">
+                  <a:lumMod val="50000"/>
+                </a:schemeClr>
+              </a:solidFill>
+            </a:ln>
+          </p:spPr>
+          <p:style>
+            <a:lnRef idx="2">
+              <a:schemeClr val="accent1">
+                <a:shade val="50000"/>
+              </a:schemeClr>
+            </a:lnRef>
+            <a:fillRef idx="1">
+              <a:schemeClr val="accent1"/>
+            </a:fillRef>
+            <a:effectRef idx="0">
+              <a:schemeClr val="accent1"/>
+            </a:effectRef>
+            <a:fontRef idx="minor">
+              <a:schemeClr val="lt1"/>
+            </a:fontRef>
+          </p:style>
+          <p:txBody>
+            <a:bodyPr rtlCol="0" anchor="ctr"/>
+            <a:lstStyle/>
+            <a:p>
+              <a:pPr algn="ctr"/>
+              <a:endParaRPr lang="en-US"/>
+            </a:p>
+          </p:txBody>
+        </p:sp>
+        <p:sp>
+          <p:nvSpPr>
+            <p:cNvPr id="5" name="Rectangle 4">
+              <a:extLst>
+                <a:ext uri="{FF2B5EF4-FFF2-40B4-BE49-F238E27FC236}">
+                  <a16:creationId xmlns:a16="http://schemas.microsoft.com/office/drawing/2014/main" id="{90646AA7-78DB-CA4B-8F73-D2D845CA041E}"/>
+                </a:ext>
+              </a:extLst>
+            </p:cNvPr>
+            <p:cNvSpPr/>
+            <p:nvPr/>
+          </p:nvSpPr>
+          <p:spPr>
+            <a:xfrm>
+              <a:off x="4471463" y="2542137"/>
+              <a:ext cx="183613" cy="182880"/>
+            </a:xfrm>
+            <a:prstGeom prst="rect">
+              <a:avLst/>
+            </a:prstGeom>
+            <a:solidFill>
+              <a:schemeClr val="accent1">
+                <a:lumMod val="60000"/>
+                <a:lumOff val="40000"/>
+              </a:schemeClr>
+            </a:solidFill>
+            <a:ln w="28575">
+              <a:solidFill>
+                <a:schemeClr val="tx2"/>
+              </a:solidFill>
+            </a:ln>
+          </p:spPr>
+          <p:style>
+            <a:lnRef idx="2">
+              <a:schemeClr val="accent1">
+                <a:shade val="50000"/>
+              </a:schemeClr>
+            </a:lnRef>
+            <a:fillRef idx="1">
+              <a:schemeClr val="accent1"/>
+            </a:fillRef>
+            <a:effectRef idx="0">
+              <a:schemeClr val="accent1"/>
+            </a:effectRef>
+            <a:fontRef idx="minor">
+              <a:schemeClr val="lt1"/>
+            </a:fontRef>
+          </p:style>
+          <p:txBody>
+            <a:bodyPr rtlCol="0" anchor="ctr"/>
+            <a:lstStyle/>
+            <a:p>
+              <a:pPr algn="ctr"/>
+              <a:endParaRPr lang="en-US"/>
+            </a:p>
+          </p:txBody>
+        </p:sp>
+        <p:sp>
+          <p:nvSpPr>
+            <p:cNvPr id="13" name="Rectangle 12">
+              <a:extLst>
+                <a:ext uri="{FF2B5EF4-FFF2-40B4-BE49-F238E27FC236}">
+                  <a16:creationId xmlns:a16="http://schemas.microsoft.com/office/drawing/2014/main" id="{8234427A-6835-1C43-A09A-75427922067D}"/>
+                </a:ext>
+              </a:extLst>
+            </p:cNvPr>
+            <p:cNvSpPr/>
+            <p:nvPr/>
+          </p:nvSpPr>
+          <p:spPr>
+            <a:xfrm>
+              <a:off x="5884118" y="5255046"/>
+              <a:ext cx="593800" cy="627961"/>
+            </a:xfrm>
+            <a:prstGeom prst="rect">
+              <a:avLst/>
+            </a:prstGeom>
+            <a:solidFill>
+              <a:schemeClr val="bg1"/>
+            </a:solidFill>
+            <a:ln>
+              <a:solidFill>
+                <a:schemeClr val="bg1"/>
+              </a:solidFill>
+            </a:ln>
+          </p:spPr>
+          <p:style>
+            <a:lnRef idx="2">
+              <a:schemeClr val="accent1">
+                <a:shade val="50000"/>
+              </a:schemeClr>
+            </a:lnRef>
+            <a:fillRef idx="1">
+              <a:schemeClr val="accent1"/>
+            </a:fillRef>
+            <a:effectRef idx="0">
+              <a:schemeClr val="accent1"/>
+            </a:effectRef>
+            <a:fontRef idx="minor">
+              <a:schemeClr val="lt1"/>
+            </a:fontRef>
+          </p:style>
+          <p:txBody>
+            <a:bodyPr rtlCol="0" anchor="ctr"/>
+            <a:lstStyle/>
+            <a:p>
+              <a:pPr algn="ctr"/>
+              <a:endParaRPr lang="en-US"/>
+            </a:p>
+          </p:txBody>
+        </p:sp>
+        <p:sp>
+          <p:nvSpPr>
+            <p:cNvPr id="97" name="TextBox 96">
+              <a:extLst>
+                <a:ext uri="{FF2B5EF4-FFF2-40B4-BE49-F238E27FC236}">
+                  <a16:creationId xmlns:a16="http://schemas.microsoft.com/office/drawing/2014/main" id="{88A8C954-2621-A74C-AD1E-BCDA58D50AE9}"/>
+                </a:ext>
+              </a:extLst>
+            </p:cNvPr>
+            <p:cNvSpPr txBox="1"/>
+            <p:nvPr/>
+          </p:nvSpPr>
+          <p:spPr>
+            <a:xfrm>
+              <a:off x="7670671" y="2495744"/>
+              <a:ext cx="1572063" cy="276999"/>
+            </a:xfrm>
+            <a:prstGeom prst="rect">
+              <a:avLst/>
+            </a:prstGeom>
+            <a:solidFill>
+              <a:schemeClr val="accent2">
+                <a:lumMod val="40000"/>
+                <a:lumOff val="60000"/>
+              </a:schemeClr>
+            </a:solidFill>
+            <a:ln>
+              <a:solidFill>
+                <a:schemeClr val="accent2">
+                  <a:lumMod val="50000"/>
+                </a:schemeClr>
+              </a:solidFill>
+            </a:ln>
+          </p:spPr>
+          <p:txBody>
+            <a:bodyPr wrap="square" rtlCol="0">
+              <a:spAutoFit/>
+            </a:bodyPr>
+            <a:lstStyle/>
+            <a:p>
+              <a:pPr algn="ctr"/>
+              <a:r>
+                <a:rPr lang="en-US" sz="1200" dirty="0"/>
+                <a:t>Not enrolled in DAP</a:t>
+              </a:r>
+            </a:p>
+          </p:txBody>
+        </p:sp>
+        <p:sp>
+          <p:nvSpPr>
+            <p:cNvPr id="99" name="TextBox 98">
+              <a:extLst>
+                <a:ext uri="{FF2B5EF4-FFF2-40B4-BE49-F238E27FC236}">
+                  <a16:creationId xmlns:a16="http://schemas.microsoft.com/office/drawing/2014/main" id="{D9F1F8D4-1B4F-364E-9750-6EEDB1BF8717}"/>
+                </a:ext>
+              </a:extLst>
+            </p:cNvPr>
+            <p:cNvSpPr txBox="1"/>
+            <p:nvPr/>
+          </p:nvSpPr>
+          <p:spPr>
+            <a:xfrm>
+              <a:off x="7670671" y="3674440"/>
+              <a:ext cx="1572063" cy="276999"/>
+            </a:xfrm>
+            <a:prstGeom prst="rect">
+              <a:avLst/>
+            </a:prstGeom>
+            <a:solidFill>
+              <a:schemeClr val="accent2">
+                <a:lumMod val="40000"/>
+                <a:lumOff val="60000"/>
+              </a:schemeClr>
+            </a:solidFill>
+            <a:ln>
+              <a:solidFill>
+                <a:schemeClr val="accent2">
+                  <a:lumMod val="50000"/>
+                </a:schemeClr>
+              </a:solidFill>
+            </a:ln>
+          </p:spPr>
+          <p:txBody>
+            <a:bodyPr wrap="square" rtlCol="0">
+              <a:spAutoFit/>
+            </a:bodyPr>
+            <a:lstStyle/>
+            <a:p>
+              <a:pPr algn="ctr"/>
+              <a:r>
+                <a:rPr lang="en-US" sz="1200" dirty="0"/>
+                <a:t>Not enrolled in DAP</a:t>
+              </a:r>
+            </a:p>
+          </p:txBody>
+        </p:sp>
+        <p:sp>
+          <p:nvSpPr>
+            <p:cNvPr id="101" name="Right Arrow 100">
+              <a:extLst>
+                <a:ext uri="{FF2B5EF4-FFF2-40B4-BE49-F238E27FC236}">
+                  <a16:creationId xmlns:a16="http://schemas.microsoft.com/office/drawing/2014/main" id="{4B127876-085E-D74F-A832-FD2ACCCD1D52}"/>
+                </a:ext>
+              </a:extLst>
+            </p:cNvPr>
+            <p:cNvSpPr/>
+            <p:nvPr/>
+          </p:nvSpPr>
+          <p:spPr>
+            <a:xfrm rot="10800000">
+              <a:off x="5961037" y="5177566"/>
+              <a:ext cx="1799763" cy="264238"/>
+            </a:xfrm>
+            <a:prstGeom prst="rightArrow">
+              <a:avLst/>
+            </a:prstGeom>
+            <a:solidFill>
+              <a:schemeClr val="accent2">
+                <a:lumMod val="40000"/>
+                <a:lumOff val="60000"/>
+              </a:schemeClr>
+            </a:solidFill>
+            <a:ln>
+              <a:solidFill>
+                <a:schemeClr val="accent2">
+                  <a:lumMod val="75000"/>
+                </a:schemeClr>
+              </a:solidFill>
+            </a:ln>
+          </p:spPr>
+          <p:style>
+            <a:lnRef idx="2">
+              <a:schemeClr val="accent1">
+                <a:shade val="50000"/>
+              </a:schemeClr>
+            </a:lnRef>
+            <a:fillRef idx="1">
+              <a:schemeClr val="accent1"/>
+            </a:fillRef>
+            <a:effectRef idx="0">
+              <a:schemeClr val="accent1"/>
+            </a:effectRef>
+            <a:fontRef idx="minor">
+              <a:schemeClr val="lt1"/>
+            </a:fontRef>
+          </p:style>
+          <p:txBody>
+            <a:bodyPr rtlCol="0" anchor="ctr"/>
+            <a:lstStyle/>
+            <a:p>
+              <a:pPr algn="ctr"/>
+              <a:endParaRPr lang="en-US"/>
+            </a:p>
+          </p:txBody>
+        </p:sp>
+        <p:sp>
+          <p:nvSpPr>
+            <p:cNvPr id="106" name="Right Arrow 105">
+              <a:extLst>
+                <a:ext uri="{FF2B5EF4-FFF2-40B4-BE49-F238E27FC236}">
+                  <a16:creationId xmlns:a16="http://schemas.microsoft.com/office/drawing/2014/main" id="{679716A9-4491-D745-9E9C-F054A288BECA}"/>
+                </a:ext>
+              </a:extLst>
+            </p:cNvPr>
+            <p:cNvSpPr/>
+            <p:nvPr/>
+          </p:nvSpPr>
+          <p:spPr>
+            <a:xfrm rot="5400000">
+              <a:off x="7802461" y="4643488"/>
+              <a:ext cx="1206488" cy="247590"/>
+            </a:xfrm>
+            <a:prstGeom prst="rightArrow">
+              <a:avLst/>
+            </a:prstGeom>
+            <a:solidFill>
+              <a:schemeClr val="accent2">
+                <a:lumMod val="40000"/>
+                <a:lumOff val="60000"/>
+              </a:schemeClr>
+            </a:solidFill>
+            <a:ln>
+              <a:solidFill>
+                <a:schemeClr val="accent2">
+                  <a:lumMod val="75000"/>
+                </a:schemeClr>
+              </a:solidFill>
+            </a:ln>
+          </p:spPr>
+          <p:style>
+            <a:lnRef idx="2">
+              <a:schemeClr val="accent1">
+                <a:shade val="50000"/>
+              </a:schemeClr>
+            </a:lnRef>
+            <a:fillRef idx="1">
+              <a:schemeClr val="accent1"/>
+            </a:fillRef>
+            <a:effectRef idx="0">
+              <a:schemeClr val="accent1"/>
+            </a:effectRef>
+            <a:fontRef idx="minor">
+              <a:schemeClr val="lt1"/>
+            </a:fontRef>
+          </p:style>
+          <p:txBody>
+            <a:bodyPr rtlCol="0" anchor="ctr"/>
+            <a:lstStyle/>
+            <a:p>
+              <a:pPr algn="ctr"/>
+              <a:endParaRPr lang="en-US"/>
+            </a:p>
+          </p:txBody>
+        </p:sp>
+        <p:sp>
+          <p:nvSpPr>
+            <p:cNvPr id="107" name="TextBox 106">
+              <a:extLst>
+                <a:ext uri="{FF2B5EF4-FFF2-40B4-BE49-F238E27FC236}">
+                  <a16:creationId xmlns:a16="http://schemas.microsoft.com/office/drawing/2014/main" id="{51DB506A-502C-4E48-88AB-DBF06EE00855}"/>
+                </a:ext>
+              </a:extLst>
+            </p:cNvPr>
+            <p:cNvSpPr txBox="1"/>
+            <p:nvPr/>
+          </p:nvSpPr>
+          <p:spPr>
+            <a:xfrm>
+              <a:off x="7689315" y="3057162"/>
+              <a:ext cx="1572063" cy="276999"/>
+            </a:xfrm>
+            <a:prstGeom prst="rect">
+              <a:avLst/>
+            </a:prstGeom>
+            <a:solidFill>
+              <a:schemeClr val="accent2">
+                <a:lumMod val="40000"/>
+                <a:lumOff val="60000"/>
+              </a:schemeClr>
+            </a:solidFill>
+            <a:ln>
+              <a:solidFill>
+                <a:schemeClr val="accent2">
+                  <a:lumMod val="50000"/>
+                </a:schemeClr>
+              </a:solidFill>
+            </a:ln>
+          </p:spPr>
+          <p:txBody>
+            <a:bodyPr wrap="square" rtlCol="0">
+              <a:spAutoFit/>
+            </a:bodyPr>
+            <a:lstStyle/>
+            <a:p>
+              <a:pPr algn="ctr"/>
+              <a:r>
+                <a:rPr lang="en-US" sz="1200" dirty="0"/>
+                <a:t>Not enrolled in DAP</a:t>
+              </a:r>
+            </a:p>
+          </p:txBody>
+        </p:sp>
+      </p:grpSp>
+      <p:sp>
+        <p:nvSpPr>
+          <p:cNvPr id="109" name="Line Callout 1 108">
+            <a:extLst>
+              <a:ext uri="{FF2B5EF4-FFF2-40B4-BE49-F238E27FC236}">
+                <a16:creationId xmlns:a16="http://schemas.microsoft.com/office/drawing/2014/main" id="{84BB1471-4FDA-B34A-9E28-F600E3C85DD5}"/>
+              </a:ext>
+            </a:extLst>
+          </p:cNvPr>
+          <p:cNvSpPr/>
+          <p:nvPr/>
+        </p:nvSpPr>
+        <p:spPr>
+          <a:xfrm>
+            <a:off x="891084" y="2037423"/>
+            <a:ext cx="1020340" cy="430368"/>
+          </a:xfrm>
+          <a:prstGeom prst="borderCallout1">
+            <a:avLst>
+              <a:gd name="adj1" fmla="val 119543"/>
+              <a:gd name="adj2" fmla="val 53333"/>
+              <a:gd name="adj3" fmla="val 209463"/>
+              <a:gd name="adj4" fmla="val 67770"/>
+            </a:avLst>
+          </a:prstGeom>
+          <a:noFill/>
+          <a:ln>
+            <a:solidFill>
+              <a:schemeClr val="accent2">
+                <a:lumMod val="75000"/>
+              </a:schemeClr>
+            </a:solidFill>
+          </a:ln>
+        </p:spPr>
+        <p:style>
+          <a:lnRef idx="2">
+            <a:schemeClr val="accent1">
+              <a:shade val="50000"/>
+            </a:schemeClr>
+          </a:lnRef>
+          <a:fillRef idx="1">
+            <a:schemeClr val="accent1"/>
+          </a:fillRef>
+          <a:effectRef idx="0">
+            <a:schemeClr val="accent1"/>
+          </a:effectRef>
+          <a:fontRef idx="minor">
+            <a:schemeClr val="lt1"/>
+          </a:fontRef>
+        </p:style>
+        <p:txBody>
+          <a:bodyPr rtlCol="0" anchor="ctr"/>
+          <a:lstStyle/>
+          <a:p>
+            <a:pPr algn="ctr"/>
+            <a:r>
+              <a:rPr lang="en-US" sz="1200" dirty="0">
+                <a:solidFill>
+                  <a:schemeClr val="tx1"/>
+                </a:solidFill>
+              </a:rPr>
+              <a:t>DAP Inactive</a:t>
+            </a:r>
+          </a:p>
+        </p:txBody>
+      </p:sp>
+      <p:sp>
+        <p:nvSpPr>
+          <p:cNvPr id="110" name="Line Callout 1 109">
+            <a:extLst>
+              <a:ext uri="{FF2B5EF4-FFF2-40B4-BE49-F238E27FC236}">
+                <a16:creationId xmlns:a16="http://schemas.microsoft.com/office/drawing/2014/main" id="{CE3B6565-56A5-CD48-A1E8-58CFB8663030}"/>
+              </a:ext>
+            </a:extLst>
+          </p:cNvPr>
+          <p:cNvSpPr/>
+          <p:nvPr/>
+        </p:nvSpPr>
+        <p:spPr>
+          <a:xfrm>
+            <a:off x="3961293" y="4469471"/>
+            <a:ext cx="1020340" cy="430368"/>
+          </a:xfrm>
+          <a:prstGeom prst="borderCallout1">
+            <a:avLst>
+              <a:gd name="adj1" fmla="val 119543"/>
+              <a:gd name="adj2" fmla="val 53333"/>
+              <a:gd name="adj3" fmla="val 193119"/>
+              <a:gd name="adj4" fmla="val 95344"/>
+            </a:avLst>
+          </a:prstGeom>
+          <a:noFill/>
+          <a:ln>
+            <a:solidFill>
+              <a:schemeClr val="accent2">
+                <a:lumMod val="75000"/>
+              </a:schemeClr>
+            </a:solidFill>
+          </a:ln>
+        </p:spPr>
+        <p:style>
+          <a:lnRef idx="2">
+            <a:schemeClr val="accent1">
+              <a:shade val="50000"/>
+            </a:schemeClr>
+          </a:lnRef>
+          <a:fillRef idx="1">
+            <a:schemeClr val="accent1"/>
+          </a:fillRef>
+          <a:effectRef idx="0">
+            <a:schemeClr val="accent1"/>
+          </a:effectRef>
+          <a:fontRef idx="minor">
+            <a:schemeClr val="lt1"/>
+          </a:fontRef>
+        </p:style>
+        <p:txBody>
+          <a:bodyPr rtlCol="0" anchor="ctr"/>
+          <a:lstStyle/>
+          <a:p>
+            <a:pPr algn="ctr"/>
+            <a:r>
+              <a:rPr lang="en-US" sz="1200" dirty="0">
+                <a:solidFill>
+                  <a:schemeClr val="tx1"/>
+                </a:solidFill>
+              </a:rPr>
+              <a:t>DAP Inactive</a:t>
+            </a:r>
+          </a:p>
+        </p:txBody>
+      </p:sp>
+    </p:spTree>
+    <p:extLst>
+      <p:ext uri="{BB962C8B-B14F-4D97-AF65-F5344CB8AC3E}">
+        <p14:creationId xmlns:p14="http://schemas.microsoft.com/office/powerpoint/2010/main" val="2157207140"/>
+      </p:ext>
+    </p:extLst>
+  </p:cSld>
+  <p:clrMapOvr>
+    <a:masterClrMapping/>
+  </p:clrMapOvr>
+</p:sld>
+</file>
+
 <file path=ppt/slides/slide4.xml><?xml version="1.0" encoding="utf-8"?>
+<p:sld xmlns:a="http://schemas.openxmlformats.org/drawingml/2006/main" xmlns:r="http://schemas.openxmlformats.org/officeDocument/2006/relationships" xmlns:p="http://schemas.openxmlformats.org/presentationml/2006/main">
+  <p:cSld>
+    <p:spTree>
+      <p:nvGrpSpPr>
+        <p:cNvPr id="1" name=""/>
+        <p:cNvGrpSpPr/>
+        <p:nvPr/>
+      </p:nvGrpSpPr>
+      <p:grpSpPr>
+        <a:xfrm>
+          <a:off x="0" y="0"/>
+          <a:ext cx="0" cy="0"/>
+          <a:chOff x="0" y="0"/>
+          <a:chExt cx="0" cy="0"/>
+        </a:xfrm>
+      </p:grpSpPr>
+      <p:sp>
+        <p:nvSpPr>
+          <p:cNvPr id="4" name="Title 3"/>
+          <p:cNvSpPr>
+            <a:spLocks noGrp="1"/>
+          </p:cNvSpPr>
+          <p:nvPr>
+            <p:ph type="title"/>
+          </p:nvPr>
+        </p:nvSpPr>
+        <p:spPr>
+          <a:xfrm>
+            <a:off x="838200" y="1"/>
+            <a:ext cx="10515600" cy="1137404"/>
+          </a:xfrm>
+        </p:spPr>
+        <p:txBody>
+          <a:bodyPr/>
+          <a:lstStyle/>
+          <a:p>
+            <a:r>
+              <a:rPr lang="en-US" dirty="0"/>
+              <a:t>Generic disenrollment</a:t>
+            </a:r>
+          </a:p>
+        </p:txBody>
+      </p:sp>
+      <p:grpSp>
+        <p:nvGrpSpPr>
+          <p:cNvPr id="6" name="Group 5">
+            <a:extLst>
+              <a:ext uri="{FF2B5EF4-FFF2-40B4-BE49-F238E27FC236}">
+                <a16:creationId xmlns:a16="http://schemas.microsoft.com/office/drawing/2014/main" id="{C4E57B8F-965A-B146-B34E-A9E3E934BBAE}"/>
+              </a:ext>
+            </a:extLst>
+          </p:cNvPr>
+          <p:cNvGrpSpPr/>
+          <p:nvPr/>
+        </p:nvGrpSpPr>
+        <p:grpSpPr>
+          <a:xfrm>
+            <a:off x="240887" y="1300767"/>
+            <a:ext cx="10515244" cy="3533484"/>
+            <a:chOff x="240887" y="1300767"/>
+            <a:chExt cx="10515244" cy="3533484"/>
+          </a:xfrm>
+        </p:grpSpPr>
+        <p:sp>
+          <p:nvSpPr>
+            <p:cNvPr id="3" name="TextBox 2"/>
+            <p:cNvSpPr txBox="1"/>
+            <p:nvPr/>
+          </p:nvSpPr>
+          <p:spPr>
+            <a:xfrm>
+              <a:off x="1422356" y="2164477"/>
+              <a:ext cx="1491902" cy="646331"/>
+            </a:xfrm>
+            <a:prstGeom prst="rect">
+              <a:avLst/>
+            </a:prstGeom>
+            <a:solidFill>
+              <a:schemeClr val="accent6">
+                <a:lumMod val="40000"/>
+                <a:lumOff val="60000"/>
+              </a:schemeClr>
+            </a:solidFill>
+          </p:spPr>
+          <p:txBody>
+            <a:bodyPr wrap="square" rtlCol="0">
+              <a:spAutoFit/>
+            </a:bodyPr>
+            <a:lstStyle/>
+            <a:p>
+              <a:pPr algn="ctr"/>
+              <a:r>
+                <a:rPr lang="en-US" sz="1200" dirty="0"/>
+                <a:t>DAP re-certification triggered</a:t>
+              </a:r>
+            </a:p>
+            <a:p>
+              <a:pPr algn="ctr"/>
+              <a:r>
+                <a:rPr lang="en-US" sz="1200" dirty="0"/>
+                <a:t>(every X months)</a:t>
+              </a:r>
+            </a:p>
+          </p:txBody>
+        </p:sp>
+        <p:sp>
+          <p:nvSpPr>
+            <p:cNvPr id="78" name="Rounded Rectangle 77"/>
+            <p:cNvSpPr/>
+            <p:nvPr/>
+          </p:nvSpPr>
+          <p:spPr>
+            <a:xfrm>
+              <a:off x="3042061" y="1300767"/>
+              <a:ext cx="3385677" cy="2792815"/>
+            </a:xfrm>
+            <a:prstGeom prst="roundRect">
+              <a:avLst/>
+            </a:prstGeom>
+            <a:solidFill>
+              <a:schemeClr val="accent3">
+                <a:lumMod val="40000"/>
+                <a:lumOff val="60000"/>
+                <a:alpha val="23000"/>
+              </a:schemeClr>
+            </a:solidFill>
+            <a:ln>
+              <a:solidFill>
+                <a:schemeClr val="accent3">
+                  <a:lumMod val="50000"/>
+                </a:schemeClr>
+              </a:solidFill>
+            </a:ln>
+          </p:spPr>
+          <p:style>
+            <a:lnRef idx="2">
+              <a:schemeClr val="accent1">
+                <a:shade val="50000"/>
+              </a:schemeClr>
+            </a:lnRef>
+            <a:fillRef idx="1">
+              <a:schemeClr val="accent1"/>
+            </a:fillRef>
+            <a:effectRef idx="0">
+              <a:schemeClr val="accent1"/>
+            </a:effectRef>
+            <a:fontRef idx="minor">
+              <a:schemeClr val="lt1"/>
+            </a:fontRef>
+          </p:style>
+          <p:txBody>
+            <a:bodyPr rtlCol="0" anchor="ctr"/>
+            <a:lstStyle/>
+            <a:p>
+              <a:pPr algn="ctr"/>
+              <a:endParaRPr lang="en-US"/>
+            </a:p>
+          </p:txBody>
+        </p:sp>
+        <p:sp>
+          <p:nvSpPr>
+            <p:cNvPr id="10" name="Right Arrow 9"/>
+            <p:cNvSpPr/>
+            <p:nvPr/>
+          </p:nvSpPr>
+          <p:spPr>
+            <a:xfrm>
+              <a:off x="1494313" y="2930964"/>
+              <a:ext cx="1375678" cy="251503"/>
+            </a:xfrm>
+            <a:prstGeom prst="rightArrow">
+              <a:avLst/>
+            </a:prstGeom>
+            <a:solidFill>
+              <a:schemeClr val="accent6">
+                <a:lumMod val="40000"/>
+                <a:lumOff val="60000"/>
+              </a:schemeClr>
+            </a:solidFill>
+            <a:ln>
+              <a:solidFill>
+                <a:schemeClr val="accent6">
+                  <a:lumMod val="50000"/>
+                </a:schemeClr>
+              </a:solidFill>
+            </a:ln>
+          </p:spPr>
+          <p:style>
+            <a:lnRef idx="2">
+              <a:schemeClr val="accent1">
+                <a:shade val="50000"/>
+              </a:schemeClr>
+            </a:lnRef>
+            <a:fillRef idx="1">
+              <a:schemeClr val="accent1"/>
+            </a:fillRef>
+            <a:effectRef idx="0">
+              <a:schemeClr val="accent1"/>
+            </a:effectRef>
+            <a:fontRef idx="minor">
+              <a:schemeClr val="lt1"/>
+            </a:fontRef>
+          </p:style>
+          <p:txBody>
+            <a:bodyPr rtlCol="0" anchor="ctr"/>
+            <a:lstStyle/>
+            <a:p>
+              <a:pPr algn="ctr"/>
+              <a:endParaRPr lang="en-US"/>
+            </a:p>
+          </p:txBody>
+        </p:sp>
+        <p:sp>
+          <p:nvSpPr>
+            <p:cNvPr id="11" name="TextBox 10"/>
+            <p:cNvSpPr txBox="1"/>
+            <p:nvPr/>
+          </p:nvSpPr>
+          <p:spPr>
+            <a:xfrm>
+              <a:off x="3200249" y="1389718"/>
+              <a:ext cx="1564236" cy="276999"/>
+            </a:xfrm>
+            <a:prstGeom prst="rect">
+              <a:avLst/>
+            </a:prstGeom>
+            <a:noFill/>
+          </p:spPr>
+          <p:txBody>
+            <a:bodyPr wrap="square" rtlCol="0">
+              <a:spAutoFit/>
+            </a:bodyPr>
+            <a:lstStyle/>
+            <a:p>
+              <a:pPr algn="ctr"/>
+              <a:r>
+                <a:rPr lang="en-US" sz="1200" dirty="0"/>
+                <a:t>DAP re-certification</a:t>
+              </a:r>
+            </a:p>
+          </p:txBody>
+        </p:sp>
+        <p:grpSp>
+          <p:nvGrpSpPr>
+            <p:cNvPr id="36" name="Group 35"/>
+            <p:cNvGrpSpPr/>
+            <p:nvPr/>
+          </p:nvGrpSpPr>
+          <p:grpSpPr>
+            <a:xfrm>
+              <a:off x="3206228" y="2398778"/>
+              <a:ext cx="3616813" cy="1565996"/>
+              <a:chOff x="2027936" y="1937883"/>
+              <a:chExt cx="3616813" cy="1565996"/>
+            </a:xfrm>
+          </p:grpSpPr>
+          <p:sp>
+            <p:nvSpPr>
+              <p:cNvPr id="37" name="Oval 36"/>
+              <p:cNvSpPr/>
+              <p:nvPr/>
+            </p:nvSpPr>
+            <p:spPr>
+              <a:xfrm>
+                <a:off x="2027936" y="2536273"/>
+                <a:ext cx="182880" cy="182880"/>
+              </a:xfrm>
+              <a:prstGeom prst="ellipse">
+                <a:avLst/>
+              </a:prstGeom>
+              <a:solidFill>
+                <a:srgbClr val="8FB08C">
+                  <a:lumMod val="60000"/>
+                  <a:lumOff val="40000"/>
+                </a:srgbClr>
+              </a:solidFill>
+              <a:ln w="25400" cap="flat" cmpd="sng" algn="ctr">
+                <a:solidFill>
+                  <a:srgbClr val="8FB08C">
+                    <a:lumMod val="50000"/>
+                  </a:srgbClr>
+                </a:solidFill>
+                <a:prstDash val="solid"/>
+              </a:ln>
+              <a:effectLst/>
+            </p:spPr>
+            <p:txBody>
+              <a:bodyPr rtlCol="0" anchor="ctr"/>
+              <a:lstStyle/>
+              <a:p>
+                <a:pPr marL="0" marR="0" lvl="0" indent="0" algn="ctr" defTabSz="914400" eaLnBrk="1" fontAlgn="auto" latinLnBrk="0" hangingPunct="1">
+                  <a:lnSpc>
+                    <a:spcPct val="100000"/>
+                  </a:lnSpc>
+                  <a:spcBef>
+                    <a:spcPts val="0"/>
+                  </a:spcBef>
+                  <a:spcAft>
+                    <a:spcPts val="0"/>
+                  </a:spcAft>
+                  <a:buClrTx/>
+                  <a:buSzTx/>
+                  <a:buFontTx/>
+                  <a:buNone/>
+                  <a:tabLst/>
+                  <a:defRPr/>
+                </a:pPr>
+                <a:endParaRPr kumimoji="0" lang="en-US" sz="1800" b="0" i="0" u="none" strike="noStrike" kern="0" cap="none" spc="0" normalizeH="0" baseline="0" noProof="0">
+                  <a:ln>
+                    <a:noFill/>
+                  </a:ln>
+                  <a:solidFill>
+                    <a:prstClr val="white"/>
+                  </a:solidFill>
+                  <a:effectLst/>
+                  <a:uLnTx/>
+                  <a:uFillTx/>
+                  <a:latin typeface="Arial"/>
+                  <a:ea typeface=""/>
+                  <a:cs typeface=""/>
+                </a:endParaRPr>
+              </a:p>
+            </p:txBody>
+          </p:sp>
+          <p:cxnSp>
+            <p:nvCxnSpPr>
+              <p:cNvPr id="38" name="Elbow Connector 37"/>
+              <p:cNvCxnSpPr>
+                <a:stCxn id="37" idx="0"/>
+                <a:endCxn id="50" idx="2"/>
+              </p:cNvCxnSpPr>
+              <p:nvPr/>
+            </p:nvCxnSpPr>
+            <p:spPr>
+              <a:xfrm rot="5400000" flipH="1" flipV="1">
+                <a:off x="2697571" y="1595154"/>
+                <a:ext cx="362924" cy="1519315"/>
+              </a:xfrm>
+              <a:prstGeom prst="bentConnector2">
+                <a:avLst/>
+              </a:prstGeom>
+              <a:noFill/>
+              <a:ln w="28575" cap="flat" cmpd="sng" algn="ctr">
+                <a:solidFill>
+                  <a:sysClr val="windowText" lastClr="000000">
+                    <a:lumMod val="75000"/>
+                    <a:lumOff val="25000"/>
+                  </a:sysClr>
+                </a:solidFill>
+                <a:prstDash val="solid"/>
+              </a:ln>
+              <a:effectLst/>
+            </p:spPr>
+          </p:cxnSp>
+          <p:sp>
+            <p:nvSpPr>
+              <p:cNvPr id="39" name="TextBox 38"/>
+              <p:cNvSpPr txBox="1"/>
+              <p:nvPr/>
+            </p:nvSpPr>
+            <p:spPr>
+              <a:xfrm>
+                <a:off x="2152263" y="1937883"/>
+                <a:ext cx="1433930" cy="276999"/>
+              </a:xfrm>
+              <a:prstGeom prst="rect">
+                <a:avLst/>
+              </a:prstGeom>
+              <a:noFill/>
+            </p:spPr>
+            <p:txBody>
+              <a:bodyPr wrap="square" rtlCol="0">
+                <a:spAutoFit/>
+              </a:bodyPr>
+              <a:lstStyle/>
+              <a:p>
+                <a:pPr marL="0" marR="0" lvl="0" indent="0" defTabSz="914400" eaLnBrk="1" fontAlgn="auto" latinLnBrk="0" hangingPunct="1">
+                  <a:lnSpc>
+                    <a:spcPct val="100000"/>
+                  </a:lnSpc>
+                  <a:spcBef>
+                    <a:spcPts val="0"/>
+                  </a:spcBef>
+                  <a:spcAft>
+                    <a:spcPts val="0"/>
+                  </a:spcAft>
+                  <a:buClrTx/>
+                  <a:buSzTx/>
+                  <a:buFontTx/>
+                  <a:buNone/>
+                  <a:tabLst/>
+                  <a:defRPr/>
+                </a:pPr>
+                <a:r>
+                  <a:rPr kumimoji="0" lang="en-US" sz="1200" b="0" i="0" u="none" strike="noStrike" kern="0" cap="none" spc="0" normalizeH="0" baseline="0" noProof="0">
+                    <a:ln>
+                      <a:noFill/>
+                    </a:ln>
+                    <a:solidFill>
+                      <a:prstClr val="black"/>
+                    </a:solidFill>
+                    <a:effectLst/>
+                    <a:uLnTx/>
+                    <a:uFillTx/>
+                  </a:rPr>
+                  <a:t>Fills out paperwork</a:t>
+                </a:r>
+                <a:endParaRPr kumimoji="0" lang="en-US" sz="1200" b="0" i="0" u="none" strike="noStrike" kern="0" cap="none" spc="0" normalizeH="0" baseline="0" noProof="0" dirty="0">
+                  <a:ln>
+                    <a:noFill/>
+                  </a:ln>
+                  <a:solidFill>
+                    <a:prstClr val="black"/>
+                  </a:solidFill>
+                  <a:effectLst/>
+                  <a:uLnTx/>
+                  <a:uFillTx/>
+                </a:endParaRPr>
+              </a:p>
+            </p:txBody>
+          </p:sp>
+          <p:cxnSp>
+            <p:nvCxnSpPr>
+              <p:cNvPr id="40" name="Elbow Connector 39"/>
+              <p:cNvCxnSpPr>
+                <a:stCxn id="37" idx="4"/>
+                <a:endCxn id="85" idx="1"/>
+              </p:cNvCxnSpPr>
+              <p:nvPr/>
+            </p:nvCxnSpPr>
+            <p:spPr>
+              <a:xfrm rot="16200000" flipH="1">
+                <a:off x="3631126" y="1207402"/>
+                <a:ext cx="501873" cy="3525373"/>
+              </a:xfrm>
+              <a:prstGeom prst="bentConnector2">
+                <a:avLst/>
+              </a:prstGeom>
+              <a:noFill/>
+              <a:ln w="28575" cap="flat" cmpd="sng" algn="ctr">
+                <a:solidFill>
+                  <a:sysClr val="windowText" lastClr="000000">
+                    <a:lumMod val="75000"/>
+                    <a:lumOff val="25000"/>
+                  </a:sysClr>
+                </a:solidFill>
+                <a:prstDash val="solid"/>
+              </a:ln>
+              <a:effectLst/>
+            </p:spPr>
+          </p:cxnSp>
+          <p:sp>
+            <p:nvSpPr>
+              <p:cNvPr id="41" name="TextBox 40"/>
+              <p:cNvSpPr txBox="1"/>
+              <p:nvPr/>
+            </p:nvSpPr>
+            <p:spPr>
+              <a:xfrm>
+                <a:off x="2124741" y="2975233"/>
+                <a:ext cx="2896229" cy="276999"/>
+              </a:xfrm>
+              <a:prstGeom prst="rect">
+                <a:avLst/>
+              </a:prstGeom>
+              <a:noFill/>
+            </p:spPr>
+            <p:txBody>
+              <a:bodyPr wrap="square" rtlCol="0">
+                <a:spAutoFit/>
+              </a:bodyPr>
+              <a:lstStyle/>
+              <a:p>
+                <a:pPr marL="0" marR="0" lvl="0" indent="0" defTabSz="914400" eaLnBrk="1" fontAlgn="auto" latinLnBrk="0" hangingPunct="1">
+                  <a:lnSpc>
+                    <a:spcPct val="100000"/>
+                  </a:lnSpc>
+                  <a:spcBef>
+                    <a:spcPts val="0"/>
+                  </a:spcBef>
+                  <a:spcAft>
+                    <a:spcPts val="0"/>
+                  </a:spcAft>
+                  <a:buClrTx/>
+                  <a:buSzTx/>
+                  <a:buFontTx/>
+                  <a:buNone/>
+                  <a:tabLst/>
+                  <a:defRPr/>
+                </a:pPr>
+                <a:r>
+                  <a:rPr kumimoji="0" lang="en-US" sz="1200" b="0" i="0" u="none" strike="noStrike" kern="0" cap="none" spc="0" normalizeH="0" baseline="0" noProof="0" dirty="0">
+                    <a:ln>
+                      <a:noFill/>
+                    </a:ln>
+                    <a:solidFill>
+                      <a:prstClr val="black"/>
+                    </a:solidFill>
+                    <a:effectLst/>
+                    <a:uLnTx/>
+                    <a:uFillTx/>
+                  </a:rPr>
+                  <a:t>Does not </a:t>
+                </a:r>
+                <a:r>
+                  <a:rPr kumimoji="0" lang="en-US" sz="1200" b="0" i="0" u="none" strike="noStrike" kern="0" cap="none" spc="0" normalizeH="0" baseline="0" noProof="0">
+                    <a:ln>
+                      <a:noFill/>
+                    </a:ln>
+                    <a:solidFill>
+                      <a:prstClr val="black"/>
+                    </a:solidFill>
+                    <a:effectLst/>
+                    <a:uLnTx/>
+                    <a:uFillTx/>
+                  </a:rPr>
+                  <a:t>complete re-certification</a:t>
+                </a:r>
+                <a:r>
+                  <a:rPr kumimoji="0" lang="en-US" sz="1200" b="0" i="0" u="none" strike="noStrike" kern="0" cap="none" spc="0" normalizeH="0" noProof="0">
+                    <a:ln>
+                      <a:noFill/>
+                    </a:ln>
+                    <a:solidFill>
+                      <a:prstClr val="black"/>
+                    </a:solidFill>
+                    <a:effectLst/>
+                    <a:uLnTx/>
+                    <a:uFillTx/>
+                  </a:rPr>
+                  <a:t> forms</a:t>
+                </a:r>
+                <a:endParaRPr kumimoji="0" lang="en-US" sz="1200" b="0" i="0" u="none" strike="noStrike" kern="0" cap="none" spc="0" normalizeH="0" baseline="0" noProof="0" dirty="0">
+                  <a:ln>
+                    <a:noFill/>
+                  </a:ln>
+                  <a:solidFill>
+                    <a:prstClr val="black"/>
+                  </a:solidFill>
+                  <a:effectLst/>
+                  <a:uLnTx/>
+                  <a:uFillTx/>
+                </a:endParaRPr>
+              </a:p>
+            </p:txBody>
+          </p:sp>
+          <p:sp>
+            <p:nvSpPr>
+              <p:cNvPr id="42" name="TextBox 41"/>
+              <p:cNvSpPr txBox="1"/>
+              <p:nvPr/>
+            </p:nvSpPr>
+            <p:spPr>
+              <a:xfrm>
+                <a:off x="2240355" y="2163866"/>
+                <a:ext cx="663617" cy="307777"/>
+              </a:xfrm>
+              <a:prstGeom prst="rect">
+                <a:avLst/>
+              </a:prstGeom>
+              <a:noFill/>
+            </p:spPr>
+            <p:txBody>
+              <a:bodyPr wrap="square" rtlCol="0">
+                <a:spAutoFit/>
+              </a:bodyPr>
+              <a:lstStyle/>
+              <a:p>
+                <a:pPr marL="0" marR="0" lvl="0" indent="0" algn="ctr" defTabSz="914400" eaLnBrk="1" fontAlgn="auto" latinLnBrk="0" hangingPunct="1">
+                  <a:lnSpc>
+                    <a:spcPct val="100000"/>
+                  </a:lnSpc>
+                  <a:spcBef>
+                    <a:spcPts val="0"/>
+                  </a:spcBef>
+                  <a:spcAft>
+                    <a:spcPts val="0"/>
+                  </a:spcAft>
+                  <a:buClrTx/>
+                  <a:buSzTx/>
+                  <a:buFontTx/>
+                  <a:buNone/>
+                  <a:tabLst/>
+                  <a:defRPr/>
+                </a:pPr>
+                <a:r>
+                  <a:rPr kumimoji="0" lang="en-US" sz="1400" b="1" u="none" strike="noStrike" kern="0" cap="none" spc="0" normalizeH="0" baseline="0" noProof="0" dirty="0">
+                    <a:ln>
+                      <a:noFill/>
+                    </a:ln>
+                    <a:effectLst/>
+                    <a:uLnTx/>
+                    <a:uFillTx/>
+                  </a:rPr>
+                  <a:t>1 - </a:t>
+                </a:r>
+                <a:r>
+                  <a:rPr kumimoji="0" lang="en-US" sz="1400" b="1" i="1" u="none" strike="noStrike" kern="0" cap="none" spc="0" normalizeH="0" baseline="0" noProof="0" dirty="0">
+                    <a:ln>
+                      <a:noFill/>
+                    </a:ln>
+                    <a:effectLst/>
+                    <a:uLnTx/>
+                    <a:uFillTx/>
+                  </a:rPr>
+                  <a:t>p</a:t>
+                </a:r>
+              </a:p>
+            </p:txBody>
+          </p:sp>
+          <p:sp>
+            <p:nvSpPr>
+              <p:cNvPr id="43" name="TextBox 42"/>
+              <p:cNvSpPr txBox="1"/>
+              <p:nvPr/>
+            </p:nvSpPr>
+            <p:spPr>
+              <a:xfrm>
+                <a:off x="2226569" y="3196102"/>
+                <a:ext cx="663617" cy="307777"/>
+              </a:xfrm>
+              <a:prstGeom prst="rect">
+                <a:avLst/>
+              </a:prstGeom>
+              <a:noFill/>
+            </p:spPr>
+            <p:txBody>
+              <a:bodyPr wrap="square" rtlCol="0">
+                <a:spAutoFit/>
+              </a:bodyPr>
+              <a:lstStyle/>
+              <a:p>
+                <a:pPr marL="0" marR="0" lvl="0" indent="0" algn="ctr" defTabSz="914400" eaLnBrk="1" fontAlgn="auto" latinLnBrk="0" hangingPunct="1">
+                  <a:lnSpc>
+                    <a:spcPct val="100000"/>
+                  </a:lnSpc>
+                  <a:spcBef>
+                    <a:spcPts val="0"/>
+                  </a:spcBef>
+                  <a:spcAft>
+                    <a:spcPts val="0"/>
+                  </a:spcAft>
+                  <a:buClrTx/>
+                  <a:buSzTx/>
+                  <a:buFontTx/>
+                  <a:buNone/>
+                  <a:tabLst/>
+                  <a:defRPr/>
+                </a:pPr>
+                <a:r>
+                  <a:rPr kumimoji="0" lang="en-US" sz="1400" b="1" i="1" u="none" strike="noStrike" kern="0" cap="none" spc="0" normalizeH="0" baseline="0" noProof="0" dirty="0">
+                    <a:ln>
+                      <a:noFill/>
+                    </a:ln>
+                    <a:effectLst/>
+                    <a:uLnTx/>
+                    <a:uFillTx/>
+                  </a:rPr>
+                  <a:t>p</a:t>
+                </a:r>
+              </a:p>
+            </p:txBody>
+          </p:sp>
+        </p:grpSp>
+        <p:grpSp>
+          <p:nvGrpSpPr>
+            <p:cNvPr id="49" name="Group 48"/>
+            <p:cNvGrpSpPr/>
+            <p:nvPr/>
+          </p:nvGrpSpPr>
+          <p:grpSpPr>
+            <a:xfrm>
+              <a:off x="4816983" y="1876679"/>
+              <a:ext cx="2006059" cy="1331284"/>
+              <a:chOff x="2027936" y="1870148"/>
+              <a:chExt cx="2006059" cy="1331284"/>
+            </a:xfrm>
+          </p:grpSpPr>
+          <p:sp>
+            <p:nvSpPr>
+              <p:cNvPr id="50" name="Oval 49"/>
+              <p:cNvSpPr/>
+              <p:nvPr/>
+            </p:nvSpPr>
+            <p:spPr>
+              <a:xfrm>
+                <a:off x="2027936" y="2536273"/>
+                <a:ext cx="182880" cy="182880"/>
+              </a:xfrm>
+              <a:prstGeom prst="ellipse">
+                <a:avLst/>
+              </a:prstGeom>
+              <a:solidFill>
+                <a:srgbClr val="8FB08C">
+                  <a:lumMod val="60000"/>
+                  <a:lumOff val="40000"/>
+                </a:srgbClr>
+              </a:solidFill>
+              <a:ln w="25400" cap="flat" cmpd="sng" algn="ctr">
+                <a:solidFill>
+                  <a:srgbClr val="8FB08C">
+                    <a:lumMod val="50000"/>
+                  </a:srgbClr>
+                </a:solidFill>
+                <a:prstDash val="solid"/>
+              </a:ln>
+              <a:effectLst/>
+            </p:spPr>
+            <p:txBody>
+              <a:bodyPr rtlCol="0" anchor="ctr"/>
+              <a:lstStyle/>
+              <a:p>
+                <a:pPr marL="0" marR="0" lvl="0" indent="0" algn="ctr" defTabSz="914400" eaLnBrk="1" fontAlgn="auto" latinLnBrk="0" hangingPunct="1">
+                  <a:lnSpc>
+                    <a:spcPct val="100000"/>
+                  </a:lnSpc>
+                  <a:spcBef>
+                    <a:spcPts val="0"/>
+                  </a:spcBef>
+                  <a:spcAft>
+                    <a:spcPts val="0"/>
+                  </a:spcAft>
+                  <a:buClrTx/>
+                  <a:buSzTx/>
+                  <a:buFontTx/>
+                  <a:buNone/>
+                  <a:tabLst/>
+                  <a:defRPr/>
+                </a:pPr>
+                <a:endParaRPr kumimoji="0" lang="en-US" sz="1800" b="0" i="0" u="none" strike="noStrike" kern="0" cap="none" spc="0" normalizeH="0" baseline="0" noProof="0">
+                  <a:ln>
+                    <a:noFill/>
+                  </a:ln>
+                  <a:solidFill>
+                    <a:prstClr val="white"/>
+                  </a:solidFill>
+                  <a:effectLst/>
+                  <a:uLnTx/>
+                  <a:uFillTx/>
+                  <a:latin typeface="Arial"/>
+                  <a:ea typeface=""/>
+                  <a:cs typeface=""/>
+                </a:endParaRPr>
+              </a:p>
+            </p:txBody>
+          </p:sp>
+          <p:cxnSp>
+            <p:nvCxnSpPr>
+              <p:cNvPr id="51" name="Elbow Connector 50"/>
+              <p:cNvCxnSpPr>
+                <a:stCxn id="50" idx="0"/>
+                <a:endCxn id="79" idx="1"/>
+              </p:cNvCxnSpPr>
+              <p:nvPr/>
+            </p:nvCxnSpPr>
+            <p:spPr>
+              <a:xfrm rot="5400000" flipH="1" flipV="1">
+                <a:off x="2867345" y="1369624"/>
+                <a:ext cx="418681" cy="1914618"/>
+              </a:xfrm>
+              <a:prstGeom prst="bentConnector2">
+                <a:avLst/>
+              </a:prstGeom>
+              <a:noFill/>
+              <a:ln w="28575" cap="flat" cmpd="sng" algn="ctr">
+                <a:solidFill>
+                  <a:sysClr val="windowText" lastClr="000000">
+                    <a:lumMod val="75000"/>
+                    <a:lumOff val="25000"/>
+                  </a:sysClr>
+                </a:solidFill>
+                <a:prstDash val="solid"/>
+              </a:ln>
+              <a:effectLst/>
+            </p:spPr>
+          </p:cxnSp>
+          <p:sp>
+            <p:nvSpPr>
+              <p:cNvPr id="52" name="TextBox 51"/>
+              <p:cNvSpPr txBox="1"/>
+              <p:nvPr/>
+            </p:nvSpPr>
+            <p:spPr>
+              <a:xfrm>
+                <a:off x="2152263" y="1870148"/>
+                <a:ext cx="1257952" cy="276999"/>
+              </a:xfrm>
+              <a:prstGeom prst="rect">
+                <a:avLst/>
+              </a:prstGeom>
+              <a:noFill/>
+            </p:spPr>
+            <p:txBody>
+              <a:bodyPr wrap="square" rtlCol="0">
+                <a:spAutoFit/>
+              </a:bodyPr>
+              <a:lstStyle/>
+              <a:p>
+                <a:pPr marL="0" marR="0" lvl="0" indent="0" defTabSz="914400" eaLnBrk="1" fontAlgn="auto" latinLnBrk="0" hangingPunct="1">
+                  <a:lnSpc>
+                    <a:spcPct val="100000"/>
+                  </a:lnSpc>
+                  <a:spcBef>
+                    <a:spcPts val="0"/>
+                  </a:spcBef>
+                  <a:spcAft>
+                    <a:spcPts val="0"/>
+                  </a:spcAft>
+                  <a:buClrTx/>
+                  <a:buSzTx/>
+                  <a:buFontTx/>
+                  <a:buNone/>
+                  <a:tabLst/>
+                  <a:defRPr/>
+                </a:pPr>
+                <a:r>
+                  <a:rPr kumimoji="0" lang="en-US" sz="1200" b="0" i="0" u="none" strike="noStrike" kern="0" cap="none" spc="0" normalizeH="0" baseline="0" noProof="0" dirty="0">
+                    <a:ln>
+                      <a:noFill/>
+                    </a:ln>
+                    <a:solidFill>
+                      <a:prstClr val="black"/>
+                    </a:solidFill>
+                    <a:effectLst/>
+                    <a:uLnTx/>
+                    <a:uFillTx/>
+                  </a:rPr>
+                  <a:t>Still eligible</a:t>
+                </a:r>
+              </a:p>
+            </p:txBody>
+          </p:sp>
+          <p:cxnSp>
+            <p:nvCxnSpPr>
+              <p:cNvPr id="53" name="Elbow Connector 52"/>
+              <p:cNvCxnSpPr>
+                <a:stCxn id="50" idx="4"/>
+                <a:endCxn id="83" idx="1"/>
+              </p:cNvCxnSpPr>
+              <p:nvPr/>
+            </p:nvCxnSpPr>
+            <p:spPr>
+              <a:xfrm rot="16200000" flipH="1">
+                <a:off x="2842794" y="1995735"/>
+                <a:ext cx="467782" cy="1914618"/>
+              </a:xfrm>
+              <a:prstGeom prst="bentConnector2">
+                <a:avLst/>
+              </a:prstGeom>
+              <a:noFill/>
+              <a:ln w="28575" cap="flat" cmpd="sng" algn="ctr">
+                <a:solidFill>
+                  <a:sysClr val="windowText" lastClr="000000">
+                    <a:lumMod val="75000"/>
+                    <a:lumOff val="25000"/>
+                  </a:sysClr>
+                </a:solidFill>
+                <a:prstDash val="solid"/>
+              </a:ln>
+              <a:effectLst/>
+            </p:spPr>
+          </p:cxnSp>
+          <p:sp>
+            <p:nvSpPr>
+              <p:cNvPr id="54" name="TextBox 53"/>
+              <p:cNvSpPr txBox="1"/>
+              <p:nvPr/>
+            </p:nvSpPr>
+            <p:spPr>
+              <a:xfrm>
+                <a:off x="2124741" y="2924433"/>
+                <a:ext cx="1513950" cy="276999"/>
+              </a:xfrm>
+              <a:prstGeom prst="rect">
+                <a:avLst/>
+              </a:prstGeom>
+              <a:noFill/>
+            </p:spPr>
+            <p:txBody>
+              <a:bodyPr wrap="square" rtlCol="0">
+                <a:spAutoFit/>
+              </a:bodyPr>
+              <a:lstStyle/>
+              <a:p>
+                <a:pPr marL="0" marR="0" lvl="0" indent="0" defTabSz="914400" eaLnBrk="1" fontAlgn="auto" latinLnBrk="0" hangingPunct="1">
+                  <a:lnSpc>
+                    <a:spcPct val="100000"/>
+                  </a:lnSpc>
+                  <a:spcBef>
+                    <a:spcPts val="0"/>
+                  </a:spcBef>
+                  <a:spcAft>
+                    <a:spcPts val="0"/>
+                  </a:spcAft>
+                  <a:buClrTx/>
+                  <a:buSzTx/>
+                  <a:buFontTx/>
+                  <a:buNone/>
+                  <a:tabLst/>
+                  <a:defRPr/>
+                </a:pPr>
+                <a:r>
+                  <a:rPr kumimoji="0" lang="en-US" sz="1200" b="0" i="0" u="none" strike="noStrike" kern="0" cap="none" spc="0" normalizeH="0" baseline="0" noProof="0" dirty="0">
+                    <a:ln>
+                      <a:noFill/>
+                    </a:ln>
+                    <a:solidFill>
+                      <a:prstClr val="black"/>
+                    </a:solidFill>
+                    <a:effectLst/>
+                    <a:uLnTx/>
+                    <a:uFillTx/>
+                  </a:rPr>
+                  <a:t>No longer eligible</a:t>
+                </a:r>
+              </a:p>
+            </p:txBody>
+          </p:sp>
+          <p:sp>
+            <p:nvSpPr>
+              <p:cNvPr id="55" name="TextBox 54"/>
+              <p:cNvSpPr txBox="1"/>
+              <p:nvPr/>
+            </p:nvSpPr>
+            <p:spPr>
+              <a:xfrm>
+                <a:off x="2152262" y="2096131"/>
+                <a:ext cx="1436989" cy="276999"/>
+              </a:xfrm>
+              <a:prstGeom prst="rect">
+                <a:avLst/>
+              </a:prstGeom>
+              <a:noFill/>
+            </p:spPr>
+            <p:txBody>
+              <a:bodyPr wrap="square" rtlCol="0">
+                <a:spAutoFit/>
+              </a:bodyPr>
+              <a:lstStyle/>
+              <a:p>
+                <a:pPr marL="0" marR="0" lvl="0" indent="0" defTabSz="914400" eaLnBrk="1" fontAlgn="auto" latinLnBrk="0" hangingPunct="1">
+                  <a:lnSpc>
+                    <a:spcPct val="100000"/>
+                  </a:lnSpc>
+                  <a:spcBef>
+                    <a:spcPts val="0"/>
+                  </a:spcBef>
+                  <a:spcAft>
+                    <a:spcPts val="0"/>
+                  </a:spcAft>
+                  <a:buClrTx/>
+                  <a:buSzTx/>
+                  <a:buFontTx/>
+                  <a:buNone/>
+                  <a:tabLst/>
+                  <a:defRPr/>
+                </a:pPr>
+                <a:r>
+                  <a:rPr lang="en-US" sz="1200" i="1" kern="0" noProof="0" dirty="0"/>
+                  <a:t>Depends on income</a:t>
+                </a:r>
+                <a:endParaRPr kumimoji="0" lang="en-US" sz="1200" i="1" u="none" strike="noStrike" kern="0" cap="none" spc="0" normalizeH="0" baseline="0" noProof="0" dirty="0">
+                  <a:ln>
+                    <a:noFill/>
+                  </a:ln>
+                  <a:effectLst/>
+                  <a:uLnTx/>
+                  <a:uFillTx/>
+                </a:endParaRPr>
+              </a:p>
+            </p:txBody>
+          </p:sp>
+        </p:grpSp>
+        <p:sp>
+          <p:nvSpPr>
+            <p:cNvPr id="79" name="TextBox 78"/>
+            <p:cNvSpPr txBox="1"/>
+            <p:nvPr/>
+          </p:nvSpPr>
+          <p:spPr>
+            <a:xfrm>
+              <a:off x="6823041" y="1985623"/>
+              <a:ext cx="2069329" cy="276999"/>
+            </a:xfrm>
+            <a:prstGeom prst="rect">
+              <a:avLst/>
+            </a:prstGeom>
+            <a:solidFill>
+              <a:schemeClr val="accent3">
+                <a:lumMod val="60000"/>
+                <a:lumOff val="40000"/>
+              </a:schemeClr>
+            </a:solidFill>
+            <a:ln>
+              <a:solidFill>
+                <a:schemeClr val="accent3">
+                  <a:lumMod val="50000"/>
+                </a:schemeClr>
+              </a:solidFill>
+            </a:ln>
+          </p:spPr>
+          <p:txBody>
+            <a:bodyPr wrap="square" rtlCol="0">
+              <a:spAutoFit/>
+            </a:bodyPr>
+            <a:lstStyle/>
+            <a:p>
+              <a:pPr algn="ctr"/>
+              <a:r>
+                <a:rPr lang="en-US" sz="1200" dirty="0"/>
+                <a:t>Maintains DAP enrollment</a:t>
+              </a:r>
+            </a:p>
+          </p:txBody>
+        </p:sp>
+        <p:sp>
+          <p:nvSpPr>
+            <p:cNvPr id="83" name="TextBox 82"/>
+            <p:cNvSpPr txBox="1"/>
+            <p:nvPr/>
+          </p:nvSpPr>
+          <p:spPr>
+            <a:xfrm>
+              <a:off x="6823041" y="3054966"/>
+              <a:ext cx="1863761" cy="276999"/>
+            </a:xfrm>
+            <a:prstGeom prst="rect">
+              <a:avLst/>
+            </a:prstGeom>
+            <a:solidFill>
+              <a:schemeClr val="accent2">
+                <a:lumMod val="40000"/>
+                <a:lumOff val="60000"/>
+              </a:schemeClr>
+            </a:solidFill>
+            <a:ln>
+              <a:solidFill>
+                <a:schemeClr val="accent2">
+                  <a:lumMod val="50000"/>
+                </a:schemeClr>
+              </a:solidFill>
+            </a:ln>
+          </p:spPr>
+          <p:txBody>
+            <a:bodyPr wrap="square" rtlCol="0">
+              <a:spAutoFit/>
+            </a:bodyPr>
+            <a:lstStyle/>
+            <a:p>
+              <a:pPr algn="ctr"/>
+              <a:r>
+                <a:rPr lang="en-US" sz="1200" dirty="0"/>
+                <a:t>Disenrolled from DAP</a:t>
+              </a:r>
+            </a:p>
+          </p:txBody>
+        </p:sp>
+        <p:sp>
+          <p:nvSpPr>
+            <p:cNvPr id="85" name="TextBox 84"/>
+            <p:cNvSpPr txBox="1"/>
+            <p:nvPr/>
+          </p:nvSpPr>
+          <p:spPr>
+            <a:xfrm>
+              <a:off x="6823041" y="3543421"/>
+              <a:ext cx="1863761" cy="276999"/>
+            </a:xfrm>
+            <a:prstGeom prst="rect">
+              <a:avLst/>
+            </a:prstGeom>
+            <a:solidFill>
+              <a:schemeClr val="accent2">
+                <a:lumMod val="40000"/>
+                <a:lumOff val="60000"/>
+              </a:schemeClr>
+            </a:solidFill>
+            <a:ln>
+              <a:solidFill>
+                <a:schemeClr val="accent2">
+                  <a:lumMod val="50000"/>
+                </a:schemeClr>
+              </a:solidFill>
+            </a:ln>
+          </p:spPr>
+          <p:txBody>
+            <a:bodyPr wrap="square" rtlCol="0">
+              <a:spAutoFit/>
+            </a:bodyPr>
+            <a:lstStyle/>
+            <a:p>
+              <a:pPr algn="ctr"/>
+              <a:r>
+                <a:rPr lang="en-US" sz="1200" dirty="0"/>
+                <a:t>Disenrolled from DAP</a:t>
+              </a:r>
+            </a:p>
+          </p:txBody>
+        </p:sp>
+        <p:sp>
+          <p:nvSpPr>
+            <p:cNvPr id="17" name="TextBox 16"/>
+            <p:cNvSpPr txBox="1"/>
+            <p:nvPr/>
+          </p:nvSpPr>
+          <p:spPr>
+            <a:xfrm>
+              <a:off x="4816983" y="4372586"/>
+              <a:ext cx="5080052" cy="461665"/>
+            </a:xfrm>
+            <a:prstGeom prst="rect">
+              <a:avLst/>
+            </a:prstGeom>
+            <a:noFill/>
+          </p:spPr>
+          <p:txBody>
+            <a:bodyPr wrap="square" rtlCol="0">
+              <a:spAutoFit/>
+            </a:bodyPr>
+            <a:lstStyle/>
+            <a:p>
+              <a:r>
+                <a:rPr lang="en-US" sz="1200" dirty="0"/>
+                <a:t>Should this be more likely if a patient has discontinued medication or dropped out of care? Is this primarily driven by people dropping out of care?</a:t>
+              </a:r>
+            </a:p>
+          </p:txBody>
+        </p:sp>
+        <p:cxnSp>
+          <p:nvCxnSpPr>
+            <p:cNvPr id="19" name="Straight Arrow Connector 18"/>
+            <p:cNvCxnSpPr>
+              <a:stCxn id="17" idx="1"/>
+              <a:endCxn id="43" idx="3"/>
+            </p:cNvCxnSpPr>
+            <p:nvPr/>
+          </p:nvCxnSpPr>
+          <p:spPr>
+            <a:xfrm flipH="1" flipV="1">
+              <a:off x="4068478" y="3810886"/>
+              <a:ext cx="748505" cy="792533"/>
+            </a:xfrm>
+            <a:prstGeom prst="straightConnector1">
+              <a:avLst/>
+            </a:prstGeom>
+            <a:ln>
+              <a:tailEnd type="triangle"/>
+            </a:ln>
+          </p:spPr>
+          <p:style>
+            <a:lnRef idx="1">
+              <a:schemeClr val="accent1"/>
+            </a:lnRef>
+            <a:fillRef idx="0">
+              <a:schemeClr val="accent1"/>
+            </a:fillRef>
+            <a:effectRef idx="0">
+              <a:schemeClr val="accent1"/>
+            </a:effectRef>
+            <a:fontRef idx="minor">
+              <a:schemeClr val="tx1"/>
+            </a:fontRef>
+          </p:style>
+        </p:cxnSp>
+        <p:pic>
+          <p:nvPicPr>
+            <p:cNvPr id="34" name="Picture 33">
+              <a:extLst>
+                <a:ext uri="{FF2B5EF4-FFF2-40B4-BE49-F238E27FC236}">
+                  <a16:creationId xmlns:a16="http://schemas.microsoft.com/office/drawing/2014/main" id="{D74F13B4-E4D1-9A4A-933F-1F92C44D6280}"/>
+                </a:ext>
+              </a:extLst>
+            </p:cNvPr>
+            <p:cNvPicPr>
+              <a:picLocks noChangeAspect="1"/>
+            </p:cNvPicPr>
+            <p:nvPr/>
+          </p:nvPicPr>
+          <p:blipFill>
+            <a:blip r:embed="rId2">
+              <a:duotone>
+                <a:prstClr val="black"/>
+                <a:schemeClr val="tx1">
+                  <a:lumMod val="50000"/>
+                  <a:lumOff val="50000"/>
+                  <a:tint val="45000"/>
+                  <a:satMod val="400000"/>
+                </a:schemeClr>
+              </a:duotone>
+              <a:extLst>
+                <a:ext uri="{BEBA8EAE-BF5A-486C-A8C5-ECC9F3942E4B}">
+                  <a14:imgProps xmlns:a14="http://schemas.microsoft.com/office/drawing/2010/main">
+                    <a14:imgLayer r:embed="rId3">
+                      <a14:imgEffect>
+                        <a14:saturation sat="66000"/>
+                      </a14:imgEffect>
+                    </a14:imgLayer>
+                  </a14:imgProps>
+                </a:ext>
+              </a:extLst>
+            </a:blip>
+            <a:stretch>
+              <a:fillRect/>
+            </a:stretch>
+          </p:blipFill>
+          <p:spPr>
+            <a:xfrm>
+              <a:off x="974705" y="2634243"/>
+              <a:ext cx="431516" cy="954314"/>
+            </a:xfrm>
+            <a:prstGeom prst="rect">
+              <a:avLst/>
+            </a:prstGeom>
+          </p:spPr>
+        </p:pic>
+        <p:sp>
+          <p:nvSpPr>
+            <p:cNvPr id="35" name="Line Callout 1 34">
+              <a:extLst>
+                <a:ext uri="{FF2B5EF4-FFF2-40B4-BE49-F238E27FC236}">
+                  <a16:creationId xmlns:a16="http://schemas.microsoft.com/office/drawing/2014/main" id="{22F55C4B-186E-5940-B2F3-F5A1370E15F7}"/>
+                </a:ext>
+              </a:extLst>
+            </p:cNvPr>
+            <p:cNvSpPr/>
+            <p:nvPr/>
+          </p:nvSpPr>
+          <p:spPr>
+            <a:xfrm>
+              <a:off x="240887" y="1949293"/>
+              <a:ext cx="1020340" cy="430368"/>
+            </a:xfrm>
+            <a:prstGeom prst="borderCallout1">
+              <a:avLst>
+                <a:gd name="adj1" fmla="val 119543"/>
+                <a:gd name="adj2" fmla="val 53333"/>
+                <a:gd name="adj3" fmla="val 209463"/>
+                <a:gd name="adj4" fmla="val 67770"/>
+              </a:avLst>
+            </a:prstGeom>
+            <a:noFill/>
+            <a:ln>
+              <a:solidFill>
+                <a:schemeClr val="accent3">
+                  <a:lumMod val="50000"/>
+                </a:schemeClr>
+              </a:solidFill>
+            </a:ln>
+          </p:spPr>
+          <p:style>
+            <a:lnRef idx="2">
+              <a:schemeClr val="accent1">
+                <a:shade val="50000"/>
+              </a:schemeClr>
+            </a:lnRef>
+            <a:fillRef idx="1">
+              <a:schemeClr val="accent1"/>
+            </a:fillRef>
+            <a:effectRef idx="0">
+              <a:schemeClr val="accent1"/>
+            </a:effectRef>
+            <a:fontRef idx="minor">
+              <a:schemeClr val="lt1"/>
+            </a:fontRef>
+          </p:style>
+          <p:txBody>
+            <a:bodyPr rtlCol="0" anchor="ctr"/>
+            <a:lstStyle/>
+            <a:p>
+              <a:pPr algn="ctr"/>
+              <a:r>
+                <a:rPr lang="en-US" sz="1200" dirty="0">
+                  <a:solidFill>
+                    <a:schemeClr val="tx1"/>
+                  </a:solidFill>
+                </a:rPr>
+                <a:t>DAP Active</a:t>
+              </a:r>
+            </a:p>
+          </p:txBody>
+        </p:sp>
+        <p:sp>
+          <p:nvSpPr>
+            <p:cNvPr id="45" name="Right Arrow 44">
+              <a:extLst>
+                <a:ext uri="{FF2B5EF4-FFF2-40B4-BE49-F238E27FC236}">
+                  <a16:creationId xmlns:a16="http://schemas.microsoft.com/office/drawing/2014/main" id="{A6D70F80-4367-6842-8A41-FD33C1000163}"/>
+                </a:ext>
+              </a:extLst>
+            </p:cNvPr>
+            <p:cNvSpPr/>
+            <p:nvPr/>
+          </p:nvSpPr>
+          <p:spPr>
+            <a:xfrm rot="10800000" flipH="1">
+              <a:off x="8892370" y="3311716"/>
+              <a:ext cx="731520" cy="240178"/>
+            </a:xfrm>
+            <a:prstGeom prst="rightArrow">
+              <a:avLst/>
+            </a:prstGeom>
+            <a:solidFill>
+              <a:schemeClr val="accent2">
+                <a:lumMod val="40000"/>
+                <a:lumOff val="60000"/>
+              </a:schemeClr>
+            </a:solidFill>
+            <a:ln>
+              <a:solidFill>
+                <a:schemeClr val="accent2">
+                  <a:lumMod val="75000"/>
+                </a:schemeClr>
+              </a:solidFill>
+            </a:ln>
+          </p:spPr>
+          <p:style>
+            <a:lnRef idx="2">
+              <a:schemeClr val="accent1">
+                <a:shade val="50000"/>
+              </a:schemeClr>
+            </a:lnRef>
+            <a:fillRef idx="1">
+              <a:schemeClr val="accent1"/>
+            </a:fillRef>
+            <a:effectRef idx="0">
+              <a:schemeClr val="accent1"/>
+            </a:effectRef>
+            <a:fontRef idx="minor">
+              <a:schemeClr val="lt1"/>
+            </a:fontRef>
+          </p:style>
+          <p:txBody>
+            <a:bodyPr rtlCol="0" anchor="ctr"/>
+            <a:lstStyle/>
+            <a:p>
+              <a:pPr algn="ctr"/>
+              <a:endParaRPr lang="en-US"/>
+            </a:p>
+          </p:txBody>
+        </p:sp>
+        <p:sp>
+          <p:nvSpPr>
+            <p:cNvPr id="47" name="TextBox 46">
+              <a:extLst>
+                <a:ext uri="{FF2B5EF4-FFF2-40B4-BE49-F238E27FC236}">
+                  <a16:creationId xmlns:a16="http://schemas.microsoft.com/office/drawing/2014/main" id="{C1C2916C-D34C-B54E-AFA2-3B21A75624F0}"/>
+                </a:ext>
+              </a:extLst>
+            </p:cNvPr>
+            <p:cNvSpPr txBox="1"/>
+            <p:nvPr/>
+          </p:nvSpPr>
+          <p:spPr>
+            <a:xfrm>
+              <a:off x="9829458" y="3216858"/>
+              <a:ext cx="926673" cy="461665"/>
+            </a:xfrm>
+            <a:prstGeom prst="rect">
+              <a:avLst/>
+            </a:prstGeom>
+            <a:solidFill>
+              <a:schemeClr val="accent2">
+                <a:lumMod val="40000"/>
+                <a:lumOff val="60000"/>
+              </a:schemeClr>
+            </a:solidFill>
+            <a:ln>
+              <a:solidFill>
+                <a:schemeClr val="accent2">
+                  <a:lumMod val="75000"/>
+                </a:schemeClr>
+              </a:solidFill>
+            </a:ln>
+          </p:spPr>
+          <p:txBody>
+            <a:bodyPr wrap="square" rtlCol="0">
+              <a:spAutoFit/>
+            </a:bodyPr>
+            <a:lstStyle/>
+            <a:p>
+              <a:pPr algn="ctr"/>
+              <a:r>
+                <a:rPr lang="en-US" sz="1200" dirty="0"/>
+                <a:t>“DAP Inactive”</a:t>
+              </a:r>
+            </a:p>
+          </p:txBody>
+        </p:sp>
+      </p:grpSp>
+    </p:spTree>
+    <p:extLst>
+      <p:ext uri="{BB962C8B-B14F-4D97-AF65-F5344CB8AC3E}">
+        <p14:creationId xmlns:p14="http://schemas.microsoft.com/office/powerpoint/2010/main" val="4268215242"/>
+      </p:ext>
+    </p:extLst>
+  </p:cSld>
+  <p:clrMapOvr>
+    <a:masterClrMapping/>
+  </p:clrMapOvr>
+</p:sld>
+</file>
+
+<file path=ppt/slides/slide5.xml><?xml version="1.0" encoding="utf-8"?>
 <p:sld xmlns:a="http://schemas.openxmlformats.org/drawingml/2006/main" xmlns:r="http://schemas.openxmlformats.org/officeDocument/2006/relationships" xmlns:p="http://schemas.openxmlformats.org/presentationml/2006/main">
   <p:cSld>
     <p:spTree>
@@ -9680,10 +10918,10 @@
         </p:nvGrpSpPr>
         <p:grpSpPr>
           <a:xfrm>
-            <a:off x="3607125" y="3238321"/>
-            <a:ext cx="1942347" cy="2282821"/>
-            <a:chOff x="2027936" y="1447192"/>
-            <a:chExt cx="1942347" cy="2282821"/>
+            <a:off x="3607125" y="3004476"/>
+            <a:ext cx="1942347" cy="2516666"/>
+            <a:chOff x="2027936" y="1213347"/>
+            <a:chExt cx="1942347" cy="2516666"/>
           </a:xfrm>
         </p:grpSpPr>
         <p:sp>
@@ -9810,8 +11048,8 @@
           </p:nvSpPr>
           <p:spPr>
             <a:xfrm>
-              <a:off x="2146054" y="1447192"/>
-              <a:ext cx="797308" cy="461665"/>
+              <a:off x="2108835" y="1213347"/>
+              <a:ext cx="944091" cy="646331"/>
             </a:xfrm>
             <a:prstGeom prst="rect">
               <a:avLst/>
@@ -9855,7 +11093,7 @@
                     <a:prstClr val="black"/>
                   </a:solidFill>
                 </a:rPr>
-                <a:t> access</a:t>
+                <a:t>-related HC access</a:t>
               </a:r>
               <a:endParaRPr kumimoji="0" lang="en-US" sz="1200" b="0" i="0" u="none" strike="noStrike" kern="0" cap="none" spc="0" normalizeH="0" baseline="0" noProof="0" dirty="0">
                 <a:ln>
@@ -10114,7 +11352,7 @@
           </p:nvSpPr>
           <p:spPr>
             <a:xfrm>
-              <a:off x="2249362" y="1905563"/>
+              <a:off x="2348515" y="1905563"/>
               <a:ext cx="612423" cy="461665"/>
             </a:xfrm>
             <a:prstGeom prst="rect">
@@ -10547,7 +11785,7 @@
         </p:nvGrpSpPr>
         <p:grpSpPr>
           <a:xfrm>
-            <a:off x="3435213" y="1791951"/>
+            <a:off x="3578198" y="1742290"/>
             <a:ext cx="1297379" cy="1447413"/>
             <a:chOff x="1990554" y="1837521"/>
             <a:chExt cx="1297379" cy="1447413"/>
@@ -10844,7 +12082,7 @@
 </p:sld>
 </file>
 
-<file path=ppt/slides/slide5.xml><?xml version="1.0" encoding="utf-8"?>
+<file path=ppt/slides/slide6.xml><?xml version="1.0" encoding="utf-8"?>
 <p:sld xmlns:a="http://schemas.openxmlformats.org/drawingml/2006/main" xmlns:r="http://schemas.openxmlformats.org/officeDocument/2006/relationships" xmlns:p="http://schemas.openxmlformats.org/presentationml/2006/main">
   <p:cSld>
     <p:spTree>
@@ -11213,8 +12451,8 @@
         </p:nvCxnSpPr>
         <p:spPr>
           <a:xfrm rot="16200000" flipH="1">
-            <a:off x="8701820" y="4144614"/>
-            <a:ext cx="783074" cy="2890873"/>
+            <a:off x="9156289" y="3690146"/>
+            <a:ext cx="790399" cy="3807134"/>
           </a:xfrm>
           <a:prstGeom prst="bentConnector2">
             <a:avLst/>
@@ -11599,6 +12837,12 @@
                   <a:gd name="adj4" fmla="val 119654"/>
                 </a:avLst>
               </a:prstGeom>
+              <a:solidFill>
+                <a:schemeClr val="accent5">
+                  <a:lumMod val="40000"/>
+                  <a:lumOff val="60000"/>
+                </a:schemeClr>
+              </a:solidFill>
               <a:ln>
                 <a:solidFill>
                   <a:schemeClr val="tx2">
@@ -11641,149 +12885,6 @@
       </p:grpSp>
       <p:grpSp>
         <p:nvGrpSpPr>
-          <p:cNvPr id="111" name="Group 110">
-            <a:extLst>
-              <a:ext uri="{FF2B5EF4-FFF2-40B4-BE49-F238E27FC236}">
-                <a16:creationId xmlns:a16="http://schemas.microsoft.com/office/drawing/2014/main" id="{A4C64EFB-F5D0-9441-8FB5-8B0AB9FA3E56}"/>
-              </a:ext>
-            </a:extLst>
-          </p:cNvPr>
-          <p:cNvGrpSpPr/>
-          <p:nvPr/>
-        </p:nvGrpSpPr>
-        <p:grpSpPr>
-          <a:xfrm>
-            <a:off x="7263120" y="2185296"/>
-            <a:ext cx="1334386" cy="1715616"/>
-            <a:chOff x="1953547" y="1569318"/>
-            <a:chExt cx="1334386" cy="1715616"/>
-          </a:xfrm>
-        </p:grpSpPr>
-        <p:sp>
-          <p:nvSpPr>
-            <p:cNvPr id="112" name="Line Callout 1 111">
-              <a:extLst>
-                <a:ext uri="{FF2B5EF4-FFF2-40B4-BE49-F238E27FC236}">
-                  <a16:creationId xmlns:a16="http://schemas.microsoft.com/office/drawing/2014/main" id="{C4D5EA96-05E9-C345-A7EB-A0E920CCE703}"/>
-                </a:ext>
-              </a:extLst>
-            </p:cNvPr>
-            <p:cNvSpPr/>
-            <p:nvPr/>
-          </p:nvSpPr>
-          <p:spPr>
-            <a:xfrm>
-              <a:off x="1953547" y="1569318"/>
-              <a:ext cx="878336" cy="781647"/>
-            </a:xfrm>
-            <a:prstGeom prst="borderCallout1">
-              <a:avLst>
-                <a:gd name="adj1" fmla="val 30082"/>
-                <a:gd name="adj2" fmla="val 105217"/>
-                <a:gd name="adj3" fmla="val 91632"/>
-                <a:gd name="adj4" fmla="val 119654"/>
-              </a:avLst>
-            </a:prstGeom>
-            <a:noFill/>
-          </p:spPr>
-          <p:style>
-            <a:lnRef idx="2">
-              <a:schemeClr val="accent1">
-                <a:shade val="50000"/>
-              </a:schemeClr>
-            </a:lnRef>
-            <a:fillRef idx="1">
-              <a:schemeClr val="accent1"/>
-            </a:fillRef>
-            <a:effectRef idx="0">
-              <a:schemeClr val="accent1"/>
-            </a:effectRef>
-            <a:fontRef idx="minor">
-              <a:schemeClr val="lt1"/>
-            </a:fontRef>
-          </p:style>
-          <p:txBody>
-            <a:bodyPr rtlCol="0" anchor="ctr"/>
-            <a:lstStyle/>
-            <a:p>
-              <a:pPr algn="ctr"/>
-              <a:r>
-                <a:rPr lang="en-US" sz="1200" dirty="0">
-                  <a:solidFill>
-                    <a:schemeClr val="tx1"/>
-                  </a:solidFill>
-                </a:rPr>
-                <a:t>Income</a:t>
-              </a:r>
-            </a:p>
-            <a:p>
-              <a:pPr algn="ctr"/>
-              <a:r>
-                <a:rPr lang="en-US" sz="1200" dirty="0">
-                  <a:solidFill>
-                    <a:schemeClr val="tx1"/>
-                  </a:solidFill>
-                </a:rPr>
-                <a:t>Insurance</a:t>
-              </a:r>
-            </a:p>
-            <a:p>
-              <a:pPr algn="ctr"/>
-              <a:r>
-                <a:rPr lang="en-US" sz="1200" dirty="0">
-                  <a:solidFill>
-                    <a:schemeClr val="tx1"/>
-                  </a:solidFill>
-                </a:rPr>
-                <a:t>Race</a:t>
-              </a:r>
-            </a:p>
-            <a:p>
-              <a:pPr algn="ctr"/>
-              <a:r>
-                <a:rPr lang="en-US" sz="1200" b="1" i="1" dirty="0">
-                  <a:solidFill>
-                    <a:srgbClr val="00B050"/>
-                  </a:solidFill>
-                </a:rPr>
-                <a:t>Risk factor</a:t>
-              </a:r>
-            </a:p>
-          </p:txBody>
-        </p:sp>
-        <p:pic>
-          <p:nvPicPr>
-            <p:cNvPr id="113" name="Picture 112">
-              <a:extLst>
-                <a:ext uri="{FF2B5EF4-FFF2-40B4-BE49-F238E27FC236}">
-                  <a16:creationId xmlns:a16="http://schemas.microsoft.com/office/drawing/2014/main" id="{576F6940-4DB3-064D-B76B-A1B19D2051A9}"/>
-                </a:ext>
-              </a:extLst>
-            </p:cNvPr>
-            <p:cNvPicPr>
-              <a:picLocks noChangeAspect="1"/>
-            </p:cNvPicPr>
-            <p:nvPr/>
-          </p:nvPicPr>
-          <p:blipFill>
-            <a:blip r:embed="rId2"/>
-            <a:stretch>
-              <a:fillRect/>
-            </a:stretch>
-          </p:blipFill>
-          <p:spPr>
-            <a:xfrm>
-              <a:off x="2856417" y="2330620"/>
-              <a:ext cx="431516" cy="954314"/>
-            </a:xfrm>
-            <a:prstGeom prst="rect">
-              <a:avLst/>
-            </a:prstGeom>
-          </p:spPr>
-        </p:pic>
-      </p:grpSp>
-      <p:grpSp>
-        <p:nvGrpSpPr>
           <p:cNvPr id="160" name="Group 159">
             <a:extLst>
               <a:ext uri="{FF2B5EF4-FFF2-40B4-BE49-F238E27FC236}">
@@ -11797,9 +12898,9 @@
         <p:grpSpPr>
           <a:xfrm>
             <a:off x="8571996" y="3238321"/>
-            <a:ext cx="1942347" cy="2282821"/>
+            <a:ext cx="2883059" cy="2268601"/>
             <a:chOff x="2027936" y="1447192"/>
-            <a:chExt cx="1942347" cy="2282821"/>
+            <a:chExt cx="2883059" cy="2268601"/>
           </a:xfrm>
         </p:grpSpPr>
         <p:sp>
@@ -11888,7 +12989,6 @@
             <p:cNvCxnSpPr>
               <a:cxnSpLocks/>
               <a:stCxn id="161" idx="0"/>
-              <a:endCxn id="176" idx="2"/>
             </p:cNvCxnSpPr>
             <p:nvPr/>
           </p:nvCxnSpPr>
@@ -12005,8 +13105,8 @@
           </p:nvCxnSpPr>
           <p:spPr>
             <a:xfrm rot="16200000" flipH="1">
-              <a:off x="2539399" y="2299130"/>
-              <a:ext cx="1010861" cy="1850906"/>
+              <a:off x="3016865" y="1821663"/>
+              <a:ext cx="996641" cy="2791619"/>
             </a:xfrm>
             <a:prstGeom prst="bentConnector2">
               <a:avLst/>
@@ -12120,86 +13220,12 @@
         </p:nvGrpSpPr>
         <p:grpSpPr>
           <a:xfrm>
-            <a:off x="9483074" y="2794815"/>
-            <a:ext cx="911079" cy="1916987"/>
-            <a:chOff x="2027936" y="1752336"/>
-            <a:chExt cx="911079" cy="1916987"/>
+            <a:off x="9569044" y="2794815"/>
+            <a:ext cx="825109" cy="1916987"/>
+            <a:chOff x="2113906" y="1752336"/>
+            <a:chExt cx="825109" cy="1916987"/>
           </a:xfrm>
         </p:grpSpPr>
-        <p:sp>
-          <p:nvSpPr>
-            <p:cNvPr id="176" name="Oval 175">
-              <a:extLst>
-                <a:ext uri="{FF2B5EF4-FFF2-40B4-BE49-F238E27FC236}">
-                  <a16:creationId xmlns:a16="http://schemas.microsoft.com/office/drawing/2014/main" id="{E8FD58F4-C448-0047-A808-9EFD10B04212}"/>
-                </a:ext>
-              </a:extLst>
-            </p:cNvPr>
-            <p:cNvSpPr/>
-            <p:nvPr/>
-          </p:nvSpPr>
-          <p:spPr>
-            <a:xfrm>
-              <a:off x="2027936" y="2536273"/>
-              <a:ext cx="182880" cy="182880"/>
-            </a:xfrm>
-            <a:prstGeom prst="ellipse">
-              <a:avLst/>
-            </a:prstGeom>
-            <a:solidFill>
-              <a:srgbClr val="8FB08C">
-                <a:lumMod val="60000"/>
-                <a:lumOff val="40000"/>
-              </a:srgbClr>
-            </a:solidFill>
-            <a:ln w="25400" cap="flat" cmpd="sng" algn="ctr">
-              <a:solidFill>
-                <a:srgbClr val="8FB08C">
-                  <a:lumMod val="50000"/>
-                </a:srgbClr>
-              </a:solidFill>
-              <a:prstDash val="solid"/>
-            </a:ln>
-            <a:effectLst/>
-          </p:spPr>
-          <p:txBody>
-            <a:bodyPr rtlCol="0" anchor="ctr"/>
-            <a:lstStyle/>
-            <a:p>
-              <a:pPr marL="0" marR="0" lvl="0" indent="0" algn="ctr" defTabSz="914400" eaLnBrk="1" fontAlgn="auto" latinLnBrk="0" hangingPunct="1">
-                <a:lnSpc>
-                  <a:spcPct val="100000"/>
-                </a:lnSpc>
-                <a:spcBef>
-                  <a:spcPts val="0"/>
-                </a:spcBef>
-                <a:spcAft>
-                  <a:spcPts val="0"/>
-                </a:spcAft>
-                <a:buClrTx/>
-                <a:buSzTx/>
-                <a:buFontTx/>
-                <a:buNone/>
-                <a:tabLst/>
-                <a:defRPr/>
-              </a:pPr>
-              <a:endParaRPr kumimoji="0" lang="en-US" sz="1800" b="0" i="0" u="none" strike="noStrike" kern="0" cap="none" spc="0" normalizeH="0" baseline="0" noProof="0">
-                <a:ln>
-                  <a:noFill/>
-                </a:ln>
-                <a:solidFill>
-                  <a:prstClr val="white"/>
-                </a:solidFill>
-                <a:effectLst/>
-                <a:uLnTx/>
-                <a:uFillTx/>
-                <a:latin typeface="Arial"/>
-                <a:ea typeface=""/>
-                <a:cs typeface=""/>
-              </a:endParaRPr>
-            </a:p>
-          </p:txBody>
-        </p:sp>
         <p:cxnSp>
           <p:nvCxnSpPr>
             <p:cNvPr id="177" name="Elbow Connector 176">
@@ -12211,7 +13237,6 @@
             </p:cNvPr>
             <p:cNvCxnSpPr>
               <a:cxnSpLocks/>
-              <a:stCxn id="176" idx="0"/>
             </p:cNvCxnSpPr>
             <p:nvPr/>
           </p:nvCxnSpPr>
@@ -12328,7 +13353,6 @@
             </p:cNvPr>
             <p:cNvCxnSpPr>
               <a:cxnSpLocks/>
-              <a:stCxn id="176" idx="4"/>
               <a:endCxn id="188" idx="2"/>
             </p:cNvCxnSpPr>
             <p:nvPr/>
@@ -13106,65 +14130,6 @@
       </p:sp>
       <p:sp>
         <p:nvSpPr>
-          <p:cNvPr id="194" name="TextBox 193">
-            <a:extLst>
-              <a:ext uri="{FF2B5EF4-FFF2-40B4-BE49-F238E27FC236}">
-                <a16:creationId xmlns:a16="http://schemas.microsoft.com/office/drawing/2014/main" id="{0F844554-1E4C-4846-96BD-0729D62E4CB8}"/>
-              </a:ext>
-            </a:extLst>
-          </p:cNvPr>
-          <p:cNvSpPr txBox="1"/>
-          <p:nvPr/>
-        </p:nvSpPr>
-        <p:spPr>
-          <a:xfrm>
-            <a:off x="9746641" y="3225930"/>
-            <a:ext cx="431517" cy="307777"/>
-          </a:xfrm>
-          <a:prstGeom prst="rect">
-            <a:avLst/>
-          </a:prstGeom>
-          <a:noFill/>
-        </p:spPr>
-        <p:txBody>
-          <a:bodyPr wrap="square" rtlCol="0">
-            <a:spAutoFit/>
-          </a:bodyPr>
-          <a:lstStyle/>
-          <a:p>
-            <a:pPr marL="0" marR="0" lvl="0" indent="0" algn="ctr" defTabSz="914400" eaLnBrk="1" fontAlgn="auto" latinLnBrk="0" hangingPunct="1">
-              <a:lnSpc>
-                <a:spcPct val="100000"/>
-              </a:lnSpc>
-              <a:spcBef>
-                <a:spcPts val="0"/>
-              </a:spcBef>
-              <a:spcAft>
-                <a:spcPts val="0"/>
-              </a:spcAft>
-              <a:buClrTx/>
-              <a:buSzTx/>
-              <a:buFontTx/>
-              <a:buNone/>
-              <a:tabLst/>
-              <a:defRPr/>
-            </a:pPr>
-            <a:r>
-              <a:rPr kumimoji="0" lang="en-US" sz="1400" b="1" i="1" u="none" strike="noStrike" kern="0" cap="none" spc="0" normalizeH="0" baseline="0" noProof="0" dirty="0">
-                <a:ln>
-                  <a:noFill/>
-                </a:ln>
-                <a:effectLst/>
-                <a:uLnTx/>
-                <a:uFillTx/>
-              </a:rPr>
-              <a:t>r</a:t>
-            </a:r>
-          </a:p>
-        </p:txBody>
-      </p:sp>
-      <p:sp>
-        <p:nvSpPr>
           <p:cNvPr id="195" name="TextBox 194">
             <a:extLst>
               <a:ext uri="{FF2B5EF4-FFF2-40B4-BE49-F238E27FC236}">
@@ -13294,77 +14259,6 @@
       </p:sp>
       <p:sp>
         <p:nvSpPr>
-          <p:cNvPr id="197" name="TextBox 196">
-            <a:extLst>
-              <a:ext uri="{FF2B5EF4-FFF2-40B4-BE49-F238E27FC236}">
-                <a16:creationId xmlns:a16="http://schemas.microsoft.com/office/drawing/2014/main" id="{B36EE841-6CB0-C24B-A972-F47768E19D14}"/>
-              </a:ext>
-            </a:extLst>
-          </p:cNvPr>
-          <p:cNvSpPr txBox="1"/>
-          <p:nvPr/>
-        </p:nvSpPr>
-        <p:spPr>
-          <a:xfrm>
-            <a:off x="9665954" y="4681210"/>
-            <a:ext cx="663617" cy="307777"/>
-          </a:xfrm>
-          <a:prstGeom prst="rect">
-            <a:avLst/>
-          </a:prstGeom>
-          <a:noFill/>
-        </p:spPr>
-        <p:txBody>
-          <a:bodyPr wrap="square" rtlCol="0">
-            <a:spAutoFit/>
-          </a:bodyPr>
-          <a:lstStyle/>
-          <a:p>
-            <a:pPr marL="0" marR="0" lvl="0" indent="0" algn="ctr" defTabSz="914400" eaLnBrk="1" fontAlgn="auto" latinLnBrk="0" hangingPunct="1">
-              <a:lnSpc>
-                <a:spcPct val="100000"/>
-              </a:lnSpc>
-              <a:spcBef>
-                <a:spcPts val="0"/>
-              </a:spcBef>
-              <a:spcAft>
-                <a:spcPts val="0"/>
-              </a:spcAft>
-              <a:buClrTx/>
-              <a:buSzTx/>
-              <a:buFontTx/>
-              <a:buNone/>
-              <a:tabLst/>
-              <a:defRPr/>
-            </a:pPr>
-            <a:r>
-              <a:rPr kumimoji="0" lang="en-US" sz="1400" b="1" i="0" u="none" strike="noStrike" kern="0" cap="none" spc="0" normalizeH="0" baseline="0" noProof="0" dirty="0">
-                <a:ln>
-                  <a:noFill/>
-                </a:ln>
-                <a:effectLst/>
-                <a:uLnTx/>
-                <a:uFillTx/>
-              </a:rPr>
-              <a:t>1 - </a:t>
-            </a:r>
-            <a:r>
-              <a:rPr lang="en-US" sz="1400" b="1" i="1" kern="0" dirty="0"/>
-              <a:t>r</a:t>
-            </a:r>
-            <a:endParaRPr kumimoji="0" lang="en-US" sz="1400" b="1" i="1" u="none" strike="noStrike" kern="0" cap="none" spc="0" normalizeH="0" baseline="0" noProof="0" dirty="0">
-              <a:ln>
-                <a:noFill/>
-              </a:ln>
-              <a:effectLst/>
-              <a:uLnTx/>
-              <a:uFillTx/>
-            </a:endParaRPr>
-          </a:p>
-        </p:txBody>
-      </p:sp>
-      <p:sp>
-        <p:nvSpPr>
           <p:cNvPr id="198" name="TextBox 197">
             <a:extLst>
               <a:ext uri="{FF2B5EF4-FFF2-40B4-BE49-F238E27FC236}">
@@ -13562,138 +14456,36 @@
           </a:p>
         </p:txBody>
       </p:sp>
-      <p:grpSp>
-        <p:nvGrpSpPr>
-          <p:cNvPr id="201" name="Group 200">
+      <p:pic>
+        <p:nvPicPr>
+          <p:cNvPr id="203" name="Picture 202">
             <a:extLst>
               <a:ext uri="{FF2B5EF4-FFF2-40B4-BE49-F238E27FC236}">
-                <a16:creationId xmlns:a16="http://schemas.microsoft.com/office/drawing/2014/main" id="{2F568A5E-25DB-1B4D-9353-7609EA5C3AEE}"/>
+                <a16:creationId xmlns:a16="http://schemas.microsoft.com/office/drawing/2014/main" id="{5609F893-2C2D-3A4A-9AAE-55FCA5849145}"/>
               </a:ext>
             </a:extLst>
           </p:cNvPr>
-          <p:cNvGrpSpPr/>
+          <p:cNvPicPr>
+            <a:picLocks noChangeAspect="1"/>
+          </p:cNvPicPr>
           <p:nvPr/>
-        </p:nvGrpSpPr>
-        <p:grpSpPr>
+        </p:nvPicPr>
+        <p:blipFill>
+          <a:blip r:embed="rId2"/>
+          <a:stretch>
+            <a:fillRect/>
+          </a:stretch>
+        </p:blipFill>
+        <p:spPr>
           <a:xfrm>
-            <a:off x="8276336" y="1759001"/>
-            <a:ext cx="1235908" cy="1512532"/>
-            <a:chOff x="2052025" y="1772402"/>
-            <a:chExt cx="1235908" cy="1512532"/>
+            <a:off x="9080728" y="2317219"/>
+            <a:ext cx="431516" cy="954314"/>
           </a:xfrm>
-        </p:grpSpPr>
-        <p:sp>
-          <p:nvSpPr>
-            <p:cNvPr id="202" name="Line Callout 1 201">
-              <a:extLst>
-                <a:ext uri="{FF2B5EF4-FFF2-40B4-BE49-F238E27FC236}">
-                  <a16:creationId xmlns:a16="http://schemas.microsoft.com/office/drawing/2014/main" id="{48518F82-339F-DC4C-83E3-924B08DF0A39}"/>
-                </a:ext>
-              </a:extLst>
-            </p:cNvPr>
-            <p:cNvSpPr/>
-            <p:nvPr/>
-          </p:nvSpPr>
-          <p:spPr>
-            <a:xfrm>
-              <a:off x="2052025" y="1772402"/>
-              <a:ext cx="812516" cy="556791"/>
-            </a:xfrm>
-            <a:prstGeom prst="borderCallout1">
-              <a:avLst>
-                <a:gd name="adj1" fmla="val 30082"/>
-                <a:gd name="adj2" fmla="val 105217"/>
-                <a:gd name="adj3" fmla="val 91632"/>
-                <a:gd name="adj4" fmla="val 119654"/>
-              </a:avLst>
-            </a:prstGeom>
-            <a:noFill/>
-          </p:spPr>
-          <p:style>
-            <a:lnRef idx="2">
-              <a:schemeClr val="accent1">
-                <a:shade val="50000"/>
-              </a:schemeClr>
-            </a:lnRef>
-            <a:fillRef idx="1">
-              <a:schemeClr val="accent1"/>
-            </a:fillRef>
-            <a:effectRef idx="0">
-              <a:schemeClr val="accent1"/>
-            </a:effectRef>
-            <a:fontRef idx="minor">
-              <a:schemeClr val="lt1"/>
-            </a:fontRef>
-          </p:style>
-          <p:txBody>
-            <a:bodyPr rtlCol="0" anchor="ctr"/>
-            <a:lstStyle/>
-            <a:p>
-              <a:pPr algn="ctr"/>
-              <a:r>
-                <a:rPr lang="en-US" sz="1200" dirty="0">
-                  <a:solidFill>
-                    <a:schemeClr val="tx1"/>
-                  </a:solidFill>
-                </a:rPr>
-                <a:t>Income</a:t>
-              </a:r>
-            </a:p>
-            <a:p>
-              <a:pPr algn="ctr"/>
-              <a:r>
-                <a:rPr lang="en-US" sz="1200" dirty="0">
-                  <a:solidFill>
-                    <a:schemeClr val="tx1"/>
-                  </a:solidFill>
-                </a:rPr>
-                <a:t>Insurance</a:t>
-              </a:r>
-            </a:p>
-            <a:p>
-              <a:pPr algn="ctr"/>
-              <a:r>
-                <a:rPr lang="en-US" sz="1200" dirty="0">
-                  <a:solidFill>
-                    <a:schemeClr val="tx1"/>
-                  </a:solidFill>
-                </a:rPr>
-                <a:t>Race</a:t>
-              </a:r>
-            </a:p>
-          </p:txBody>
-        </p:sp>
-        <p:pic>
-          <p:nvPicPr>
-            <p:cNvPr id="203" name="Picture 202">
-              <a:extLst>
-                <a:ext uri="{FF2B5EF4-FFF2-40B4-BE49-F238E27FC236}">
-                  <a16:creationId xmlns:a16="http://schemas.microsoft.com/office/drawing/2014/main" id="{5609F893-2C2D-3A4A-9AAE-55FCA5849145}"/>
-                </a:ext>
-              </a:extLst>
-            </p:cNvPr>
-            <p:cNvPicPr>
-              <a:picLocks noChangeAspect="1"/>
-            </p:cNvPicPr>
-            <p:nvPr/>
-          </p:nvPicPr>
-          <p:blipFill>
-            <a:blip r:embed="rId2"/>
-            <a:stretch>
-              <a:fillRect/>
-            </a:stretch>
-          </p:blipFill>
-          <p:spPr>
-            <a:xfrm>
-              <a:off x="2856417" y="2330620"/>
-              <a:ext cx="431516" cy="954314"/>
-            </a:xfrm>
-            <a:prstGeom prst="rect">
-              <a:avLst/>
-            </a:prstGeom>
-          </p:spPr>
-        </p:pic>
-      </p:grpSp>
+          <a:prstGeom prst="rect">
+            <a:avLst/>
+          </a:prstGeom>
+        </p:spPr>
+      </p:pic>
       <p:grpSp>
         <p:nvGrpSpPr>
           <p:cNvPr id="207" name="Group 206">
@@ -13818,8 +14610,8 @@
         </p:nvSpPr>
         <p:spPr>
           <a:xfrm>
-            <a:off x="9450061" y="2817301"/>
-            <a:ext cx="944091" cy="2214128"/>
+            <a:off x="9426648" y="2794815"/>
+            <a:ext cx="985169" cy="2008464"/>
           </a:xfrm>
           <a:prstGeom prst="roundRect">
             <a:avLst/>
@@ -14477,6 +15269,12 @@
                   <a:gd name="adj4" fmla="val 119654"/>
                 </a:avLst>
               </a:prstGeom>
+              <a:solidFill>
+                <a:schemeClr val="accent5">
+                  <a:lumMod val="40000"/>
+                  <a:lumOff val="60000"/>
+                </a:schemeClr>
+              </a:solidFill>
               <a:ln>
                 <a:solidFill>
                   <a:schemeClr val="tx2">
@@ -14531,10 +15329,10 @@
         </p:nvGrpSpPr>
         <p:grpSpPr>
           <a:xfrm>
-            <a:off x="2298249" y="2185296"/>
-            <a:ext cx="1334386" cy="1715616"/>
-            <a:chOff x="1953547" y="1569318"/>
-            <a:chExt cx="1334386" cy="1715616"/>
+            <a:off x="2298249" y="2549383"/>
+            <a:ext cx="1334386" cy="1351529"/>
+            <a:chOff x="1953547" y="1933405"/>
+            <a:chExt cx="1334386" cy="1351529"/>
           </a:xfrm>
         </p:grpSpPr>
         <p:sp>
@@ -14551,8 +15349,8 @@
           </p:nvSpPr>
           <p:spPr>
             <a:xfrm>
-              <a:off x="1953547" y="1569318"/>
-              <a:ext cx="878336" cy="781647"/>
+              <a:off x="1953547" y="1933405"/>
+              <a:ext cx="878336" cy="417560"/>
             </a:xfrm>
             <a:prstGeom prst="borderCallout1">
               <a:avLst>
@@ -14583,28 +15381,6 @@
           <p:txBody>
             <a:bodyPr rtlCol="0" anchor="ctr"/>
             <a:lstStyle/>
-            <a:p>
-              <a:pPr algn="ctr"/>
-              <a:r>
-                <a:rPr lang="en-US" sz="1200" dirty="0">
-                  <a:solidFill>
-                    <a:schemeClr val="tx1"/>
-                  </a:solidFill>
-                </a:rPr>
-                <a:t>Income</a:t>
-              </a:r>
-            </a:p>
-            <a:p>
-              <a:pPr algn="ctr"/>
-              <a:r>
-                <a:rPr lang="en-US" sz="1200" dirty="0">
-                  <a:solidFill>
-                    <a:schemeClr val="tx1"/>
-                  </a:solidFill>
-                </a:rPr>
-                <a:t>Insurance</a:t>
-              </a:r>
-            </a:p>
             <a:p>
               <a:pPr algn="ctr"/>
               <a:r>
@@ -15546,12 +16322,272 @@
           </a:p>
         </p:txBody>
       </p:sp>
+      <p:pic>
+        <p:nvPicPr>
+          <p:cNvPr id="322" name="Picture 321">
+            <a:extLst>
+              <a:ext uri="{FF2B5EF4-FFF2-40B4-BE49-F238E27FC236}">
+                <a16:creationId xmlns:a16="http://schemas.microsoft.com/office/drawing/2014/main" id="{BBA11323-DC2F-1C40-8986-45745F0A760D}"/>
+              </a:ext>
+            </a:extLst>
+          </p:cNvPr>
+          <p:cNvPicPr>
+            <a:picLocks noChangeAspect="1"/>
+          </p:cNvPicPr>
+          <p:nvPr/>
+        </p:nvPicPr>
+        <p:blipFill>
+          <a:blip r:embed="rId2"/>
+          <a:stretch>
+            <a:fillRect/>
+          </a:stretch>
+        </p:blipFill>
+        <p:spPr>
+          <a:xfrm>
+            <a:off x="4301076" y="2285050"/>
+            <a:ext cx="431516" cy="954314"/>
+          </a:xfrm>
+          <a:prstGeom prst="rect">
+            <a:avLst/>
+          </a:prstGeom>
+        </p:spPr>
+      </p:pic>
+      <p:sp>
+        <p:nvSpPr>
+          <p:cNvPr id="100" name="Line Callout 1 99">
+            <a:extLst>
+              <a:ext uri="{FF2B5EF4-FFF2-40B4-BE49-F238E27FC236}">
+                <a16:creationId xmlns:a16="http://schemas.microsoft.com/office/drawing/2014/main" id="{1E4946CE-7E48-6B46-8378-E7D64C425F51}"/>
+              </a:ext>
+            </a:extLst>
+          </p:cNvPr>
+          <p:cNvSpPr/>
+          <p:nvPr/>
+        </p:nvSpPr>
+        <p:spPr>
+          <a:xfrm>
+            <a:off x="3447654" y="1562234"/>
+            <a:ext cx="878336" cy="781647"/>
+          </a:xfrm>
+          <a:prstGeom prst="borderCallout1">
+            <a:avLst>
+              <a:gd name="adj1" fmla="val 30082"/>
+              <a:gd name="adj2" fmla="val 105217"/>
+              <a:gd name="adj3" fmla="val 91632"/>
+              <a:gd name="adj4" fmla="val 119654"/>
+            </a:avLst>
+          </a:prstGeom>
+          <a:noFill/>
+        </p:spPr>
+        <p:style>
+          <a:lnRef idx="2">
+            <a:schemeClr val="accent1">
+              <a:shade val="50000"/>
+            </a:schemeClr>
+          </a:lnRef>
+          <a:fillRef idx="1">
+            <a:schemeClr val="accent1"/>
+          </a:fillRef>
+          <a:effectRef idx="0">
+            <a:schemeClr val="accent1"/>
+          </a:effectRef>
+          <a:fontRef idx="minor">
+            <a:schemeClr val="lt1"/>
+          </a:fontRef>
+        </p:style>
+        <p:txBody>
+          <a:bodyPr rtlCol="0" anchor="ctr"/>
+          <a:lstStyle/>
+          <a:p>
+            <a:pPr algn="ctr"/>
+            <a:r>
+              <a:rPr lang="en-US" sz="1200" dirty="0">
+                <a:solidFill>
+                  <a:schemeClr val="tx1"/>
+                </a:solidFill>
+              </a:rPr>
+              <a:t>Income</a:t>
+            </a:r>
+          </a:p>
+          <a:p>
+            <a:pPr algn="ctr"/>
+            <a:r>
+              <a:rPr lang="en-US" sz="1200" dirty="0">
+                <a:solidFill>
+                  <a:schemeClr val="tx1"/>
+                </a:solidFill>
+              </a:rPr>
+              <a:t>Insurance</a:t>
+            </a:r>
+          </a:p>
+          <a:p>
+            <a:pPr algn="ctr"/>
+            <a:r>
+              <a:rPr lang="en-US" sz="1200" dirty="0">
+                <a:solidFill>
+                  <a:schemeClr val="tx1"/>
+                </a:solidFill>
+              </a:rPr>
+              <a:t>Race</a:t>
+            </a:r>
+          </a:p>
+        </p:txBody>
+      </p:sp>
+      <p:sp>
+        <p:nvSpPr>
+          <p:cNvPr id="101" name="Line Callout 1 100">
+            <a:extLst>
+              <a:ext uri="{FF2B5EF4-FFF2-40B4-BE49-F238E27FC236}">
+                <a16:creationId xmlns:a16="http://schemas.microsoft.com/office/drawing/2014/main" id="{F4EDA7E6-9AD0-344A-A581-D42E201F4105}"/>
+              </a:ext>
+            </a:extLst>
+          </p:cNvPr>
+          <p:cNvSpPr/>
+          <p:nvPr/>
+        </p:nvSpPr>
+        <p:spPr>
+          <a:xfrm>
+            <a:off x="8189588" y="1548824"/>
+            <a:ext cx="878336" cy="781647"/>
+          </a:xfrm>
+          <a:prstGeom prst="borderCallout1">
+            <a:avLst>
+              <a:gd name="adj1" fmla="val 30082"/>
+              <a:gd name="adj2" fmla="val 105217"/>
+              <a:gd name="adj3" fmla="val 91632"/>
+              <a:gd name="adj4" fmla="val 119654"/>
+            </a:avLst>
+          </a:prstGeom>
+          <a:noFill/>
+        </p:spPr>
+        <p:style>
+          <a:lnRef idx="2">
+            <a:schemeClr val="accent1">
+              <a:shade val="50000"/>
+            </a:schemeClr>
+          </a:lnRef>
+          <a:fillRef idx="1">
+            <a:schemeClr val="accent1"/>
+          </a:fillRef>
+          <a:effectRef idx="0">
+            <a:schemeClr val="accent1"/>
+          </a:effectRef>
+          <a:fontRef idx="minor">
+            <a:schemeClr val="lt1"/>
+          </a:fontRef>
+        </p:style>
+        <p:txBody>
+          <a:bodyPr rtlCol="0" anchor="ctr"/>
+          <a:lstStyle/>
+          <a:p>
+            <a:pPr algn="ctr"/>
+            <a:r>
+              <a:rPr lang="en-US" sz="1200" dirty="0">
+                <a:solidFill>
+                  <a:schemeClr val="tx1"/>
+                </a:solidFill>
+              </a:rPr>
+              <a:t>Income</a:t>
+            </a:r>
+          </a:p>
+          <a:p>
+            <a:pPr algn="ctr"/>
+            <a:r>
+              <a:rPr lang="en-US" sz="1200" dirty="0">
+                <a:solidFill>
+                  <a:schemeClr val="tx1"/>
+                </a:solidFill>
+              </a:rPr>
+              <a:t>Insurance</a:t>
+            </a:r>
+          </a:p>
+          <a:p>
+            <a:pPr algn="ctr"/>
+            <a:r>
+              <a:rPr lang="en-US" sz="1200" dirty="0">
+                <a:solidFill>
+                  <a:schemeClr val="tx1"/>
+                </a:solidFill>
+              </a:rPr>
+              <a:t>Race</a:t>
+            </a:r>
+          </a:p>
+          <a:p>
+            <a:pPr algn="ctr"/>
+            <a:r>
+              <a:rPr lang="en-US" sz="1200" b="1" i="1" dirty="0">
+                <a:solidFill>
+                  <a:srgbClr val="00B050"/>
+                </a:solidFill>
+              </a:rPr>
+              <a:t>Risk factor</a:t>
+            </a:r>
+          </a:p>
+        </p:txBody>
+      </p:sp>
+      <p:sp>
+        <p:nvSpPr>
+          <p:cNvPr id="102" name="Rectangle 101">
+            <a:extLst>
+              <a:ext uri="{FF2B5EF4-FFF2-40B4-BE49-F238E27FC236}">
+                <a16:creationId xmlns:a16="http://schemas.microsoft.com/office/drawing/2014/main" id="{4AEC21C2-D23C-9642-8AF0-3B64C5F1EBC2}"/>
+              </a:ext>
+            </a:extLst>
+          </p:cNvPr>
+          <p:cNvSpPr/>
+          <p:nvPr/>
+        </p:nvSpPr>
+        <p:spPr>
+          <a:xfrm>
+            <a:off x="9483875" y="3579208"/>
+            <a:ext cx="183613" cy="182880"/>
+          </a:xfrm>
+          <a:prstGeom prst="rect">
+            <a:avLst/>
+          </a:prstGeom>
+          <a:solidFill>
+            <a:schemeClr val="accent1">
+              <a:lumMod val="60000"/>
+              <a:lumOff val="40000"/>
+            </a:schemeClr>
+          </a:solidFill>
+          <a:ln w="25400">
+            <a:solidFill>
+              <a:schemeClr val="tx2"/>
+            </a:solidFill>
+          </a:ln>
+        </p:spPr>
+        <p:style>
+          <a:lnRef idx="2">
+            <a:schemeClr val="accent1">
+              <a:shade val="50000"/>
+            </a:schemeClr>
+          </a:lnRef>
+          <a:fillRef idx="1">
+            <a:schemeClr val="accent1"/>
+          </a:fillRef>
+          <a:effectRef idx="0">
+            <a:schemeClr val="accent1"/>
+          </a:effectRef>
+          <a:fontRef idx="minor">
+            <a:schemeClr val="lt1"/>
+          </a:fontRef>
+        </p:style>
+        <p:txBody>
+          <a:bodyPr rtlCol="0" anchor="ctr"/>
+          <a:lstStyle/>
+          <a:p>
+            <a:pPr algn="ctr"/>
+            <a:endParaRPr lang="en-US"/>
+          </a:p>
+        </p:txBody>
+      </p:sp>
       <p:grpSp>
         <p:nvGrpSpPr>
-          <p:cNvPr id="320" name="Group 319">
+          <p:cNvPr id="103" name="Group 102">
             <a:extLst>
               <a:ext uri="{FF2B5EF4-FFF2-40B4-BE49-F238E27FC236}">
-                <a16:creationId xmlns:a16="http://schemas.microsoft.com/office/drawing/2014/main" id="{7DDAA16F-7158-2B42-BB1D-403C5DA118E9}"/>
+                <a16:creationId xmlns:a16="http://schemas.microsoft.com/office/drawing/2014/main" id="{F384BFB4-3B44-0442-B1B0-BBA512F467C8}"/>
               </a:ext>
             </a:extLst>
           </p:cNvPr>
@@ -15560,18 +16596,18 @@
         </p:nvGrpSpPr>
         <p:grpSpPr>
           <a:xfrm>
-            <a:off x="3667469" y="2041946"/>
-            <a:ext cx="1065123" cy="1197418"/>
-            <a:chOff x="2222810" y="2087516"/>
-            <a:chExt cx="1065123" cy="1197418"/>
+            <a:off x="7263720" y="2545788"/>
+            <a:ext cx="1334386" cy="1351529"/>
+            <a:chOff x="1953547" y="1933405"/>
+            <a:chExt cx="1334386" cy="1351529"/>
           </a:xfrm>
         </p:grpSpPr>
         <p:sp>
           <p:nvSpPr>
-            <p:cNvPr id="321" name="Line Callout 1 320">
+            <p:cNvPr id="104" name="Line Callout 1 103">
               <a:extLst>
                 <a:ext uri="{FF2B5EF4-FFF2-40B4-BE49-F238E27FC236}">
-                  <a16:creationId xmlns:a16="http://schemas.microsoft.com/office/drawing/2014/main" id="{C8B8DF2A-4335-E349-98EA-6E12A36FD9BD}"/>
+                  <a16:creationId xmlns:a16="http://schemas.microsoft.com/office/drawing/2014/main" id="{CFF6AB1F-822C-ED40-A2E7-113E90269629}"/>
                 </a:ext>
               </a:extLst>
             </p:cNvPr>
@@ -15580,8 +16616,8 @@
           </p:nvSpPr>
           <p:spPr>
             <a:xfrm>
-              <a:off x="2222810" y="2087516"/>
-              <a:ext cx="646079" cy="250999"/>
+              <a:off x="1953547" y="1933405"/>
+              <a:ext cx="878336" cy="417560"/>
             </a:xfrm>
             <a:prstGeom prst="borderCallout1">
               <a:avLst>
@@ -15623,14 +16659,25 @@
                 <a:t>Race</a:t>
               </a:r>
             </a:p>
+            <a:p>
+              <a:pPr algn="ctr"/>
+              <a:r>
+                <a:rPr lang="en-US" sz="1200" b="1" i="1" dirty="0">
+                  <a:solidFill>
+                    <a:srgbClr val="00B050"/>
+                  </a:solidFill>
+                </a:rPr>
+                <a:t>Risk factor</a:t>
+              </a:r>
+            </a:p>
           </p:txBody>
         </p:sp>
         <p:pic>
           <p:nvPicPr>
-            <p:cNvPr id="322" name="Picture 321">
+            <p:cNvPr id="105" name="Picture 104">
               <a:extLst>
                 <a:ext uri="{FF2B5EF4-FFF2-40B4-BE49-F238E27FC236}">
-                  <a16:creationId xmlns:a16="http://schemas.microsoft.com/office/drawing/2014/main" id="{BBA11323-DC2F-1C40-8986-45745F0A760D}"/>
+                  <a16:creationId xmlns:a16="http://schemas.microsoft.com/office/drawing/2014/main" id="{A0B3B562-5415-0D43-AF8A-4472CD4898CE}"/>
                 </a:ext>
               </a:extLst>
             </p:cNvPr>
@@ -15669,7 +16716,7 @@
 </p:sld>
 </file>
 
-<file path=ppt/slides/slide6.xml><?xml version="1.0" encoding="utf-8"?>
+<file path=ppt/slides/slide7.xml><?xml version="1.0" encoding="utf-8"?>
 <p:sld xmlns:a="http://schemas.openxmlformats.org/drawingml/2006/main" xmlns:r="http://schemas.openxmlformats.org/officeDocument/2006/relationships" xmlns:p="http://schemas.openxmlformats.org/presentationml/2006/main">
   <p:cSld>
     <p:spTree>
@@ -15921,7 +16968,7 @@
 </p:sld>
 </file>
 
-<file path=ppt/slides/slide7.xml><?xml version="1.0" encoding="utf-8"?>
+<file path=ppt/slides/slide8.xml><?xml version="1.0" encoding="utf-8"?>
 <p:sld xmlns:a="http://schemas.openxmlformats.org/drawingml/2006/main" xmlns:r="http://schemas.openxmlformats.org/officeDocument/2006/relationships" xmlns:p="http://schemas.openxmlformats.org/presentationml/2006/main">
   <p:cSld>
     <p:spTree>

--- a/figures/WHAMP_FlowDiagram.pptx
+++ b/figures/WHAMP_FlowDiagram.pptx
@@ -5,7 +5,7 @@
     <p:sldMasterId id="2147483648" r:id="rId1"/>
   </p:sldMasterIdLst>
   <p:notesMasterIdLst>
-    <p:notesMasterId r:id="rId10"/>
+    <p:notesMasterId r:id="rId8"/>
   </p:notesMasterIdLst>
   <p:sldIdLst>
     <p:sldId id="257" r:id="rId2"/>
@@ -14,8 +14,6 @@
     <p:sldId id="268" r:id="rId5"/>
     <p:sldId id="265" r:id="rId6"/>
     <p:sldId id="266" r:id="rId7"/>
-    <p:sldId id="264" r:id="rId8"/>
-    <p:sldId id="261" r:id="rId9"/>
   </p:sldIdLst>
   <p:sldSz cx="12192000" cy="6858000"/>
   <p:notesSz cx="6858000" cy="9144000"/>
@@ -204,7 +202,7 @@
           <a:p>
             <a:fld id="{ADB5050D-5D68-1347-85A3-B3BE3162EAB7}" type="datetimeFigureOut">
               <a:rPr lang="en-US" smtClean="0"/>
-              <a:t>12/3/18</a:t>
+              <a:t>1/12/19</a:t>
             </a:fld>
             <a:endParaRPr lang="en-US"/>
           </a:p>
@@ -600,7 +598,7 @@
           <a:p>
             <a:fld id="{F5921A1B-DB67-384C-9576-E87AA14871FA}" type="datetimeFigureOut">
               <a:rPr lang="en-US" smtClean="0"/>
-              <a:t>12/3/18</a:t>
+              <a:t>1/12/19</a:t>
             </a:fld>
             <a:endParaRPr lang="en-US"/>
           </a:p>
@@ -768,7 +766,7 @@
           <a:p>
             <a:fld id="{F5921A1B-DB67-384C-9576-E87AA14871FA}" type="datetimeFigureOut">
               <a:rPr lang="en-US" smtClean="0"/>
-              <a:t>12/3/18</a:t>
+              <a:t>1/12/19</a:t>
             </a:fld>
             <a:endParaRPr lang="en-US"/>
           </a:p>
@@ -946,7 +944,7 @@
           <a:p>
             <a:fld id="{F5921A1B-DB67-384C-9576-E87AA14871FA}" type="datetimeFigureOut">
               <a:rPr lang="en-US" smtClean="0"/>
-              <a:t>12/3/18</a:t>
+              <a:t>1/12/19</a:t>
             </a:fld>
             <a:endParaRPr lang="en-US"/>
           </a:p>
@@ -1114,7 +1112,7 @@
           <a:p>
             <a:fld id="{F5921A1B-DB67-384C-9576-E87AA14871FA}" type="datetimeFigureOut">
               <a:rPr lang="en-US" smtClean="0"/>
-              <a:t>12/3/18</a:t>
+              <a:t>1/12/19</a:t>
             </a:fld>
             <a:endParaRPr lang="en-US"/>
           </a:p>
@@ -1359,7 +1357,7 @@
           <a:p>
             <a:fld id="{F5921A1B-DB67-384C-9576-E87AA14871FA}" type="datetimeFigureOut">
               <a:rPr lang="en-US" smtClean="0"/>
-              <a:t>12/3/18</a:t>
+              <a:t>1/12/19</a:t>
             </a:fld>
             <a:endParaRPr lang="en-US"/>
           </a:p>
@@ -1588,7 +1586,7 @@
           <a:p>
             <a:fld id="{F5921A1B-DB67-384C-9576-E87AA14871FA}" type="datetimeFigureOut">
               <a:rPr lang="en-US" smtClean="0"/>
-              <a:t>12/3/18</a:t>
+              <a:t>1/12/19</a:t>
             </a:fld>
             <a:endParaRPr lang="en-US"/>
           </a:p>
@@ -1952,7 +1950,7 @@
           <a:p>
             <a:fld id="{F5921A1B-DB67-384C-9576-E87AA14871FA}" type="datetimeFigureOut">
               <a:rPr lang="en-US" smtClean="0"/>
-              <a:t>12/3/18</a:t>
+              <a:t>1/12/19</a:t>
             </a:fld>
             <a:endParaRPr lang="en-US"/>
           </a:p>
@@ -2069,7 +2067,7 @@
           <a:p>
             <a:fld id="{F5921A1B-DB67-384C-9576-E87AA14871FA}" type="datetimeFigureOut">
               <a:rPr lang="en-US" smtClean="0"/>
-              <a:t>12/3/18</a:t>
+              <a:t>1/12/19</a:t>
             </a:fld>
             <a:endParaRPr lang="en-US"/>
           </a:p>
@@ -2164,7 +2162,7 @@
           <a:p>
             <a:fld id="{F5921A1B-DB67-384C-9576-E87AA14871FA}" type="datetimeFigureOut">
               <a:rPr lang="en-US" smtClean="0"/>
-              <a:t>12/3/18</a:t>
+              <a:t>1/12/19</a:t>
             </a:fld>
             <a:endParaRPr lang="en-US"/>
           </a:p>
@@ -2439,7 +2437,7 @@
           <a:p>
             <a:fld id="{F5921A1B-DB67-384C-9576-E87AA14871FA}" type="datetimeFigureOut">
               <a:rPr lang="en-US" smtClean="0"/>
-              <a:t>12/3/18</a:t>
+              <a:t>1/12/19</a:t>
             </a:fld>
             <a:endParaRPr lang="en-US"/>
           </a:p>
@@ -2691,7 +2689,7 @@
           <a:p>
             <a:fld id="{F5921A1B-DB67-384C-9576-E87AA14871FA}" type="datetimeFigureOut">
               <a:rPr lang="en-US" smtClean="0"/>
-              <a:t>12/3/18</a:t>
+              <a:t>1/12/19</a:t>
             </a:fld>
             <a:endParaRPr lang="en-US"/>
           </a:p>
@@ -2902,7 +2900,7 @@
           <a:p>
             <a:fld id="{F5921A1B-DB67-384C-9576-E87AA14871FA}" type="datetimeFigureOut">
               <a:rPr lang="en-US" smtClean="0"/>
-              <a:t>12/3/18</a:t>
+              <a:t>1/12/19</a:t>
             </a:fld>
             <a:endParaRPr lang="en-US"/>
           </a:p>
@@ -16716,288 +16714,6 @@
 </p:sld>
 </file>
 
-<file path=ppt/slides/slide7.xml><?xml version="1.0" encoding="utf-8"?>
-<p:sld xmlns:a="http://schemas.openxmlformats.org/drawingml/2006/main" xmlns:r="http://schemas.openxmlformats.org/officeDocument/2006/relationships" xmlns:p="http://schemas.openxmlformats.org/presentationml/2006/main">
-  <p:cSld>
-    <p:spTree>
-      <p:nvGrpSpPr>
-        <p:cNvPr id="1" name=""/>
-        <p:cNvGrpSpPr/>
-        <p:nvPr/>
-      </p:nvGrpSpPr>
-      <p:grpSpPr>
-        <a:xfrm>
-          <a:off x="0" y="0"/>
-          <a:ext cx="0" cy="0"/>
-          <a:chOff x="0" y="0"/>
-          <a:chExt cx="0" cy="0"/>
-        </a:xfrm>
-      </p:grpSpPr>
-      <p:grpSp>
-        <p:nvGrpSpPr>
-          <p:cNvPr id="50" name="Group 49">
-            <a:extLst>
-              <a:ext uri="{FF2B5EF4-FFF2-40B4-BE49-F238E27FC236}">
-                <a16:creationId xmlns:a16="http://schemas.microsoft.com/office/drawing/2014/main" id="{83422E36-137C-9445-AF08-01E1B8D7443E}"/>
-              </a:ext>
-            </a:extLst>
-          </p:cNvPr>
-          <p:cNvGrpSpPr/>
-          <p:nvPr/>
-        </p:nvGrpSpPr>
-        <p:grpSpPr>
-          <a:xfrm>
-            <a:off x="1785659" y="1399713"/>
-            <a:ext cx="1244032" cy="1511106"/>
-            <a:chOff x="25684" y="1864472"/>
-            <a:chExt cx="1244032" cy="1511106"/>
-          </a:xfrm>
-        </p:grpSpPr>
-        <p:pic>
-          <p:nvPicPr>
-            <p:cNvPr id="54" name="Picture 53">
-              <a:extLst>
-                <a:ext uri="{FF2B5EF4-FFF2-40B4-BE49-F238E27FC236}">
-                  <a16:creationId xmlns:a16="http://schemas.microsoft.com/office/drawing/2014/main" id="{1E492796-B754-6944-84FA-F3E2D68F8BDB}"/>
-                </a:ext>
-              </a:extLst>
-            </p:cNvPr>
-            <p:cNvPicPr>
-              <a:picLocks noChangeAspect="1"/>
-            </p:cNvPicPr>
-            <p:nvPr/>
-          </p:nvPicPr>
-          <p:blipFill>
-            <a:blip r:embed="rId2">
-              <a:duotone>
-                <a:prstClr val="black"/>
-                <a:srgbClr val="FF0000">
-                  <a:tint val="45000"/>
-                  <a:satMod val="400000"/>
-                </a:srgbClr>
-              </a:duotone>
-              <a:extLst>
-                <a:ext uri="{BEBA8EAE-BF5A-486C-A8C5-ECC9F3942E4B}">
-                  <a14:imgProps xmlns:a14="http://schemas.microsoft.com/office/drawing/2010/main">
-                    <a14:imgLayer r:embed="rId3">
-                      <a14:imgEffect>
-                        <a14:saturation sat="66000"/>
-                      </a14:imgEffect>
-                    </a14:imgLayer>
-                  </a14:imgProps>
-                </a:ext>
-              </a:extLst>
-            </a:blip>
-            <a:stretch>
-              <a:fillRect/>
-            </a:stretch>
-          </p:blipFill>
-          <p:spPr>
-            <a:xfrm>
-              <a:off x="838200" y="2421264"/>
-              <a:ext cx="431516" cy="954314"/>
-            </a:xfrm>
-            <a:prstGeom prst="rect">
-              <a:avLst/>
-            </a:prstGeom>
-          </p:spPr>
-        </p:pic>
-        <p:sp>
-          <p:nvSpPr>
-            <p:cNvPr id="55" name="Line Callout 1 54">
-              <a:extLst>
-                <a:ext uri="{FF2B5EF4-FFF2-40B4-BE49-F238E27FC236}">
-                  <a16:creationId xmlns:a16="http://schemas.microsoft.com/office/drawing/2014/main" id="{DFCD924A-B992-094B-996A-2FC59B629D5D}"/>
-                </a:ext>
-              </a:extLst>
-            </p:cNvPr>
-            <p:cNvSpPr/>
-            <p:nvPr/>
-          </p:nvSpPr>
-          <p:spPr>
-            <a:xfrm>
-              <a:off x="25684" y="1864472"/>
-              <a:ext cx="812516" cy="556791"/>
-            </a:xfrm>
-            <a:prstGeom prst="borderCallout1">
-              <a:avLst>
-                <a:gd name="adj1" fmla="val 30082"/>
-                <a:gd name="adj2" fmla="val 105217"/>
-                <a:gd name="adj3" fmla="val 91632"/>
-                <a:gd name="adj4" fmla="val 119654"/>
-              </a:avLst>
-            </a:prstGeom>
-            <a:noFill/>
-          </p:spPr>
-          <p:style>
-            <a:lnRef idx="2">
-              <a:schemeClr val="accent1">
-                <a:shade val="50000"/>
-              </a:schemeClr>
-            </a:lnRef>
-            <a:fillRef idx="1">
-              <a:schemeClr val="accent1"/>
-            </a:fillRef>
-            <a:effectRef idx="0">
-              <a:schemeClr val="accent1"/>
-            </a:effectRef>
-            <a:fontRef idx="minor">
-              <a:schemeClr val="lt1"/>
-            </a:fontRef>
-          </p:style>
-          <p:txBody>
-            <a:bodyPr rtlCol="0" anchor="ctr"/>
-            <a:lstStyle/>
-            <a:p>
-              <a:pPr algn="ctr"/>
-              <a:r>
-                <a:rPr lang="en-US" sz="1200" dirty="0">
-                  <a:solidFill>
-                    <a:schemeClr val="tx1"/>
-                  </a:solidFill>
-                </a:rPr>
-                <a:t>Income</a:t>
-              </a:r>
-            </a:p>
-            <a:p>
-              <a:pPr algn="ctr"/>
-              <a:r>
-                <a:rPr lang="en-US" sz="1200" dirty="0">
-                  <a:solidFill>
-                    <a:schemeClr val="tx1"/>
-                  </a:solidFill>
-                </a:rPr>
-                <a:t>Insurance</a:t>
-              </a:r>
-            </a:p>
-            <a:p>
-              <a:pPr algn="ctr"/>
-              <a:r>
-                <a:rPr lang="en-US" sz="1200" dirty="0">
-                  <a:solidFill>
-                    <a:schemeClr val="tx1"/>
-                  </a:solidFill>
-                </a:rPr>
-                <a:t>Race</a:t>
-              </a:r>
-            </a:p>
-          </p:txBody>
-        </p:sp>
-      </p:grpSp>
-      <p:sp>
-        <p:nvSpPr>
-          <p:cNvPr id="57" name="Line Callout 1 56">
-            <a:extLst>
-              <a:ext uri="{FF2B5EF4-FFF2-40B4-BE49-F238E27FC236}">
-                <a16:creationId xmlns:a16="http://schemas.microsoft.com/office/drawing/2014/main" id="{A4C21195-873C-DA4F-AA92-C85DA8CA3E0F}"/>
-              </a:ext>
-            </a:extLst>
-          </p:cNvPr>
-          <p:cNvSpPr/>
-          <p:nvPr/>
-        </p:nvSpPr>
-        <p:spPr>
-          <a:xfrm>
-            <a:off x="1387333" y="2550444"/>
-            <a:ext cx="1020340" cy="430368"/>
-          </a:xfrm>
-          <a:prstGeom prst="borderCallout1">
-            <a:avLst>
-              <a:gd name="adj1" fmla="val 30082"/>
-              <a:gd name="adj2" fmla="val 105217"/>
-              <a:gd name="adj3" fmla="val -6734"/>
-              <a:gd name="adj4" fmla="val 119654"/>
-            </a:avLst>
-          </a:prstGeom>
-          <a:noFill/>
-          <a:ln>
-            <a:solidFill>
-              <a:schemeClr val="accent3">
-                <a:lumMod val="50000"/>
-              </a:schemeClr>
-            </a:solidFill>
-          </a:ln>
-        </p:spPr>
-        <p:style>
-          <a:lnRef idx="2">
-            <a:schemeClr val="accent1">
-              <a:shade val="50000"/>
-            </a:schemeClr>
-          </a:lnRef>
-          <a:fillRef idx="1">
-            <a:schemeClr val="accent1"/>
-          </a:fillRef>
-          <a:effectRef idx="0">
-            <a:schemeClr val="accent1"/>
-          </a:effectRef>
-          <a:fontRef idx="minor">
-            <a:schemeClr val="lt1"/>
-          </a:fontRef>
-        </p:style>
-        <p:txBody>
-          <a:bodyPr rtlCol="0" anchor="ctr"/>
-          <a:lstStyle/>
-          <a:p>
-            <a:pPr algn="ctr"/>
-            <a:r>
-              <a:rPr lang="en-US" sz="1200">
-                <a:solidFill>
-                  <a:schemeClr val="tx1"/>
-                </a:solidFill>
-              </a:rPr>
-              <a:t>ADAP client</a:t>
-            </a:r>
-            <a:endParaRPr lang="en-US" sz="1200" dirty="0">
-              <a:solidFill>
-                <a:schemeClr val="tx1"/>
-              </a:solidFill>
-            </a:endParaRPr>
-          </a:p>
-        </p:txBody>
-      </p:sp>
-    </p:spTree>
-    <p:extLst>
-      <p:ext uri="{BB962C8B-B14F-4D97-AF65-F5344CB8AC3E}">
-        <p14:creationId xmlns:p14="http://schemas.microsoft.com/office/powerpoint/2010/main" val="3842741686"/>
-      </p:ext>
-    </p:extLst>
-  </p:cSld>
-  <p:clrMapOvr>
-    <a:masterClrMapping/>
-  </p:clrMapOvr>
-</p:sld>
-</file>
-
-<file path=ppt/slides/slide8.xml><?xml version="1.0" encoding="utf-8"?>
-<p:sld xmlns:a="http://schemas.openxmlformats.org/drawingml/2006/main" xmlns:r="http://schemas.openxmlformats.org/officeDocument/2006/relationships" xmlns:p="http://schemas.openxmlformats.org/presentationml/2006/main">
-  <p:cSld>
-    <p:spTree>
-      <p:nvGrpSpPr>
-        <p:cNvPr id="1" name=""/>
-        <p:cNvGrpSpPr/>
-        <p:nvPr/>
-      </p:nvGrpSpPr>
-      <p:grpSpPr>
-        <a:xfrm>
-          <a:off x="0" y="0"/>
-          <a:ext cx="0" cy="0"/>
-          <a:chOff x="0" y="0"/>
-          <a:chExt cx="0" cy="0"/>
-        </a:xfrm>
-      </p:grpSpPr>
-    </p:spTree>
-    <p:extLst>
-      <p:ext uri="{BB962C8B-B14F-4D97-AF65-F5344CB8AC3E}">
-        <p14:creationId xmlns:p14="http://schemas.microsoft.com/office/powerpoint/2010/main" val="677478789"/>
-      </p:ext>
-    </p:extLst>
-  </p:cSld>
-  <p:clrMapOvr>
-    <a:masterClrMapping/>
-  </p:clrMapOvr>
-</p:sld>
-</file>
-
 <file path=ppt/theme/theme1.xml><?xml version="1.0" encoding="utf-8"?>
 <a:theme xmlns:a="http://schemas.openxmlformats.org/drawingml/2006/main" name="Office Theme">
   <a:themeElements>

--- a/figures/WHAMP_FlowDiagram.pptx
+++ b/figures/WHAMP_FlowDiagram.pptx
@@ -202,7 +202,7 @@
           <a:p>
             <a:fld id="{ADB5050D-5D68-1347-85A3-B3BE3162EAB7}" type="datetimeFigureOut">
               <a:rPr lang="en-US" smtClean="0"/>
-              <a:t>1/12/19</a:t>
+              <a:t>1/18/19</a:t>
             </a:fld>
             <a:endParaRPr lang="en-US"/>
           </a:p>
@@ -598,7 +598,7 @@
           <a:p>
             <a:fld id="{F5921A1B-DB67-384C-9576-E87AA14871FA}" type="datetimeFigureOut">
               <a:rPr lang="en-US" smtClean="0"/>
-              <a:t>1/12/19</a:t>
+              <a:t>1/18/19</a:t>
             </a:fld>
             <a:endParaRPr lang="en-US"/>
           </a:p>
@@ -766,7 +766,7 @@
           <a:p>
             <a:fld id="{F5921A1B-DB67-384C-9576-E87AA14871FA}" type="datetimeFigureOut">
               <a:rPr lang="en-US" smtClean="0"/>
-              <a:t>1/12/19</a:t>
+              <a:t>1/18/19</a:t>
             </a:fld>
             <a:endParaRPr lang="en-US"/>
           </a:p>
@@ -944,7 +944,7 @@
           <a:p>
             <a:fld id="{F5921A1B-DB67-384C-9576-E87AA14871FA}" type="datetimeFigureOut">
               <a:rPr lang="en-US" smtClean="0"/>
-              <a:t>1/12/19</a:t>
+              <a:t>1/18/19</a:t>
             </a:fld>
             <a:endParaRPr lang="en-US"/>
           </a:p>
@@ -1112,7 +1112,7 @@
           <a:p>
             <a:fld id="{F5921A1B-DB67-384C-9576-E87AA14871FA}" type="datetimeFigureOut">
               <a:rPr lang="en-US" smtClean="0"/>
-              <a:t>1/12/19</a:t>
+              <a:t>1/18/19</a:t>
             </a:fld>
             <a:endParaRPr lang="en-US"/>
           </a:p>
@@ -1357,7 +1357,7 @@
           <a:p>
             <a:fld id="{F5921A1B-DB67-384C-9576-E87AA14871FA}" type="datetimeFigureOut">
               <a:rPr lang="en-US" smtClean="0"/>
-              <a:t>1/12/19</a:t>
+              <a:t>1/18/19</a:t>
             </a:fld>
             <a:endParaRPr lang="en-US"/>
           </a:p>
@@ -1586,7 +1586,7 @@
           <a:p>
             <a:fld id="{F5921A1B-DB67-384C-9576-E87AA14871FA}" type="datetimeFigureOut">
               <a:rPr lang="en-US" smtClean="0"/>
-              <a:t>1/12/19</a:t>
+              <a:t>1/18/19</a:t>
             </a:fld>
             <a:endParaRPr lang="en-US"/>
           </a:p>
@@ -1950,7 +1950,7 @@
           <a:p>
             <a:fld id="{F5921A1B-DB67-384C-9576-E87AA14871FA}" type="datetimeFigureOut">
               <a:rPr lang="en-US" smtClean="0"/>
-              <a:t>1/12/19</a:t>
+              <a:t>1/18/19</a:t>
             </a:fld>
             <a:endParaRPr lang="en-US"/>
           </a:p>
@@ -2067,7 +2067,7 @@
           <a:p>
             <a:fld id="{F5921A1B-DB67-384C-9576-E87AA14871FA}" type="datetimeFigureOut">
               <a:rPr lang="en-US" smtClean="0"/>
-              <a:t>1/12/19</a:t>
+              <a:t>1/18/19</a:t>
             </a:fld>
             <a:endParaRPr lang="en-US"/>
           </a:p>
@@ -2162,7 +2162,7 @@
           <a:p>
             <a:fld id="{F5921A1B-DB67-384C-9576-E87AA14871FA}" type="datetimeFigureOut">
               <a:rPr lang="en-US" smtClean="0"/>
-              <a:t>1/12/19</a:t>
+              <a:t>1/18/19</a:t>
             </a:fld>
             <a:endParaRPr lang="en-US"/>
           </a:p>
@@ -2437,7 +2437,7 @@
           <a:p>
             <a:fld id="{F5921A1B-DB67-384C-9576-E87AA14871FA}" type="datetimeFigureOut">
               <a:rPr lang="en-US" smtClean="0"/>
-              <a:t>1/12/19</a:t>
+              <a:t>1/18/19</a:t>
             </a:fld>
             <a:endParaRPr lang="en-US"/>
           </a:p>
@@ -2689,7 +2689,7 @@
           <a:p>
             <a:fld id="{F5921A1B-DB67-384C-9576-E87AA14871FA}" type="datetimeFigureOut">
               <a:rPr lang="en-US" smtClean="0"/>
-              <a:t>1/12/19</a:t>
+              <a:t>1/18/19</a:t>
             </a:fld>
             <a:endParaRPr lang="en-US"/>
           </a:p>
@@ -2900,7 +2900,7 @@
           <a:p>
             <a:fld id="{F5921A1B-DB67-384C-9576-E87AA14871FA}" type="datetimeFigureOut">
               <a:rPr lang="en-US" smtClean="0"/>
-              <a:t>1/12/19</a:t>
+              <a:t>1/18/19</a:t>
             </a:fld>
             <a:endParaRPr lang="en-US"/>
           </a:p>
@@ -3550,7 +3550,7 @@
         </p:nvSpPr>
         <p:spPr>
           <a:xfrm>
-            <a:off x="4206949" y="1300767"/>
+            <a:off x="4279193" y="1235478"/>
             <a:ext cx="3204510" cy="2135361"/>
           </a:xfrm>
           <a:prstGeom prst="roundRect">
@@ -3765,8 +3765,8 @@
           <p:nvCxnSpPr>
             <p:cNvPr id="38" name="Elbow Connector 37"/>
             <p:cNvCxnSpPr>
+              <a:cxnSpLocks/>
               <a:stCxn id="37" idx="0"/>
-              <a:endCxn id="50" idx="2"/>
             </p:cNvCxnSpPr>
             <p:nvPr/>
           </p:nvCxnSpPr>
@@ -4059,86 +4059,17 @@
         </p:nvGrpSpPr>
         <p:grpSpPr>
           <a:xfrm>
-            <a:off x="4476334" y="1876679"/>
-            <a:ext cx="3022060" cy="1331284"/>
-            <a:chOff x="2027936" y="1870148"/>
-            <a:chExt cx="3022060" cy="1331284"/>
+            <a:off x="4567773" y="1876679"/>
+            <a:ext cx="2930621" cy="1331284"/>
+            <a:chOff x="2119375" y="1870148"/>
+            <a:chExt cx="2930621" cy="1331284"/>
           </a:xfrm>
         </p:grpSpPr>
-        <p:sp>
-          <p:nvSpPr>
-            <p:cNvPr id="50" name="Oval 49"/>
-            <p:cNvSpPr/>
-            <p:nvPr/>
-          </p:nvSpPr>
-          <p:spPr>
-            <a:xfrm>
-              <a:off x="2027936" y="2536273"/>
-              <a:ext cx="182880" cy="182880"/>
-            </a:xfrm>
-            <a:prstGeom prst="ellipse">
-              <a:avLst/>
-            </a:prstGeom>
-            <a:solidFill>
-              <a:srgbClr val="8FB08C">
-                <a:lumMod val="60000"/>
-                <a:lumOff val="40000"/>
-              </a:srgbClr>
-            </a:solidFill>
-            <a:ln w="25400" cap="flat" cmpd="sng" algn="ctr">
-              <a:solidFill>
-                <a:srgbClr val="8FB08C">
-                  <a:lumMod val="50000"/>
-                </a:srgbClr>
-              </a:solidFill>
-              <a:prstDash val="solid"/>
-            </a:ln>
-            <a:effectLst/>
-          </p:spPr>
-          <p:txBody>
-            <a:bodyPr rtlCol="0" anchor="ctr"/>
-            <a:lstStyle/>
-            <a:p>
-              <a:pPr marL="0" marR="0" lvl="0" indent="0" algn="ctr" defTabSz="914400" eaLnBrk="1" fontAlgn="auto" latinLnBrk="0" hangingPunct="1">
-                <a:lnSpc>
-                  <a:spcPct val="100000"/>
-                </a:lnSpc>
-                <a:spcBef>
-                  <a:spcPts val="0"/>
-                </a:spcBef>
-                <a:spcAft>
-                  <a:spcPts val="0"/>
-                </a:spcAft>
-                <a:buClrTx/>
-                <a:buSzTx/>
-                <a:buFontTx/>
-                <a:buNone/>
-                <a:tabLst/>
-                <a:defRPr/>
-              </a:pPr>
-              <a:endParaRPr kumimoji="0" lang="en-US" sz="1800" b="0" i="0" u="none" strike="noStrike" kern="0" cap="none" spc="0" normalizeH="0" baseline="0" noProof="0">
-                <a:ln>
-                  <a:noFill/>
-                </a:ln>
-                <a:solidFill>
-                  <a:prstClr val="white"/>
-                </a:solidFill>
-                <a:effectLst/>
-                <a:uLnTx/>
-                <a:uFillTx/>
-                <a:latin typeface="Arial"/>
-                <a:ea typeface=""/>
-                <a:cs typeface=""/>
-              </a:endParaRPr>
-            </a:p>
-          </p:txBody>
-        </p:sp>
         <p:cxnSp>
           <p:nvCxnSpPr>
             <p:cNvPr id="51" name="Elbow Connector 50"/>
             <p:cNvCxnSpPr>
-              <a:stCxn id="50" idx="0"/>
-              <a:endCxn id="60" idx="2"/>
+              <a:cxnSpLocks/>
             </p:cNvCxnSpPr>
             <p:nvPr/>
           </p:nvCxnSpPr>
@@ -4223,7 +4154,7 @@
           <p:nvCxnSpPr>
             <p:cNvPr id="53" name="Elbow Connector 52"/>
             <p:cNvCxnSpPr>
-              <a:stCxn id="50" idx="4"/>
+              <a:cxnSpLocks/>
               <a:endCxn id="83" idx="1"/>
             </p:cNvCxnSpPr>
             <p:nvPr/>
@@ -4368,7 +4299,7 @@
         </p:nvSpPr>
         <p:spPr>
           <a:xfrm>
-            <a:off x="7498395" y="1544710"/>
+            <a:off x="6090147" y="1990363"/>
             <a:ext cx="1572063" cy="276999"/>
           </a:xfrm>
           <a:prstGeom prst="rect">
@@ -4398,421 +4329,6 @@
             <a:r>
               <a:rPr lang="en-US" sz="1200" dirty="0"/>
               <a:t>Enrolled in ADAP</a:t>
-            </a:r>
-          </a:p>
-        </p:txBody>
-      </p:sp>
-      <p:grpSp>
-        <p:nvGrpSpPr>
-          <p:cNvPr id="59" name="Group 58"/>
-          <p:cNvGrpSpPr/>
-          <p:nvPr/>
-        </p:nvGrpSpPr>
-        <p:grpSpPr>
-          <a:xfrm>
-            <a:off x="6090147" y="1439033"/>
-            <a:ext cx="1426177" cy="1481331"/>
-            <a:chOff x="2027936" y="1937883"/>
-            <a:chExt cx="1426177" cy="1481331"/>
-          </a:xfrm>
-        </p:grpSpPr>
-        <p:sp>
-          <p:nvSpPr>
-            <p:cNvPr id="60" name="Oval 59"/>
-            <p:cNvSpPr/>
-            <p:nvPr/>
-          </p:nvSpPr>
-          <p:spPr>
-            <a:xfrm>
-              <a:off x="2027936" y="2536273"/>
-              <a:ext cx="182880" cy="182880"/>
-            </a:xfrm>
-            <a:prstGeom prst="ellipse">
-              <a:avLst/>
-            </a:prstGeom>
-            <a:solidFill>
-              <a:srgbClr val="8FB08C">
-                <a:lumMod val="60000"/>
-                <a:lumOff val="40000"/>
-              </a:srgbClr>
-            </a:solidFill>
-            <a:ln w="25400" cap="flat" cmpd="sng" algn="ctr">
-              <a:solidFill>
-                <a:srgbClr val="8FB08C">
-                  <a:lumMod val="50000"/>
-                </a:srgbClr>
-              </a:solidFill>
-              <a:prstDash val="solid"/>
-            </a:ln>
-            <a:effectLst/>
-          </p:spPr>
-          <p:txBody>
-            <a:bodyPr rtlCol="0" anchor="ctr"/>
-            <a:lstStyle/>
-            <a:p>
-              <a:pPr marL="0" marR="0" lvl="0" indent="0" algn="ctr" defTabSz="914400" eaLnBrk="1" fontAlgn="auto" latinLnBrk="0" hangingPunct="1">
-                <a:lnSpc>
-                  <a:spcPct val="100000"/>
-                </a:lnSpc>
-                <a:spcBef>
-                  <a:spcPts val="0"/>
-                </a:spcBef>
-                <a:spcAft>
-                  <a:spcPts val="0"/>
-                </a:spcAft>
-                <a:buClrTx/>
-                <a:buSzTx/>
-                <a:buFontTx/>
-                <a:buNone/>
-                <a:tabLst/>
-                <a:defRPr/>
-              </a:pPr>
-              <a:endParaRPr kumimoji="0" lang="en-US" sz="1800" b="0" i="0" u="none" strike="noStrike" kern="0" cap="none" spc="0" normalizeH="0" baseline="0" noProof="0">
-                <a:ln>
-                  <a:noFill/>
-                </a:ln>
-                <a:solidFill>
-                  <a:prstClr val="white"/>
-                </a:solidFill>
-                <a:effectLst/>
-                <a:uLnTx/>
-                <a:uFillTx/>
-                <a:latin typeface="Arial"/>
-                <a:ea typeface=""/>
-                <a:cs typeface=""/>
-              </a:endParaRPr>
-            </a:p>
-          </p:txBody>
-        </p:sp>
-        <p:cxnSp>
-          <p:nvCxnSpPr>
-            <p:cNvPr id="61" name="Elbow Connector 60"/>
-            <p:cNvCxnSpPr>
-              <a:stCxn id="60" idx="0"/>
-              <a:endCxn id="79" idx="1"/>
-            </p:cNvCxnSpPr>
-            <p:nvPr/>
-          </p:nvCxnSpPr>
-          <p:spPr>
-            <a:xfrm rot="5400000" flipH="1" flipV="1">
-              <a:off x="2609638" y="1691799"/>
-              <a:ext cx="354213" cy="1334737"/>
-            </a:xfrm>
-            <a:prstGeom prst="bentConnector2">
-              <a:avLst/>
-            </a:prstGeom>
-            <a:noFill/>
-            <a:ln w="28575" cap="flat" cmpd="sng" algn="ctr">
-              <a:solidFill>
-                <a:sysClr val="windowText" lastClr="000000">
-                  <a:lumMod val="75000"/>
-                  <a:lumOff val="25000"/>
-                </a:sysClr>
-              </a:solidFill>
-              <a:prstDash val="solid"/>
-            </a:ln>
-            <a:effectLst/>
-          </p:spPr>
-        </p:cxnSp>
-        <p:sp>
-          <p:nvSpPr>
-            <p:cNvPr id="62" name="TextBox 61"/>
-            <p:cNvSpPr txBox="1"/>
-            <p:nvPr/>
-          </p:nvSpPr>
-          <p:spPr>
-            <a:xfrm>
-              <a:off x="2186129" y="1937883"/>
-              <a:ext cx="1257952" cy="276999"/>
-            </a:xfrm>
-            <a:prstGeom prst="rect">
-              <a:avLst/>
-            </a:prstGeom>
-            <a:noFill/>
-          </p:spPr>
-          <p:txBody>
-            <a:bodyPr wrap="square" rtlCol="0">
-              <a:spAutoFit/>
-            </a:bodyPr>
-            <a:lstStyle/>
-            <a:p>
-              <a:pPr marL="0" marR="0" lvl="0" indent="0" defTabSz="914400" eaLnBrk="1" fontAlgn="auto" latinLnBrk="0" hangingPunct="1">
-                <a:lnSpc>
-                  <a:spcPct val="100000"/>
-                </a:lnSpc>
-                <a:spcBef>
-                  <a:spcPts val="0"/>
-                </a:spcBef>
-                <a:spcAft>
-                  <a:spcPts val="0"/>
-                </a:spcAft>
-                <a:buClrTx/>
-                <a:buSzTx/>
-                <a:buFontTx/>
-                <a:buNone/>
-                <a:tabLst/>
-                <a:defRPr/>
-              </a:pPr>
-              <a:r>
-                <a:rPr kumimoji="0" lang="en-US" sz="1200" b="0" i="0" u="none" strike="noStrike" kern="0" cap="none" spc="0" normalizeH="0" baseline="0" noProof="0" dirty="0">
-                  <a:ln>
-                    <a:noFill/>
-                  </a:ln>
-                  <a:solidFill>
-                    <a:prstClr val="black"/>
-                  </a:solidFill>
-                  <a:effectLst/>
-                  <a:uLnTx/>
-                  <a:uFillTx/>
-                </a:rPr>
-                <a:t>Enroll in ADAP</a:t>
-              </a:r>
-            </a:p>
-          </p:txBody>
-        </p:sp>
-        <p:cxnSp>
-          <p:nvCxnSpPr>
-            <p:cNvPr id="63" name="Elbow Connector 62"/>
-            <p:cNvCxnSpPr>
-              <a:stCxn id="60" idx="4"/>
-              <a:endCxn id="81" idx="1"/>
-            </p:cNvCxnSpPr>
-            <p:nvPr/>
-          </p:nvCxnSpPr>
-          <p:spPr>
-            <a:xfrm rot="16200000" flipH="1">
-              <a:off x="2570810" y="2267719"/>
-              <a:ext cx="413941" cy="1316808"/>
-            </a:xfrm>
-            <a:prstGeom prst="bentConnector2">
-              <a:avLst/>
-            </a:prstGeom>
-            <a:noFill/>
-            <a:ln w="28575" cap="flat" cmpd="sng" algn="ctr">
-              <a:solidFill>
-                <a:sysClr val="windowText" lastClr="000000">
-                  <a:lumMod val="75000"/>
-                  <a:lumOff val="25000"/>
-                </a:sysClr>
-              </a:solidFill>
-              <a:prstDash val="solid"/>
-            </a:ln>
-            <a:effectLst/>
-          </p:spPr>
-        </p:cxnSp>
-        <p:sp>
-          <p:nvSpPr>
-            <p:cNvPr id="64" name="TextBox 63"/>
-            <p:cNvSpPr txBox="1"/>
-            <p:nvPr/>
-          </p:nvSpPr>
-          <p:spPr>
-            <a:xfrm>
-              <a:off x="2175540" y="2873635"/>
-              <a:ext cx="1096987" cy="276999"/>
-            </a:xfrm>
-            <a:prstGeom prst="rect">
-              <a:avLst/>
-            </a:prstGeom>
-            <a:noFill/>
-          </p:spPr>
-          <p:txBody>
-            <a:bodyPr wrap="square" rtlCol="0">
-              <a:spAutoFit/>
-            </a:bodyPr>
-            <a:lstStyle/>
-            <a:p>
-              <a:pPr marL="0" marR="0" lvl="0" indent="0" defTabSz="914400" eaLnBrk="1" fontAlgn="auto" latinLnBrk="0" hangingPunct="1">
-                <a:lnSpc>
-                  <a:spcPct val="100000"/>
-                </a:lnSpc>
-                <a:spcBef>
-                  <a:spcPts val="0"/>
-                </a:spcBef>
-                <a:spcAft>
-                  <a:spcPts val="0"/>
-                </a:spcAft>
-                <a:buClrTx/>
-                <a:buSzTx/>
-                <a:buFontTx/>
-                <a:buNone/>
-                <a:tabLst/>
-                <a:defRPr/>
-              </a:pPr>
-              <a:r>
-                <a:rPr kumimoji="0" lang="en-US" sz="1200" b="0" i="0" u="none" strike="noStrike" kern="0" cap="none" spc="0" normalizeH="0" baseline="0" noProof="0" dirty="0">
-                  <a:ln>
-                    <a:noFill/>
-                  </a:ln>
-                  <a:solidFill>
-                    <a:prstClr val="black"/>
-                  </a:solidFill>
-                  <a:effectLst/>
-                  <a:uLnTx/>
-                  <a:uFillTx/>
-                </a:rPr>
-                <a:t>Don’t enroll</a:t>
-              </a:r>
-            </a:p>
-          </p:txBody>
-        </p:sp>
-        <p:sp>
-          <p:nvSpPr>
-            <p:cNvPr id="65" name="TextBox 64"/>
-            <p:cNvSpPr txBox="1"/>
-            <p:nvPr/>
-          </p:nvSpPr>
-          <p:spPr>
-            <a:xfrm>
-              <a:off x="2274221" y="2146933"/>
-              <a:ext cx="663617" cy="307777"/>
-            </a:xfrm>
-            <a:prstGeom prst="rect">
-              <a:avLst/>
-            </a:prstGeom>
-            <a:noFill/>
-          </p:spPr>
-          <p:txBody>
-            <a:bodyPr wrap="square" rtlCol="0">
-              <a:spAutoFit/>
-            </a:bodyPr>
-            <a:lstStyle/>
-            <a:p>
-              <a:pPr marL="0" marR="0" lvl="0" indent="0" algn="ctr" defTabSz="914400" eaLnBrk="1" fontAlgn="auto" latinLnBrk="0" hangingPunct="1">
-                <a:lnSpc>
-                  <a:spcPct val="100000"/>
-                </a:lnSpc>
-                <a:spcBef>
-                  <a:spcPts val="0"/>
-                </a:spcBef>
-                <a:spcAft>
-                  <a:spcPts val="0"/>
-                </a:spcAft>
-                <a:buClrTx/>
-                <a:buSzTx/>
-                <a:buFontTx/>
-                <a:buNone/>
-                <a:tabLst/>
-                <a:defRPr/>
-              </a:pPr>
-              <a:r>
-                <a:rPr lang="en-US" sz="1400" b="1" i="1" kern="0" dirty="0"/>
-                <a:t>q</a:t>
-              </a:r>
-              <a:endParaRPr kumimoji="0" lang="en-US" sz="1400" b="1" i="1" u="none" strike="noStrike" kern="0" cap="none" spc="0" normalizeH="0" baseline="0" noProof="0" dirty="0">
-                <a:ln>
-                  <a:noFill/>
-                </a:ln>
-                <a:effectLst/>
-                <a:uLnTx/>
-                <a:uFillTx/>
-              </a:endParaRPr>
-            </a:p>
-          </p:txBody>
-        </p:sp>
-        <p:sp>
-          <p:nvSpPr>
-            <p:cNvPr id="66" name="TextBox 65"/>
-            <p:cNvSpPr txBox="1"/>
-            <p:nvPr/>
-          </p:nvSpPr>
-          <p:spPr>
-            <a:xfrm>
-              <a:off x="2277368" y="3111437"/>
-              <a:ext cx="663617" cy="307777"/>
-            </a:xfrm>
-            <a:prstGeom prst="rect">
-              <a:avLst/>
-            </a:prstGeom>
-            <a:noFill/>
-          </p:spPr>
-          <p:txBody>
-            <a:bodyPr wrap="square" rtlCol="0">
-              <a:spAutoFit/>
-            </a:bodyPr>
-            <a:lstStyle/>
-            <a:p>
-              <a:pPr marL="0" marR="0" lvl="0" indent="0" algn="ctr" defTabSz="914400" eaLnBrk="1" fontAlgn="auto" latinLnBrk="0" hangingPunct="1">
-                <a:lnSpc>
-                  <a:spcPct val="100000"/>
-                </a:lnSpc>
-                <a:spcBef>
-                  <a:spcPts val="0"/>
-                </a:spcBef>
-                <a:spcAft>
-                  <a:spcPts val="0"/>
-                </a:spcAft>
-                <a:buClrTx/>
-                <a:buSzTx/>
-                <a:buFontTx/>
-                <a:buNone/>
-                <a:tabLst/>
-                <a:defRPr/>
-              </a:pPr>
-              <a:r>
-                <a:rPr kumimoji="0" lang="en-US" sz="1400" b="1" i="0" u="none" strike="noStrike" kern="0" cap="none" spc="0" normalizeH="0" baseline="0" noProof="0" dirty="0">
-                  <a:ln>
-                    <a:noFill/>
-                  </a:ln>
-                  <a:effectLst/>
-                  <a:uLnTx/>
-                  <a:uFillTx/>
-                </a:rPr>
-                <a:t>1 - </a:t>
-              </a:r>
-              <a:r>
-                <a:rPr kumimoji="0" lang="en-US" sz="1400" b="1" i="1" u="none" strike="noStrike" kern="0" cap="none" spc="0" normalizeH="0" baseline="0" noProof="0" dirty="0">
-                  <a:ln>
-                    <a:noFill/>
-                  </a:ln>
-                  <a:effectLst/>
-                  <a:uLnTx/>
-                  <a:uFillTx/>
-                </a:rPr>
-                <a:t>q</a:t>
-              </a:r>
-            </a:p>
-          </p:txBody>
-        </p:sp>
-      </p:grpSp>
-      <p:sp>
-        <p:nvSpPr>
-          <p:cNvPr id="81" name="TextBox 80"/>
-          <p:cNvSpPr txBox="1"/>
-          <p:nvPr/>
-        </p:nvSpPr>
-        <p:spPr>
-          <a:xfrm>
-            <a:off x="7498395" y="2495744"/>
-            <a:ext cx="1572063" cy="276999"/>
-          </a:xfrm>
-          <a:prstGeom prst="rect">
-            <a:avLst/>
-          </a:prstGeom>
-          <a:solidFill>
-            <a:schemeClr val="accent2">
-              <a:lumMod val="40000"/>
-              <a:lumOff val="60000"/>
-            </a:schemeClr>
-          </a:solidFill>
-          <a:ln>
-            <a:solidFill>
-              <a:schemeClr val="accent2">
-                <a:lumMod val="50000"/>
-              </a:schemeClr>
-            </a:solidFill>
-          </a:ln>
-        </p:spPr>
-        <p:txBody>
-          <a:bodyPr wrap="square" rtlCol="0">
-            <a:spAutoFit/>
-          </a:bodyPr>
-          <a:lstStyle/>
-          <a:p>
-            <a:pPr algn="ctr"/>
-            <a:r>
-              <a:rPr lang="en-US" sz="1200" dirty="0"/>
-              <a:t>Not enrolled in ADAP</a:t>
             </a:r>
           </a:p>
         </p:txBody>
@@ -5413,6 +4929,63 @@
           </a:p>
         </p:txBody>
       </p:sp>
+      <p:sp>
+        <p:nvSpPr>
+          <p:cNvPr id="56" name="Rectangle 55">
+            <a:extLst>
+              <a:ext uri="{FF2B5EF4-FFF2-40B4-BE49-F238E27FC236}">
+                <a16:creationId xmlns:a16="http://schemas.microsoft.com/office/drawing/2014/main" id="{D3A7D3A7-9442-D143-8585-B6B84EC27049}"/>
+              </a:ext>
+            </a:extLst>
+          </p:cNvPr>
+          <p:cNvSpPr/>
+          <p:nvPr/>
+        </p:nvSpPr>
+        <p:spPr>
+          <a:xfrm>
+            <a:off x="4471463" y="2542137"/>
+            <a:ext cx="183613" cy="182880"/>
+          </a:xfrm>
+          <a:prstGeom prst="rect">
+            <a:avLst/>
+          </a:prstGeom>
+          <a:solidFill>
+            <a:schemeClr val="accent1">
+              <a:lumMod val="60000"/>
+              <a:lumOff val="40000"/>
+            </a:schemeClr>
+          </a:solidFill>
+          <a:ln w="28575">
+            <a:solidFill>
+              <a:schemeClr val="tx2"/>
+            </a:solidFill>
+          </a:ln>
+        </p:spPr>
+        <p:style>
+          <a:lnRef idx="2">
+            <a:schemeClr val="accent1">
+              <a:shade val="50000"/>
+            </a:schemeClr>
+          </a:lnRef>
+          <a:fillRef idx="1">
+            <a:schemeClr val="accent1"/>
+          </a:fillRef>
+          <a:effectRef idx="0">
+            <a:schemeClr val="accent1"/>
+          </a:effectRef>
+          <a:fontRef idx="minor">
+            <a:schemeClr val="lt1"/>
+          </a:fontRef>
+        </p:style>
+        <p:txBody>
+          <a:bodyPr rtlCol="0" anchor="ctr"/>
+          <a:lstStyle/>
+          <a:p>
+            <a:pPr algn="ctr"/>
+            <a:endParaRPr lang="en-US"/>
+          </a:p>
+        </p:txBody>
+      </p:sp>
     </p:spTree>
     <p:extLst>
       <p:ext uri="{BB962C8B-B14F-4D97-AF65-F5344CB8AC3E}">
@@ -5715,7 +5288,7 @@
         </p:nvSpPr>
         <p:spPr>
           <a:xfrm>
-            <a:off x="3042061" y="1300767"/>
+            <a:off x="3075890" y="1340476"/>
             <a:ext cx="3385677" cy="2792815"/>
           </a:xfrm>
           <a:prstGeom prst="roundRect">
@@ -5930,8 +5503,8 @@
           <p:nvCxnSpPr>
             <p:cNvPr id="38" name="Elbow Connector 37"/>
             <p:cNvCxnSpPr>
+              <a:cxnSpLocks/>
               <a:stCxn id="37" idx="0"/>
-              <a:endCxn id="50" idx="2"/>
             </p:cNvCxnSpPr>
             <p:nvPr/>
           </p:nvCxnSpPr>
@@ -6263,85 +5836,17 @@
         </p:nvGrpSpPr>
         <p:grpSpPr>
           <a:xfrm>
-            <a:off x="4816983" y="1876679"/>
-            <a:ext cx="2006059" cy="1331284"/>
-            <a:chOff x="2027936" y="1870148"/>
-            <a:chExt cx="2006059" cy="1331284"/>
+            <a:off x="4908423" y="1876679"/>
+            <a:ext cx="1914619" cy="1331284"/>
+            <a:chOff x="2119376" y="1870148"/>
+            <a:chExt cx="1914619" cy="1331284"/>
           </a:xfrm>
         </p:grpSpPr>
-        <p:sp>
-          <p:nvSpPr>
-            <p:cNvPr id="50" name="Oval 49"/>
-            <p:cNvSpPr/>
-            <p:nvPr/>
-          </p:nvSpPr>
-          <p:spPr>
-            <a:xfrm>
-              <a:off x="2027936" y="2536273"/>
-              <a:ext cx="182880" cy="182880"/>
-            </a:xfrm>
-            <a:prstGeom prst="ellipse">
-              <a:avLst/>
-            </a:prstGeom>
-            <a:solidFill>
-              <a:srgbClr val="8FB08C">
-                <a:lumMod val="60000"/>
-                <a:lumOff val="40000"/>
-              </a:srgbClr>
-            </a:solidFill>
-            <a:ln w="25400" cap="flat" cmpd="sng" algn="ctr">
-              <a:solidFill>
-                <a:srgbClr val="8FB08C">
-                  <a:lumMod val="50000"/>
-                </a:srgbClr>
-              </a:solidFill>
-              <a:prstDash val="solid"/>
-            </a:ln>
-            <a:effectLst/>
-          </p:spPr>
-          <p:txBody>
-            <a:bodyPr rtlCol="0" anchor="ctr"/>
-            <a:lstStyle/>
-            <a:p>
-              <a:pPr marL="0" marR="0" lvl="0" indent="0" algn="ctr" defTabSz="914400" eaLnBrk="1" fontAlgn="auto" latinLnBrk="0" hangingPunct="1">
-                <a:lnSpc>
-                  <a:spcPct val="100000"/>
-                </a:lnSpc>
-                <a:spcBef>
-                  <a:spcPts val="0"/>
-                </a:spcBef>
-                <a:spcAft>
-                  <a:spcPts val="0"/>
-                </a:spcAft>
-                <a:buClrTx/>
-                <a:buSzTx/>
-                <a:buFontTx/>
-                <a:buNone/>
-                <a:tabLst/>
-                <a:defRPr/>
-              </a:pPr>
-              <a:endParaRPr kumimoji="0" lang="en-US" sz="1800" b="0" i="0" u="none" strike="noStrike" kern="0" cap="none" spc="0" normalizeH="0" baseline="0" noProof="0">
-                <a:ln>
-                  <a:noFill/>
-                </a:ln>
-                <a:solidFill>
-                  <a:prstClr val="white"/>
-                </a:solidFill>
-                <a:effectLst/>
-                <a:uLnTx/>
-                <a:uFillTx/>
-                <a:latin typeface="Arial"/>
-                <a:ea typeface=""/>
-                <a:cs typeface=""/>
-              </a:endParaRPr>
-            </a:p>
-          </p:txBody>
-        </p:sp>
         <p:cxnSp>
           <p:nvCxnSpPr>
             <p:cNvPr id="51" name="Elbow Connector 50"/>
             <p:cNvCxnSpPr>
-              <a:stCxn id="50" idx="0"/>
+              <a:cxnSpLocks/>
               <a:endCxn id="79" idx="1"/>
             </p:cNvCxnSpPr>
             <p:nvPr/>
@@ -6427,7 +5932,7 @@
           <p:nvCxnSpPr>
             <p:cNvPr id="53" name="Elbow Connector 52"/>
             <p:cNvCxnSpPr>
-              <a:stCxn id="50" idx="4"/>
+              <a:cxnSpLocks/>
               <a:endCxn id="83" idx="1"/>
             </p:cNvCxnSpPr>
             <p:nvPr/>
@@ -6895,6 +6400,63 @@
           </a:fontRef>
         </p:style>
       </p:cxnSp>
+      <p:sp>
+        <p:nvSpPr>
+          <p:cNvPr id="34" name="Rectangle 33">
+            <a:extLst>
+              <a:ext uri="{FF2B5EF4-FFF2-40B4-BE49-F238E27FC236}">
+                <a16:creationId xmlns:a16="http://schemas.microsoft.com/office/drawing/2014/main" id="{B17F3513-696F-BD4A-A5C0-09ADA44F1528}"/>
+              </a:ext>
+            </a:extLst>
+          </p:cNvPr>
+          <p:cNvSpPr/>
+          <p:nvPr/>
+        </p:nvSpPr>
+        <p:spPr>
+          <a:xfrm>
+            <a:off x="4825300" y="2554004"/>
+            <a:ext cx="183613" cy="182880"/>
+          </a:xfrm>
+          <a:prstGeom prst="rect">
+            <a:avLst/>
+          </a:prstGeom>
+          <a:solidFill>
+            <a:schemeClr val="accent1">
+              <a:lumMod val="60000"/>
+              <a:lumOff val="40000"/>
+            </a:schemeClr>
+          </a:solidFill>
+          <a:ln w="28575">
+            <a:solidFill>
+              <a:schemeClr val="tx2"/>
+            </a:solidFill>
+          </a:ln>
+        </p:spPr>
+        <p:style>
+          <a:lnRef idx="2">
+            <a:schemeClr val="accent1">
+              <a:shade val="50000"/>
+            </a:schemeClr>
+          </a:lnRef>
+          <a:fillRef idx="1">
+            <a:schemeClr val="accent1"/>
+          </a:fillRef>
+          <a:effectRef idx="0">
+            <a:schemeClr val="accent1"/>
+          </a:effectRef>
+          <a:fontRef idx="minor">
+            <a:schemeClr val="lt1"/>
+          </a:fontRef>
+        </p:style>
+        <p:txBody>
+          <a:bodyPr rtlCol="0" anchor="ctr"/>
+          <a:lstStyle/>
+          <a:p>
+            <a:pPr algn="ctr"/>
+            <a:endParaRPr lang="en-US"/>
+          </a:p>
+        </p:txBody>
+      </p:sp>
     </p:spTree>
     <p:extLst>
       <p:ext uri="{BB962C8B-B14F-4D97-AF65-F5344CB8AC3E}">
@@ -6966,10 +6528,10 @@
         </p:nvGrpSpPr>
         <p:grpSpPr>
           <a:xfrm>
-            <a:off x="1665275" y="1300767"/>
-            <a:ext cx="7596103" cy="4582240"/>
-            <a:chOff x="1665275" y="1300767"/>
-            <a:chExt cx="7596103" cy="4582240"/>
+            <a:off x="1665275" y="351721"/>
+            <a:ext cx="7596103" cy="5531286"/>
+            <a:chOff x="1665275" y="351721"/>
+            <a:chExt cx="7596103" cy="5531286"/>
           </a:xfrm>
         </p:grpSpPr>
         <p:sp>
@@ -7060,7 +6622,7 @@
           </p:nvSpPr>
           <p:spPr>
             <a:xfrm>
-              <a:off x="4206949" y="1300767"/>
+              <a:off x="5884118" y="351721"/>
               <a:ext cx="3204510" cy="2135361"/>
             </a:xfrm>
             <a:prstGeom prst="roundRect">
